--- a/Project_1_Slides.pptx
+++ b/Project_1_Slides.pptx
@@ -13,10 +13,9 @@
     <p:sldId id="261" r:id="rId7"/>
     <p:sldId id="262" r:id="rId8"/>
     <p:sldId id="263" r:id="rId9"/>
-    <p:sldId id="264" r:id="rId10"/>
-    <p:sldId id="265" r:id="rId11"/>
-    <p:sldId id="266" r:id="rId12"/>
-    <p:sldId id="267" r:id="rId13"/>
+    <p:sldId id="265" r:id="rId10"/>
+    <p:sldId id="266" r:id="rId11"/>
+    <p:sldId id="267" r:id="rId12"/>
   </p:sldIdLst>
   <p:sldSz cx="12192000" cy="6858000"/>
   <p:notesSz cx="6858000" cy="9144000"/>
@@ -115,6 +114,11 @@
       </a:defRPr>
     </a:lvl9pPr>
   </p:defaultTextStyle>
+  <p:extLst>
+    <p:ext uri="{EFAFB233-063F-42B5-8137-9DF3F51BA10A}">
+      <p15:sldGuideLst xmlns:p15="http://schemas.microsoft.com/office/powerpoint/2012/main"/>
+    </p:ext>
+  </p:extLst>
 </p:presentation>
 </file>
 
@@ -265,7 +269,7 @@
           <a:p>
             <a:fld id="{40FB95BA-9913-4C64-8B39-27BEB02A3997}" type="datetimeFigureOut">
               <a:rPr lang="en-US" smtClean="0"/>
-              <a:t>4/5/2021</a:t>
+              <a:t>4/7/2021</a:t>
             </a:fld>
             <a:endParaRPr lang="en-US"/>
           </a:p>
@@ -463,7 +467,7 @@
           <a:p>
             <a:fld id="{40FB95BA-9913-4C64-8B39-27BEB02A3997}" type="datetimeFigureOut">
               <a:rPr lang="en-US" smtClean="0"/>
-              <a:t>4/5/2021</a:t>
+              <a:t>4/7/2021</a:t>
             </a:fld>
             <a:endParaRPr lang="en-US"/>
           </a:p>
@@ -671,7 +675,7 @@
           <a:p>
             <a:fld id="{40FB95BA-9913-4C64-8B39-27BEB02A3997}" type="datetimeFigureOut">
               <a:rPr lang="en-US" smtClean="0"/>
-              <a:t>4/5/2021</a:t>
+              <a:t>4/7/2021</a:t>
             </a:fld>
             <a:endParaRPr lang="en-US"/>
           </a:p>
@@ -869,7 +873,7 @@
           <a:p>
             <a:fld id="{40FB95BA-9913-4C64-8B39-27BEB02A3997}" type="datetimeFigureOut">
               <a:rPr lang="en-US" smtClean="0"/>
-              <a:t>4/5/2021</a:t>
+              <a:t>4/7/2021</a:t>
             </a:fld>
             <a:endParaRPr lang="en-US"/>
           </a:p>
@@ -1144,7 +1148,7 @@
           <a:p>
             <a:fld id="{40FB95BA-9913-4C64-8B39-27BEB02A3997}" type="datetimeFigureOut">
               <a:rPr lang="en-US" smtClean="0"/>
-              <a:t>4/5/2021</a:t>
+              <a:t>4/7/2021</a:t>
             </a:fld>
             <a:endParaRPr lang="en-US"/>
           </a:p>
@@ -1409,7 +1413,7 @@
           <a:p>
             <a:fld id="{40FB95BA-9913-4C64-8B39-27BEB02A3997}" type="datetimeFigureOut">
               <a:rPr lang="en-US" smtClean="0"/>
-              <a:t>4/5/2021</a:t>
+              <a:t>4/7/2021</a:t>
             </a:fld>
             <a:endParaRPr lang="en-US"/>
           </a:p>
@@ -1821,7 +1825,7 @@
           <a:p>
             <a:fld id="{40FB95BA-9913-4C64-8B39-27BEB02A3997}" type="datetimeFigureOut">
               <a:rPr lang="en-US" smtClean="0"/>
-              <a:t>4/5/2021</a:t>
+              <a:t>4/7/2021</a:t>
             </a:fld>
             <a:endParaRPr lang="en-US"/>
           </a:p>
@@ -1962,7 +1966,7 @@
           <a:p>
             <a:fld id="{40FB95BA-9913-4C64-8B39-27BEB02A3997}" type="datetimeFigureOut">
               <a:rPr lang="en-US" smtClean="0"/>
-              <a:t>4/5/2021</a:t>
+              <a:t>4/7/2021</a:t>
             </a:fld>
             <a:endParaRPr lang="en-US"/>
           </a:p>
@@ -2075,7 +2079,7 @@
           <a:p>
             <a:fld id="{40FB95BA-9913-4C64-8B39-27BEB02A3997}" type="datetimeFigureOut">
               <a:rPr lang="en-US" smtClean="0"/>
-              <a:t>4/5/2021</a:t>
+              <a:t>4/7/2021</a:t>
             </a:fld>
             <a:endParaRPr lang="en-US"/>
           </a:p>
@@ -2386,7 +2390,7 @@
           <a:p>
             <a:fld id="{40FB95BA-9913-4C64-8B39-27BEB02A3997}" type="datetimeFigureOut">
               <a:rPr lang="en-US" smtClean="0"/>
-              <a:t>4/5/2021</a:t>
+              <a:t>4/7/2021</a:t>
             </a:fld>
             <a:endParaRPr lang="en-US"/>
           </a:p>
@@ -2674,7 +2678,7 @@
           <a:p>
             <a:fld id="{40FB95BA-9913-4C64-8B39-27BEB02A3997}" type="datetimeFigureOut">
               <a:rPr lang="en-US" smtClean="0"/>
-              <a:t>4/5/2021</a:t>
+              <a:t>4/7/2021</a:t>
             </a:fld>
             <a:endParaRPr lang="en-US"/>
           </a:p>
@@ -2915,7 +2919,7 @@
           <a:p>
             <a:fld id="{40FB95BA-9913-4C64-8B39-27BEB02A3997}" type="datetimeFigureOut">
               <a:rPr lang="en-US" smtClean="0"/>
-              <a:t>4/5/2021</a:t>
+              <a:t>4/7/2021</a:t>
             </a:fld>
             <a:endParaRPr lang="en-US"/>
           </a:p>
@@ -3431,89 +3435,6 @@
           <p:cNvPr id="2" name="Title 1">
             <a:extLst>
               <a:ext uri="{FF2B5EF4-FFF2-40B4-BE49-F238E27FC236}">
-                <a16:creationId xmlns:a16="http://schemas.microsoft.com/office/drawing/2014/main" id="{AD69A769-05E7-40F8-898C-EC2C3A2879C8}"/>
-              </a:ext>
-            </a:extLst>
-          </p:cNvPr>
-          <p:cNvSpPr>
-            <a:spLocks noGrp="1"/>
-          </p:cNvSpPr>
-          <p:nvPr>
-            <p:ph type="title"/>
-          </p:nvPr>
-        </p:nvSpPr>
-        <p:spPr/>
-        <p:txBody>
-          <a:bodyPr/>
-          <a:lstStyle/>
-          <a:p>
-            <a:r>
-              <a:rPr lang="en-US" dirty="0"/>
-              <a:t>Findings and Conclusions</a:t>
-            </a:r>
-          </a:p>
-        </p:txBody>
-      </p:sp>
-      <p:sp>
-        <p:nvSpPr>
-          <p:cNvPr id="3" name="Content Placeholder 2">
-            <a:extLst>
-              <a:ext uri="{FF2B5EF4-FFF2-40B4-BE49-F238E27FC236}">
-                <a16:creationId xmlns:a16="http://schemas.microsoft.com/office/drawing/2014/main" id="{C447155F-51B3-4ED8-A4EA-932B2485D2B1}"/>
-              </a:ext>
-            </a:extLst>
-          </p:cNvPr>
-          <p:cNvSpPr>
-            <a:spLocks noGrp="1"/>
-          </p:cNvSpPr>
-          <p:nvPr>
-            <p:ph idx="1"/>
-          </p:nvPr>
-        </p:nvSpPr>
-        <p:spPr/>
-        <p:txBody>
-          <a:bodyPr/>
-          <a:lstStyle/>
-          <a:p>
-            <a:endParaRPr lang="en-US"/>
-          </a:p>
-        </p:txBody>
-      </p:sp>
-    </p:spTree>
-    <p:extLst>
-      <p:ext uri="{BB962C8B-B14F-4D97-AF65-F5344CB8AC3E}">
-        <p14:creationId xmlns:p14="http://schemas.microsoft.com/office/powerpoint/2010/main" val="1458736403"/>
-      </p:ext>
-    </p:extLst>
-  </p:cSld>
-  <p:clrMapOvr>
-    <a:masterClrMapping/>
-  </p:clrMapOvr>
-</p:sld>
-</file>
-
-<file path=ppt/slides/slide11.xml><?xml version="1.0" encoding="utf-8"?>
-<p:sld xmlns:a="http://schemas.openxmlformats.org/drawingml/2006/main" xmlns:r="http://schemas.openxmlformats.org/officeDocument/2006/relationships" xmlns:p="http://schemas.openxmlformats.org/presentationml/2006/main">
-  <p:cSld>
-    <p:spTree>
-      <p:nvGrpSpPr>
-        <p:cNvPr id="1" name=""/>
-        <p:cNvGrpSpPr/>
-        <p:nvPr/>
-      </p:nvGrpSpPr>
-      <p:grpSpPr>
-        <a:xfrm>
-          <a:off x="0" y="0"/>
-          <a:ext cx="0" cy="0"/>
-          <a:chOff x="0" y="0"/>
-          <a:chExt cx="0" cy="0"/>
-        </a:xfrm>
-      </p:grpSpPr>
-      <p:sp>
-        <p:nvSpPr>
-          <p:cNvPr id="2" name="Title 1">
-            <a:extLst>
-              <a:ext uri="{FF2B5EF4-FFF2-40B4-BE49-F238E27FC236}">
                 <a16:creationId xmlns:a16="http://schemas.microsoft.com/office/drawing/2014/main" id="{992C297E-E4D6-4215-A953-C926EE4CB779}"/>
               </a:ext>
             </a:extLst>
@@ -3590,7 +3511,7 @@
 </p:sld>
 </file>
 
-<file path=ppt/slides/slide12.xml><?xml version="1.0" encoding="utf-8"?>
+<file path=ppt/slides/slide11.xml><?xml version="1.0" encoding="utf-8"?>
 <p:sld xmlns:a="http://schemas.openxmlformats.org/drawingml/2006/main" xmlns:r="http://schemas.openxmlformats.org/officeDocument/2006/relationships" xmlns:p="http://schemas.openxmlformats.org/presentationml/2006/main">
   <p:cSld>
     <p:spTree>
@@ -3931,7 +3852,7 @@
           <a:p>
             <a:r>
               <a:rPr lang="en-US" dirty="0"/>
-              <a:t>Sources:</a:t>
+              <a:t>Sources: *link to datasets</a:t>
             </a:r>
           </a:p>
           <a:p>
@@ -3939,6 +3860,32 @@
               <a:rPr lang="en-US" dirty="0"/>
               <a:t>Cleanup process:</a:t>
             </a:r>
+          </a:p>
+          <a:p>
+            <a:pPr lvl="1"/>
+            <a:r>
+              <a:rPr lang="en-US" dirty="0"/>
+              <a:t>Pandas (parse, column changes, name changes, removing nulls </a:t>
+            </a:r>
+            <a:r>
+              <a:rPr lang="en-US" dirty="0" err="1"/>
+              <a:t>etc</a:t>
+            </a:r>
+            <a:r>
+              <a:rPr lang="en-US" dirty="0"/>
+              <a:t>)</a:t>
+            </a:r>
+          </a:p>
+          <a:p>
+            <a:pPr lvl="1"/>
+            <a:r>
+              <a:rPr lang="en-US" dirty="0"/>
+              <a:t>Excel manual manipulation</a:t>
+            </a:r>
+          </a:p>
+          <a:p>
+            <a:pPr lvl="1"/>
+            <a:endParaRPr lang="en-US" dirty="0"/>
           </a:p>
         </p:txBody>
       </p:sp>
@@ -3995,7 +3942,7 @@
           <a:p>
             <a:r>
               <a:rPr lang="en-US" dirty="0"/>
-              <a:t>Data Analysis</a:t>
+              <a:t>Data Analysis: (covid case change)</a:t>
             </a:r>
           </a:p>
         </p:txBody>
@@ -4021,7 +3968,7 @@
           <a:bodyPr/>
           <a:lstStyle/>
           <a:p>
-            <a:endParaRPr lang="en-US"/>
+            <a:endParaRPr lang="en-US" dirty="0"/>
           </a:p>
         </p:txBody>
       </p:sp>
@@ -4078,7 +4025,7 @@
           <a:p>
             <a:r>
               <a:rPr lang="en-US" dirty="0"/>
-              <a:t>Data Analysis</a:t>
+              <a:t>Data Analysis (unemployment)</a:t>
             </a:r>
           </a:p>
         </p:txBody>
@@ -4161,7 +4108,7 @@
           <a:p>
             <a:r>
               <a:rPr lang="en-US" dirty="0"/>
-              <a:t>Data Analysis</a:t>
+              <a:t>Data Analysis (real estate &amp; mortgage)</a:t>
             </a:r>
           </a:p>
         </p:txBody>
@@ -4187,7 +4134,7 @@
           <a:bodyPr/>
           <a:lstStyle/>
           <a:p>
-            <a:endParaRPr lang="en-US"/>
+            <a:endParaRPr lang="en-US" dirty="0"/>
           </a:p>
         </p:txBody>
       </p:sp>
@@ -4244,7 +4191,7 @@
           <a:p>
             <a:r>
               <a:rPr lang="en-US" dirty="0"/>
-              <a:t>Data Analysis</a:t>
+              <a:t>Data Analysis (personal consumption exp)</a:t>
             </a:r>
           </a:p>
         </p:txBody>
@@ -4309,7 +4256,7 @@
           <p:cNvPr id="2" name="Title 1">
             <a:extLst>
               <a:ext uri="{FF2B5EF4-FFF2-40B4-BE49-F238E27FC236}">
-                <a16:creationId xmlns:a16="http://schemas.microsoft.com/office/drawing/2014/main" id="{6EDF7250-939C-4030-9193-FA801466A631}"/>
+                <a16:creationId xmlns:a16="http://schemas.microsoft.com/office/drawing/2014/main" id="{AD69A769-05E7-40F8-898C-EC2C3A2879C8}"/>
               </a:ext>
             </a:extLst>
           </p:cNvPr>
@@ -4327,7 +4274,7 @@
           <a:p>
             <a:r>
               <a:rPr lang="en-US" dirty="0"/>
-              <a:t>Data Analysis</a:t>
+              <a:t>Findings and Conclusions</a:t>
             </a:r>
           </a:p>
         </p:txBody>
@@ -4337,7 +4284,7 @@
           <p:cNvPr id="3" name="Content Placeholder 2">
             <a:extLst>
               <a:ext uri="{FF2B5EF4-FFF2-40B4-BE49-F238E27FC236}">
-                <a16:creationId xmlns:a16="http://schemas.microsoft.com/office/drawing/2014/main" id="{06F220F6-45D0-47BC-ACC3-38E6FAF5BC53}"/>
+                <a16:creationId xmlns:a16="http://schemas.microsoft.com/office/drawing/2014/main" id="{C447155F-51B3-4ED8-A4EA-932B2485D2B1}"/>
               </a:ext>
             </a:extLst>
           </p:cNvPr>
@@ -4353,14 +4300,14 @@
           <a:bodyPr/>
           <a:lstStyle/>
           <a:p>
-            <a:endParaRPr lang="en-US"/>
+            <a:endParaRPr lang="en-US" dirty="0"/>
           </a:p>
         </p:txBody>
       </p:sp>
     </p:spTree>
     <p:extLst>
       <p:ext uri="{BB962C8B-B14F-4D97-AF65-F5344CB8AC3E}">
-        <p14:creationId xmlns:p14="http://schemas.microsoft.com/office/powerpoint/2010/main" val="642076707"/>
+        <p14:creationId xmlns:p14="http://schemas.microsoft.com/office/powerpoint/2010/main" val="1458736403"/>
       </p:ext>
     </p:extLst>
   </p:cSld>

--- a/Project_1_Slides.pptx
+++ b/Project_1_Slides.pptx
@@ -2,7 +2,7 @@
 <file path=ppt/presentation.xml><?xml version="1.0" encoding="utf-8"?>
 <p:presentation xmlns:a="http://schemas.openxmlformats.org/drawingml/2006/main" xmlns:r="http://schemas.openxmlformats.org/officeDocument/2006/relationships" xmlns:p="http://schemas.openxmlformats.org/presentationml/2006/main" saveSubsetFonts="1">
   <p:sldMasterIdLst>
-    <p:sldMasterId id="2147483648" r:id="rId1"/>
+    <p:sldMasterId id="2147483660" r:id="rId1"/>
   </p:sldMasterIdLst>
   <p:sldIdLst>
     <p:sldId id="256" r:id="rId2"/>
@@ -23,7 +23,7 @@
     <a:defPPr>
       <a:defRPr lang="en-US"/>
     </a:defPPr>
-    <a:lvl1pPr marL="0" algn="l" defTabSz="914400" rtl="0" eaLnBrk="1" latinLnBrk="0" hangingPunct="1">
+    <a:lvl1pPr marL="0" algn="l" defTabSz="457200" rtl="0" eaLnBrk="1" latinLnBrk="0" hangingPunct="1">
       <a:defRPr sz="1800" kern="1200">
         <a:solidFill>
           <a:schemeClr val="tx1"/>
@@ -33,7 +33,7 @@
         <a:cs typeface="+mn-cs"/>
       </a:defRPr>
     </a:lvl1pPr>
-    <a:lvl2pPr marL="457200" algn="l" defTabSz="914400" rtl="0" eaLnBrk="1" latinLnBrk="0" hangingPunct="1">
+    <a:lvl2pPr marL="457200" algn="l" defTabSz="457200" rtl="0" eaLnBrk="1" latinLnBrk="0" hangingPunct="1">
       <a:defRPr sz="1800" kern="1200">
         <a:solidFill>
           <a:schemeClr val="tx1"/>
@@ -43,7 +43,7 @@
         <a:cs typeface="+mn-cs"/>
       </a:defRPr>
     </a:lvl2pPr>
-    <a:lvl3pPr marL="914400" algn="l" defTabSz="914400" rtl="0" eaLnBrk="1" latinLnBrk="0" hangingPunct="1">
+    <a:lvl3pPr marL="914400" algn="l" defTabSz="457200" rtl="0" eaLnBrk="1" latinLnBrk="0" hangingPunct="1">
       <a:defRPr sz="1800" kern="1200">
         <a:solidFill>
           <a:schemeClr val="tx1"/>
@@ -53,7 +53,7 @@
         <a:cs typeface="+mn-cs"/>
       </a:defRPr>
     </a:lvl3pPr>
-    <a:lvl4pPr marL="1371600" algn="l" defTabSz="914400" rtl="0" eaLnBrk="1" latinLnBrk="0" hangingPunct="1">
+    <a:lvl4pPr marL="1371600" algn="l" defTabSz="457200" rtl="0" eaLnBrk="1" latinLnBrk="0" hangingPunct="1">
       <a:defRPr sz="1800" kern="1200">
         <a:solidFill>
           <a:schemeClr val="tx1"/>
@@ -63,7 +63,7 @@
         <a:cs typeface="+mn-cs"/>
       </a:defRPr>
     </a:lvl4pPr>
-    <a:lvl5pPr marL="1828800" algn="l" defTabSz="914400" rtl="0" eaLnBrk="1" latinLnBrk="0" hangingPunct="1">
+    <a:lvl5pPr marL="1828800" algn="l" defTabSz="457200" rtl="0" eaLnBrk="1" latinLnBrk="0" hangingPunct="1">
       <a:defRPr sz="1800" kern="1200">
         <a:solidFill>
           <a:schemeClr val="tx1"/>
@@ -73,7 +73,7 @@
         <a:cs typeface="+mn-cs"/>
       </a:defRPr>
     </a:lvl5pPr>
-    <a:lvl6pPr marL="2286000" algn="l" defTabSz="914400" rtl="0" eaLnBrk="1" latinLnBrk="0" hangingPunct="1">
+    <a:lvl6pPr marL="2286000" algn="l" defTabSz="457200" rtl="0" eaLnBrk="1" latinLnBrk="0" hangingPunct="1">
       <a:defRPr sz="1800" kern="1200">
         <a:solidFill>
           <a:schemeClr val="tx1"/>
@@ -83,7 +83,7 @@
         <a:cs typeface="+mn-cs"/>
       </a:defRPr>
     </a:lvl6pPr>
-    <a:lvl7pPr marL="2743200" algn="l" defTabSz="914400" rtl="0" eaLnBrk="1" latinLnBrk="0" hangingPunct="1">
+    <a:lvl7pPr marL="2743200" algn="l" defTabSz="457200" rtl="0" eaLnBrk="1" latinLnBrk="0" hangingPunct="1">
       <a:defRPr sz="1800" kern="1200">
         <a:solidFill>
           <a:schemeClr val="tx1"/>
@@ -93,7 +93,7 @@
         <a:cs typeface="+mn-cs"/>
       </a:defRPr>
     </a:lvl7pPr>
-    <a:lvl8pPr marL="3200400" algn="l" defTabSz="914400" rtl="0" eaLnBrk="1" latinLnBrk="0" hangingPunct="1">
+    <a:lvl8pPr marL="3200400" algn="l" defTabSz="457200" rtl="0" eaLnBrk="1" latinLnBrk="0" hangingPunct="1">
       <a:defRPr sz="1800" kern="1200">
         <a:solidFill>
           <a:schemeClr val="tx1"/>
@@ -103,7 +103,7 @@
         <a:cs typeface="+mn-cs"/>
       </a:defRPr>
     </a:lvl8pPr>
-    <a:lvl9pPr marL="3657600" algn="l" defTabSz="914400" rtl="0" eaLnBrk="1" latinLnBrk="0" hangingPunct="1">
+    <a:lvl9pPr marL="3657600" algn="l" defTabSz="457200" rtl="0" eaLnBrk="1" latinLnBrk="0" hangingPunct="1">
       <a:defRPr sz="1800" kern="1200">
         <a:solidFill>
           <a:schemeClr val="tx1"/>
@@ -123,8 +123,18 @@
 </file>
 
 <file path=ppt/slideLayouts/slideLayout1.xml><?xml version="1.0" encoding="utf-8"?>
-<p:sldLayout xmlns:a="http://schemas.openxmlformats.org/drawingml/2006/main" xmlns:r="http://schemas.openxmlformats.org/officeDocument/2006/relationships" xmlns:p="http://schemas.openxmlformats.org/presentationml/2006/main" type="title" preserve="1">
+<p:sldLayout xmlns:a="http://schemas.openxmlformats.org/drawingml/2006/main" xmlns:r="http://schemas.openxmlformats.org/officeDocument/2006/relationships" xmlns:p="http://schemas.openxmlformats.org/presentationml/2006/main" showMasterSp="0" type="title" preserve="1">
   <p:cSld name="Title Slide">
+    <p:bg>
+      <p:bgPr>
+        <a:solidFill>
+          <a:schemeClr val="bg2">
+            <a:lumMod val="75000"/>
+          </a:schemeClr>
+        </a:solidFill>
+        <a:effectLst/>
+      </p:bgPr>
+    </p:bg>
     <p:spTree>
       <p:nvGrpSpPr>
         <p:cNvPr id="1" name=""/>
@@ -141,13 +151,7 @@
       </p:grpSpPr>
       <p:sp>
         <p:nvSpPr>
-          <p:cNvPr id="2" name="Title 1">
-            <a:extLst>
-              <a:ext uri="{FF2B5EF4-FFF2-40B4-BE49-F238E27FC236}">
-                <a16:creationId xmlns:a16="http://schemas.microsoft.com/office/drawing/2014/main" id="{A06B4168-5408-4AB0-8728-3D7E496645BA}"/>
-              </a:ext>
-            </a:extLst>
-          </p:cNvPr>
+          <p:cNvPr id="2" name="Title 1"/>
           <p:cNvSpPr>
             <a:spLocks noGrp="1"/>
           </p:cNvSpPr>
@@ -157,15 +161,24 @@
         </p:nvSpPr>
         <p:spPr>
           <a:xfrm>
-            <a:off x="1524000" y="1122363"/>
-            <a:ext cx="9144000" cy="2387600"/>
+            <a:off x="1261872" y="758952"/>
+            <a:ext cx="9418320" cy="4041648"/>
           </a:xfrm>
         </p:spPr>
         <p:txBody>
-          <a:bodyPr anchor="b"/>
+          <a:bodyPr anchor="b">
+            <a:normAutofit/>
+          </a:bodyPr>
           <a:lstStyle>
-            <a:lvl1pPr algn="ctr">
-              <a:defRPr sz="6000"/>
+            <a:lvl1pPr algn="l">
+              <a:lnSpc>
+                <a:spcPct val="85000"/>
+              </a:lnSpc>
+              <a:defRPr sz="7200" baseline="0">
+                <a:solidFill>
+                  <a:schemeClr val="tx1"/>
+                </a:solidFill>
+              </a:defRPr>
             </a:lvl1pPr>
           </a:lstStyle>
           <a:p>
@@ -173,18 +186,13 @@
               <a:rPr lang="en-US"/>
               <a:t>Click to edit Master title style</a:t>
             </a:r>
-          </a:p>
-        </p:txBody>
-      </p:sp>
-      <p:sp>
-        <p:nvSpPr>
-          <p:cNvPr id="3" name="Subtitle 2">
-            <a:extLst>
-              <a:ext uri="{FF2B5EF4-FFF2-40B4-BE49-F238E27FC236}">
-                <a16:creationId xmlns:a16="http://schemas.microsoft.com/office/drawing/2014/main" id="{A1723558-6959-44A2-BC1A-95A3377FCDA8}"/>
-              </a:ext>
-            </a:extLst>
-          </p:cNvPr>
+            <a:endParaRPr lang="en-US" dirty="0"/>
+          </a:p>
+        </p:txBody>
+      </p:sp>
+      <p:sp>
+        <p:nvSpPr>
+          <p:cNvPr id="3" name="Subtitle 2"/>
           <p:cNvSpPr>
             <a:spLocks noGrp="1"/>
           </p:cNvSpPr>
@@ -194,48 +202,56 @@
         </p:nvSpPr>
         <p:spPr>
           <a:xfrm>
-            <a:off x="1524000" y="3602038"/>
-            <a:ext cx="9144000" cy="1655762"/>
+            <a:off x="1261872" y="4800600"/>
+            <a:ext cx="9418320" cy="1691640"/>
           </a:xfrm>
         </p:spPr>
         <p:txBody>
-          <a:bodyPr/>
+          <a:bodyPr>
+            <a:normAutofit/>
+          </a:bodyPr>
           <a:lstStyle>
-            <a:lvl1pPr marL="0" indent="0" algn="ctr">
-              <a:buNone/>
-              <a:defRPr sz="2400"/>
+            <a:lvl1pPr marL="0" indent="0" algn="l">
+              <a:buNone/>
+              <a:defRPr sz="2200" baseline="0">
+                <a:solidFill>
+                  <a:schemeClr val="tx1">
+                    <a:lumMod val="75000"/>
+                  </a:schemeClr>
+                </a:solidFill>
+              </a:defRPr>
             </a:lvl1pPr>
             <a:lvl2pPr marL="457200" indent="0" algn="ctr">
               <a:buNone/>
-              <a:defRPr sz="2000"/>
+              <a:defRPr sz="2200"/>
             </a:lvl2pPr>
             <a:lvl3pPr marL="914400" indent="0" algn="ctr">
               <a:buNone/>
-              <a:defRPr sz="1800"/>
+              <a:defRPr sz="2200"/>
             </a:lvl3pPr>
             <a:lvl4pPr marL="1371600" indent="0" algn="ctr">
               <a:buNone/>
-              <a:defRPr sz="1600"/>
+              <a:defRPr sz="2000"/>
             </a:lvl4pPr>
             <a:lvl5pPr marL="1828800" indent="0" algn="ctr">
               <a:buNone/>
-              <a:defRPr sz="1600"/>
+              <a:defRPr sz="2000"/>
             </a:lvl5pPr>
             <a:lvl6pPr marL="2286000" indent="0" algn="ctr">
               <a:buNone/>
-              <a:defRPr sz="1600"/>
+              <a:defRPr sz="2000"/>
             </a:lvl6pPr>
             <a:lvl7pPr marL="2743200" indent="0" algn="ctr">
               <a:buNone/>
-              <a:defRPr sz="1600"/>
+              <a:defRPr sz="2000"/>
             </a:lvl7pPr>
             <a:lvl8pPr marL="3200400" indent="0" algn="ctr">
               <a:buNone/>
-              <a:defRPr sz="1600"/>
+              <a:defRPr sz="2000"/>
             </a:lvl8pPr>
             <a:lvl9pPr marL="3657600" indent="0" algn="ctr">
               <a:buNone/>
-              <a:defRPr sz="1600"/>
+              <a:defRPr sz="2000"/>
             </a:lvl9pPr>
           </a:lstStyle>
           <a:p>
@@ -243,18 +259,13 @@
               <a:rPr lang="en-US"/>
               <a:t>Click to edit Master subtitle style</a:t>
             </a:r>
-          </a:p>
-        </p:txBody>
-      </p:sp>
-      <p:sp>
-        <p:nvSpPr>
-          <p:cNvPr id="4" name="Date Placeholder 3">
-            <a:extLst>
-              <a:ext uri="{FF2B5EF4-FFF2-40B4-BE49-F238E27FC236}">
-                <a16:creationId xmlns:a16="http://schemas.microsoft.com/office/drawing/2014/main" id="{54FF8BDF-A187-4DB2-B772-BBE2ED167380}"/>
-              </a:ext>
-            </a:extLst>
-          </p:cNvPr>
+            <a:endParaRPr lang="en-US" dirty="0"/>
+          </a:p>
+        </p:txBody>
+      </p:sp>
+      <p:sp>
+        <p:nvSpPr>
+          <p:cNvPr id="4" name="Date Placeholder 3"/>
           <p:cNvSpPr>
             <a:spLocks noGrp="1"/>
           </p:cNvSpPr>
@@ -265,11 +276,21 @@
         <p:spPr/>
         <p:txBody>
           <a:bodyPr/>
-          <a:lstStyle/>
+          <a:lstStyle>
+            <a:lvl1pPr>
+              <a:defRPr>
+                <a:solidFill>
+                  <a:schemeClr val="tx1">
+                    <a:lumMod val="50000"/>
+                  </a:schemeClr>
+                </a:solidFill>
+              </a:defRPr>
+            </a:lvl1pPr>
+          </a:lstStyle>
           <a:p>
             <a:fld id="{40FB95BA-9913-4C64-8B39-27BEB02A3997}" type="datetimeFigureOut">
               <a:rPr lang="en-US" smtClean="0"/>
-              <a:t>4/7/2021</a:t>
+              <a:t>4/8/2021</a:t>
             </a:fld>
             <a:endParaRPr lang="en-US"/>
           </a:p>
@@ -277,13 +298,7 @@
       </p:sp>
       <p:sp>
         <p:nvSpPr>
-          <p:cNvPr id="5" name="Footer Placeholder 4">
-            <a:extLst>
-              <a:ext uri="{FF2B5EF4-FFF2-40B4-BE49-F238E27FC236}">
-                <a16:creationId xmlns:a16="http://schemas.microsoft.com/office/drawing/2014/main" id="{54822FDF-A894-4416-8A05-F8B43731D638}"/>
-              </a:ext>
-            </a:extLst>
-          </p:cNvPr>
+          <p:cNvPr id="5" name="Footer Placeholder 4"/>
           <p:cNvSpPr>
             <a:spLocks noGrp="1"/>
           </p:cNvSpPr>
@@ -294,7 +309,17 @@
         <p:spPr/>
         <p:txBody>
           <a:bodyPr/>
-          <a:lstStyle/>
+          <a:lstStyle>
+            <a:lvl1pPr>
+              <a:defRPr>
+                <a:solidFill>
+                  <a:schemeClr val="tx1">
+                    <a:lumMod val="65000"/>
+                  </a:schemeClr>
+                </a:solidFill>
+              </a:defRPr>
+            </a:lvl1pPr>
+          </a:lstStyle>
           <a:p>
             <a:endParaRPr lang="en-US"/>
           </a:p>
@@ -302,13 +327,7 @@
       </p:sp>
       <p:sp>
         <p:nvSpPr>
-          <p:cNvPr id="6" name="Slide Number Placeholder 5">
-            <a:extLst>
-              <a:ext uri="{FF2B5EF4-FFF2-40B4-BE49-F238E27FC236}">
-                <a16:creationId xmlns:a16="http://schemas.microsoft.com/office/drawing/2014/main" id="{7E21A224-F591-4E52-8BC4-7F9FA4A77AE4}"/>
-              </a:ext>
-            </a:extLst>
-          </p:cNvPr>
+          <p:cNvPr id="6" name="Slide Number Placeholder 5"/>
           <p:cNvSpPr>
             <a:spLocks noGrp="1"/>
           </p:cNvSpPr>
@@ -319,7 +338,17 @@
         <p:spPr/>
         <p:txBody>
           <a:bodyPr/>
-          <a:lstStyle/>
+          <a:lstStyle>
+            <a:lvl1pPr>
+              <a:defRPr>
+                <a:solidFill>
+                  <a:schemeClr val="tx1">
+                    <a:lumMod val="65000"/>
+                  </a:schemeClr>
+                </a:solidFill>
+              </a:defRPr>
+            </a:lvl1pPr>
+          </a:lstStyle>
           <a:p>
             <a:fld id="{3AB4ED4F-9143-457C-9C54-2FC1315B4D1D}" type="slidenum">
               <a:rPr lang="en-US" smtClean="0"/>
@@ -329,15 +358,53 @@
           </a:p>
         </p:txBody>
       </p:sp>
+      <p:sp>
+        <p:nvSpPr>
+          <p:cNvPr id="7" name="Rectangle 6"/>
+          <p:cNvSpPr/>
+          <p:nvPr/>
+        </p:nvSpPr>
+        <p:spPr>
+          <a:xfrm>
+            <a:off x="0" y="0"/>
+            <a:ext cx="457200" cy="6858000"/>
+          </a:xfrm>
+          <a:prstGeom prst="rect">
+            <a:avLst/>
+          </a:prstGeom>
+          <a:solidFill>
+            <a:schemeClr val="accent1"/>
+          </a:solidFill>
+          <a:ln>
+            <a:noFill/>
+          </a:ln>
+        </p:spPr>
+        <p:style>
+          <a:lnRef idx="2">
+            <a:schemeClr val="accent1">
+              <a:shade val="50000"/>
+            </a:schemeClr>
+          </a:lnRef>
+          <a:fillRef idx="1">
+            <a:schemeClr val="accent1"/>
+          </a:fillRef>
+          <a:effectRef idx="0">
+            <a:schemeClr val="accent1"/>
+          </a:effectRef>
+          <a:fontRef idx="minor">
+            <a:schemeClr val="lt1"/>
+          </a:fontRef>
+        </p:style>
+      </p:sp>
     </p:spTree>
     <p:extLst>
       <p:ext uri="{BB962C8B-B14F-4D97-AF65-F5344CB8AC3E}">
-        <p14:creationId xmlns:p14="http://schemas.microsoft.com/office/powerpoint/2010/main" val="960889464"/>
+        <p14:creationId xmlns:p14="http://schemas.microsoft.com/office/powerpoint/2010/main" val="314763381"/>
       </p:ext>
     </p:extLst>
   </p:cSld>
   <p:clrMapOvr>
-    <a:masterClrMapping/>
+    <a:overrideClrMapping bg1="dk1" tx1="lt1" bg2="dk2" tx2="lt2" accent1="accent1" accent2="accent2" accent3="accent3" accent4="accent4" accent5="accent5" accent6="accent6" hlink="hlink" folHlink="folHlink"/>
   </p:clrMapOvr>
 </p:sldLayout>
 </file>
@@ -361,13 +428,7 @@
       </p:grpSpPr>
       <p:sp>
         <p:nvSpPr>
-          <p:cNvPr id="2" name="Title 1">
-            <a:extLst>
-              <a:ext uri="{FF2B5EF4-FFF2-40B4-BE49-F238E27FC236}">
-                <a16:creationId xmlns:a16="http://schemas.microsoft.com/office/drawing/2014/main" id="{E1745B33-5A54-4E89-A9AB-CEB291BF1C68}"/>
-              </a:ext>
-            </a:extLst>
-          </p:cNvPr>
+          <p:cNvPr id="2" name="Title 1"/>
           <p:cNvSpPr>
             <a:spLocks noGrp="1"/>
           </p:cNvSpPr>
@@ -384,18 +445,13 @@
               <a:rPr lang="en-US"/>
               <a:t>Click to edit Master title style</a:t>
             </a:r>
-          </a:p>
-        </p:txBody>
-      </p:sp>
-      <p:sp>
-        <p:nvSpPr>
-          <p:cNvPr id="3" name="Vertical Text Placeholder 2">
-            <a:extLst>
-              <a:ext uri="{FF2B5EF4-FFF2-40B4-BE49-F238E27FC236}">
-                <a16:creationId xmlns:a16="http://schemas.microsoft.com/office/drawing/2014/main" id="{E25CA65B-6C4A-4156-8388-432AF69FD38F}"/>
-              </a:ext>
-            </a:extLst>
-          </p:cNvPr>
+            <a:endParaRPr lang="en-US" dirty="0"/>
+          </a:p>
+        </p:txBody>
+      </p:sp>
+      <p:sp>
+        <p:nvSpPr>
+          <p:cNvPr id="3" name="Vertical Text Placeholder 2"/>
           <p:cNvSpPr>
             <a:spLocks noGrp="1"/>
           </p:cNvSpPr>
@@ -441,18 +497,13 @@
               <a:rPr lang="en-US"/>
               <a:t>Fifth level</a:t>
             </a:r>
-          </a:p>
-        </p:txBody>
-      </p:sp>
-      <p:sp>
-        <p:nvSpPr>
-          <p:cNvPr id="4" name="Date Placeholder 3">
-            <a:extLst>
-              <a:ext uri="{FF2B5EF4-FFF2-40B4-BE49-F238E27FC236}">
-                <a16:creationId xmlns:a16="http://schemas.microsoft.com/office/drawing/2014/main" id="{52A49F4B-6645-4543-A04D-9DBADEA407AD}"/>
-              </a:ext>
-            </a:extLst>
-          </p:cNvPr>
+            <a:endParaRPr lang="en-US" dirty="0"/>
+          </a:p>
+        </p:txBody>
+      </p:sp>
+      <p:sp>
+        <p:nvSpPr>
+          <p:cNvPr id="4" name="Date Placeholder 3"/>
           <p:cNvSpPr>
             <a:spLocks noGrp="1"/>
           </p:cNvSpPr>
@@ -467,7 +518,7 @@
           <a:p>
             <a:fld id="{40FB95BA-9913-4C64-8B39-27BEB02A3997}" type="datetimeFigureOut">
               <a:rPr lang="en-US" smtClean="0"/>
-              <a:t>4/7/2021</a:t>
+              <a:t>4/8/2021</a:t>
             </a:fld>
             <a:endParaRPr lang="en-US"/>
           </a:p>
@@ -475,13 +526,7 @@
       </p:sp>
       <p:sp>
         <p:nvSpPr>
-          <p:cNvPr id="5" name="Footer Placeholder 4">
-            <a:extLst>
-              <a:ext uri="{FF2B5EF4-FFF2-40B4-BE49-F238E27FC236}">
-                <a16:creationId xmlns:a16="http://schemas.microsoft.com/office/drawing/2014/main" id="{7C134295-1F65-4AFF-A4E1-148CF893DEF4}"/>
-              </a:ext>
-            </a:extLst>
-          </p:cNvPr>
+          <p:cNvPr id="5" name="Footer Placeholder 4"/>
           <p:cNvSpPr>
             <a:spLocks noGrp="1"/>
           </p:cNvSpPr>
@@ -500,13 +545,7 @@
       </p:sp>
       <p:sp>
         <p:nvSpPr>
-          <p:cNvPr id="6" name="Slide Number Placeholder 5">
-            <a:extLst>
-              <a:ext uri="{FF2B5EF4-FFF2-40B4-BE49-F238E27FC236}">
-                <a16:creationId xmlns:a16="http://schemas.microsoft.com/office/drawing/2014/main" id="{FF354955-6297-4334-8AC6-4FB4E4CC7618}"/>
-              </a:ext>
-            </a:extLst>
-          </p:cNvPr>
+          <p:cNvPr id="6" name="Slide Number Placeholder 5"/>
           <p:cNvSpPr>
             <a:spLocks noGrp="1"/>
           </p:cNvSpPr>
@@ -530,7 +569,7 @@
     </p:spTree>
     <p:extLst>
       <p:ext uri="{BB962C8B-B14F-4D97-AF65-F5344CB8AC3E}">
-        <p14:creationId xmlns:p14="http://schemas.microsoft.com/office/powerpoint/2010/main" val="2767199222"/>
+        <p14:creationId xmlns:p14="http://schemas.microsoft.com/office/powerpoint/2010/main" val="3188895648"/>
       </p:ext>
     </p:extLst>
   </p:cSld>
@@ -559,13 +598,7 @@
       </p:grpSpPr>
       <p:sp>
         <p:nvSpPr>
-          <p:cNvPr id="2" name="Vertical Title 1">
-            <a:extLst>
-              <a:ext uri="{FF2B5EF4-FFF2-40B4-BE49-F238E27FC236}">
-                <a16:creationId xmlns:a16="http://schemas.microsoft.com/office/drawing/2014/main" id="{81A1D3D1-0A2F-49F4-8A78-2548485A548D}"/>
-              </a:ext>
-            </a:extLst>
-          </p:cNvPr>
+          <p:cNvPr id="2" name="Vertical Title 1"/>
           <p:cNvSpPr>
             <a:spLocks noGrp="1"/>
           </p:cNvSpPr>
@@ -575,8 +608,8 @@
         </p:nvSpPr>
         <p:spPr>
           <a:xfrm>
-            <a:off x="8724900" y="365125"/>
-            <a:ext cx="2628900" cy="5811838"/>
+            <a:off x="8648700" y="381000"/>
+            <a:ext cx="2476500" cy="5897562"/>
           </a:xfrm>
         </p:spPr>
         <p:txBody>
@@ -587,18 +620,13 @@
               <a:rPr lang="en-US"/>
               <a:t>Click to edit Master title style</a:t>
             </a:r>
-          </a:p>
-        </p:txBody>
-      </p:sp>
-      <p:sp>
-        <p:nvSpPr>
-          <p:cNvPr id="3" name="Vertical Text Placeholder 2">
-            <a:extLst>
-              <a:ext uri="{FF2B5EF4-FFF2-40B4-BE49-F238E27FC236}">
-                <a16:creationId xmlns:a16="http://schemas.microsoft.com/office/drawing/2014/main" id="{07A9DDDB-02DC-4AAC-B03A-67DAA6932E46}"/>
-              </a:ext>
-            </a:extLst>
-          </p:cNvPr>
+            <a:endParaRPr lang="en-US" dirty="0"/>
+          </a:p>
+        </p:txBody>
+      </p:sp>
+      <p:sp>
+        <p:nvSpPr>
+          <p:cNvPr id="3" name="Vertical Text Placeholder 2"/>
           <p:cNvSpPr>
             <a:spLocks noGrp="1"/>
           </p:cNvSpPr>
@@ -608,8 +636,8 @@
         </p:nvSpPr>
         <p:spPr>
           <a:xfrm>
-            <a:off x="838200" y="365125"/>
-            <a:ext cx="7734300" cy="5811838"/>
+            <a:off x="762000" y="381000"/>
+            <a:ext cx="7734300" cy="5897562"/>
           </a:xfrm>
         </p:spPr>
         <p:txBody>
@@ -649,18 +677,13 @@
               <a:rPr lang="en-US"/>
               <a:t>Fifth level</a:t>
             </a:r>
-          </a:p>
-        </p:txBody>
-      </p:sp>
-      <p:sp>
-        <p:nvSpPr>
-          <p:cNvPr id="4" name="Date Placeholder 3">
-            <a:extLst>
-              <a:ext uri="{FF2B5EF4-FFF2-40B4-BE49-F238E27FC236}">
-                <a16:creationId xmlns:a16="http://schemas.microsoft.com/office/drawing/2014/main" id="{882CF673-2E64-4A1A-BC49-1D378775E312}"/>
-              </a:ext>
-            </a:extLst>
-          </p:cNvPr>
+            <a:endParaRPr lang="en-US" dirty="0"/>
+          </a:p>
+        </p:txBody>
+      </p:sp>
+      <p:sp>
+        <p:nvSpPr>
+          <p:cNvPr id="4" name="Date Placeholder 3"/>
           <p:cNvSpPr>
             <a:spLocks noGrp="1"/>
           </p:cNvSpPr>
@@ -675,7 +698,7 @@
           <a:p>
             <a:fld id="{40FB95BA-9913-4C64-8B39-27BEB02A3997}" type="datetimeFigureOut">
               <a:rPr lang="en-US" smtClean="0"/>
-              <a:t>4/7/2021</a:t>
+              <a:t>4/8/2021</a:t>
             </a:fld>
             <a:endParaRPr lang="en-US"/>
           </a:p>
@@ -683,13 +706,7 @@
       </p:sp>
       <p:sp>
         <p:nvSpPr>
-          <p:cNvPr id="5" name="Footer Placeholder 4">
-            <a:extLst>
-              <a:ext uri="{FF2B5EF4-FFF2-40B4-BE49-F238E27FC236}">
-                <a16:creationId xmlns:a16="http://schemas.microsoft.com/office/drawing/2014/main" id="{A316289F-68B9-4644-B1EF-80B7D41D1823}"/>
-              </a:ext>
-            </a:extLst>
-          </p:cNvPr>
+          <p:cNvPr id="5" name="Footer Placeholder 4"/>
           <p:cNvSpPr>
             <a:spLocks noGrp="1"/>
           </p:cNvSpPr>
@@ -708,13 +725,7 @@
       </p:sp>
       <p:sp>
         <p:nvSpPr>
-          <p:cNvPr id="6" name="Slide Number Placeholder 5">
-            <a:extLst>
-              <a:ext uri="{FF2B5EF4-FFF2-40B4-BE49-F238E27FC236}">
-                <a16:creationId xmlns:a16="http://schemas.microsoft.com/office/drawing/2014/main" id="{D7BE3336-1394-4AA7-BA4E-3DBCFFD8C5C9}"/>
-              </a:ext>
-            </a:extLst>
-          </p:cNvPr>
+          <p:cNvPr id="6" name="Slide Number Placeholder 5"/>
           <p:cNvSpPr>
             <a:spLocks noGrp="1"/>
           </p:cNvSpPr>
@@ -738,7 +749,7 @@
     </p:spTree>
     <p:extLst>
       <p:ext uri="{BB962C8B-B14F-4D97-AF65-F5344CB8AC3E}">
-        <p14:creationId xmlns:p14="http://schemas.microsoft.com/office/powerpoint/2010/main" val="4264505389"/>
+        <p14:creationId xmlns:p14="http://schemas.microsoft.com/office/powerpoint/2010/main" val="2104695512"/>
       </p:ext>
     </p:extLst>
   </p:cSld>
@@ -767,13 +778,7 @@
       </p:grpSpPr>
       <p:sp>
         <p:nvSpPr>
-          <p:cNvPr id="2" name="Title 1">
-            <a:extLst>
-              <a:ext uri="{FF2B5EF4-FFF2-40B4-BE49-F238E27FC236}">
-                <a16:creationId xmlns:a16="http://schemas.microsoft.com/office/drawing/2014/main" id="{5B58FB2B-B5CC-419D-A1E8-65777A81FB74}"/>
-              </a:ext>
-            </a:extLst>
-          </p:cNvPr>
+          <p:cNvPr id="2" name="Title 1"/>
           <p:cNvSpPr>
             <a:spLocks noGrp="1"/>
           </p:cNvSpPr>
@@ -790,18 +795,13 @@
               <a:rPr lang="en-US"/>
               <a:t>Click to edit Master title style</a:t>
             </a:r>
-          </a:p>
-        </p:txBody>
-      </p:sp>
-      <p:sp>
-        <p:nvSpPr>
-          <p:cNvPr id="3" name="Content Placeholder 2">
-            <a:extLst>
-              <a:ext uri="{FF2B5EF4-FFF2-40B4-BE49-F238E27FC236}">
-                <a16:creationId xmlns:a16="http://schemas.microsoft.com/office/drawing/2014/main" id="{F357E31F-87A6-4C34-9EC3-B66EB6C944C9}"/>
-              </a:ext>
-            </a:extLst>
-          </p:cNvPr>
+            <a:endParaRPr lang="en-US" dirty="0"/>
+          </a:p>
+        </p:txBody>
+      </p:sp>
+      <p:sp>
+        <p:nvSpPr>
+          <p:cNvPr id="3" name="Content Placeholder 2"/>
           <p:cNvSpPr>
             <a:spLocks noGrp="1"/>
           </p:cNvSpPr>
@@ -847,18 +847,13 @@
               <a:rPr lang="en-US"/>
               <a:t>Fifth level</a:t>
             </a:r>
-          </a:p>
-        </p:txBody>
-      </p:sp>
-      <p:sp>
-        <p:nvSpPr>
-          <p:cNvPr id="4" name="Date Placeholder 3">
-            <a:extLst>
-              <a:ext uri="{FF2B5EF4-FFF2-40B4-BE49-F238E27FC236}">
-                <a16:creationId xmlns:a16="http://schemas.microsoft.com/office/drawing/2014/main" id="{442B571A-A077-41DA-8996-B48F8A637AE3}"/>
-              </a:ext>
-            </a:extLst>
-          </p:cNvPr>
+            <a:endParaRPr lang="en-US" dirty="0"/>
+          </a:p>
+        </p:txBody>
+      </p:sp>
+      <p:sp>
+        <p:nvSpPr>
+          <p:cNvPr id="4" name="Date Placeholder 3"/>
           <p:cNvSpPr>
             <a:spLocks noGrp="1"/>
           </p:cNvSpPr>
@@ -873,7 +868,7 @@
           <a:p>
             <a:fld id="{40FB95BA-9913-4C64-8B39-27BEB02A3997}" type="datetimeFigureOut">
               <a:rPr lang="en-US" smtClean="0"/>
-              <a:t>4/7/2021</a:t>
+              <a:t>4/8/2021</a:t>
             </a:fld>
             <a:endParaRPr lang="en-US"/>
           </a:p>
@@ -881,13 +876,7 @@
       </p:sp>
       <p:sp>
         <p:nvSpPr>
-          <p:cNvPr id="5" name="Footer Placeholder 4">
-            <a:extLst>
-              <a:ext uri="{FF2B5EF4-FFF2-40B4-BE49-F238E27FC236}">
-                <a16:creationId xmlns:a16="http://schemas.microsoft.com/office/drawing/2014/main" id="{602E9BD0-6DA2-4386-8CA9-A1196B5ACF35}"/>
-              </a:ext>
-            </a:extLst>
-          </p:cNvPr>
+          <p:cNvPr id="5" name="Footer Placeholder 4"/>
           <p:cNvSpPr>
             <a:spLocks noGrp="1"/>
           </p:cNvSpPr>
@@ -906,13 +895,7 @@
       </p:sp>
       <p:sp>
         <p:nvSpPr>
-          <p:cNvPr id="6" name="Slide Number Placeholder 5">
-            <a:extLst>
-              <a:ext uri="{FF2B5EF4-FFF2-40B4-BE49-F238E27FC236}">
-                <a16:creationId xmlns:a16="http://schemas.microsoft.com/office/drawing/2014/main" id="{B8EB833D-4F35-4CB6-82AF-BE62C489F3B9}"/>
-              </a:ext>
-            </a:extLst>
-          </p:cNvPr>
+          <p:cNvPr id="6" name="Slide Number Placeholder 5"/>
           <p:cNvSpPr>
             <a:spLocks noGrp="1"/>
           </p:cNvSpPr>
@@ -936,7 +919,7 @@
     </p:spTree>
     <p:extLst>
       <p:ext uri="{BB962C8B-B14F-4D97-AF65-F5344CB8AC3E}">
-        <p14:creationId xmlns:p14="http://schemas.microsoft.com/office/powerpoint/2010/main" val="3044702500"/>
+        <p14:creationId xmlns:p14="http://schemas.microsoft.com/office/powerpoint/2010/main" val="1710436369"/>
       </p:ext>
     </p:extLst>
   </p:cSld>
@@ -965,13 +948,7 @@
       </p:grpSpPr>
       <p:sp>
         <p:nvSpPr>
-          <p:cNvPr id="2" name="Title 1">
-            <a:extLst>
-              <a:ext uri="{FF2B5EF4-FFF2-40B4-BE49-F238E27FC236}">
-                <a16:creationId xmlns:a16="http://schemas.microsoft.com/office/drawing/2014/main" id="{EA6A3287-7E9E-4A3E-8F43-6BC190561E7F}"/>
-              </a:ext>
-            </a:extLst>
-          </p:cNvPr>
+          <p:cNvPr id="2" name="Title 1"/>
           <p:cNvSpPr>
             <a:spLocks noGrp="1"/>
           </p:cNvSpPr>
@@ -981,15 +958,20 @@
         </p:nvSpPr>
         <p:spPr>
           <a:xfrm>
-            <a:off x="831850" y="1709738"/>
-            <a:ext cx="10515600" cy="2852737"/>
+            <a:off x="1261872" y="758952"/>
+            <a:ext cx="9418320" cy="4041648"/>
           </a:xfrm>
         </p:spPr>
         <p:txBody>
-          <a:bodyPr anchor="b"/>
+          <a:bodyPr anchor="b">
+            <a:normAutofit/>
+          </a:bodyPr>
           <a:lstStyle>
             <a:lvl1pPr>
-              <a:defRPr sz="6000"/>
+              <a:lnSpc>
+                <a:spcPct val="85000"/>
+              </a:lnSpc>
+              <a:defRPr sz="7200" b="0"/>
             </a:lvl1pPr>
           </a:lstStyle>
           <a:p>
@@ -997,18 +979,13 @@
               <a:rPr lang="en-US"/>
               <a:t>Click to edit Master title style</a:t>
             </a:r>
-          </a:p>
-        </p:txBody>
-      </p:sp>
-      <p:sp>
-        <p:nvSpPr>
-          <p:cNvPr id="3" name="Text Placeholder 2">
-            <a:extLst>
-              <a:ext uri="{FF2B5EF4-FFF2-40B4-BE49-F238E27FC236}">
-                <a16:creationId xmlns:a16="http://schemas.microsoft.com/office/drawing/2014/main" id="{8FFA2195-A2DF-4CF8-B251-6637EE7C40F2}"/>
-              </a:ext>
-            </a:extLst>
-          </p:cNvPr>
+            <a:endParaRPr lang="en-US" dirty="0"/>
+          </a:p>
+        </p:txBody>
+      </p:sp>
+      <p:sp>
+        <p:nvSpPr>
+          <p:cNvPr id="3" name="Text Placeholder 2"/>
           <p:cNvSpPr>
             <a:spLocks noGrp="1"/>
           </p:cNvSpPr>
@@ -1018,26 +995,29 @@
         </p:nvSpPr>
         <p:spPr>
           <a:xfrm>
-            <a:off x="831850" y="4589463"/>
-            <a:ext cx="10515600" cy="1500187"/>
+            <a:off x="1261872" y="4800600"/>
+            <a:ext cx="9418320" cy="1691640"/>
           </a:xfrm>
         </p:spPr>
         <p:txBody>
-          <a:bodyPr/>
+          <a:bodyPr anchor="t">
+            <a:normAutofit/>
+          </a:bodyPr>
           <a:lstStyle>
             <a:lvl1pPr marL="0" indent="0">
               <a:buNone/>
-              <a:defRPr sz="2400">
+              <a:defRPr sz="2200">
                 <a:solidFill>
                   <a:schemeClr val="tx1">
-                    <a:tint val="75000"/>
+                    <a:lumMod val="65000"/>
+                    <a:lumOff val="35000"/>
                   </a:schemeClr>
                 </a:solidFill>
               </a:defRPr>
             </a:lvl1pPr>
             <a:lvl2pPr marL="457200" indent="0">
               <a:buNone/>
-              <a:defRPr sz="2000">
+              <a:defRPr sz="1800">
                 <a:solidFill>
                   <a:schemeClr val="tx1">
                     <a:tint val="75000"/>
@@ -1047,7 +1027,7 @@
             </a:lvl2pPr>
             <a:lvl3pPr marL="914400" indent="0">
               <a:buNone/>
-              <a:defRPr sz="1800">
+              <a:defRPr sz="1600">
                 <a:solidFill>
                   <a:schemeClr val="tx1">
                     <a:tint val="75000"/>
@@ -1057,7 +1037,7 @@
             </a:lvl3pPr>
             <a:lvl4pPr marL="1371600" indent="0">
               <a:buNone/>
-              <a:defRPr sz="1600">
+              <a:defRPr sz="1400">
                 <a:solidFill>
                   <a:schemeClr val="tx1">
                     <a:tint val="75000"/>
@@ -1067,7 +1047,7 @@
             </a:lvl4pPr>
             <a:lvl5pPr marL="1828800" indent="0">
               <a:buNone/>
-              <a:defRPr sz="1600">
+              <a:defRPr sz="1400">
                 <a:solidFill>
                   <a:schemeClr val="tx1">
                     <a:tint val="75000"/>
@@ -1077,7 +1057,7 @@
             </a:lvl5pPr>
             <a:lvl6pPr marL="2286000" indent="0">
               <a:buNone/>
-              <a:defRPr sz="1600">
+              <a:defRPr sz="1400">
                 <a:solidFill>
                   <a:schemeClr val="tx1">
                     <a:tint val="75000"/>
@@ -1087,7 +1067,7 @@
             </a:lvl6pPr>
             <a:lvl7pPr marL="2743200" indent="0">
               <a:buNone/>
-              <a:defRPr sz="1600">
+              <a:defRPr sz="1400">
                 <a:solidFill>
                   <a:schemeClr val="tx1">
                     <a:tint val="75000"/>
@@ -1097,7 +1077,7 @@
             </a:lvl7pPr>
             <a:lvl8pPr marL="3200400" indent="0">
               <a:buNone/>
-              <a:defRPr sz="1600">
+              <a:defRPr sz="1400">
                 <a:solidFill>
                   <a:schemeClr val="tx1">
                     <a:tint val="75000"/>
@@ -1107,7 +1087,7 @@
             </a:lvl8pPr>
             <a:lvl9pPr marL="3657600" indent="0">
               <a:buNone/>
-              <a:defRPr sz="1600">
+              <a:defRPr sz="1400">
                 <a:solidFill>
                   <a:schemeClr val="tx1">
                     <a:tint val="75000"/>
@@ -1127,13 +1107,7 @@
       </p:sp>
       <p:sp>
         <p:nvSpPr>
-          <p:cNvPr id="4" name="Date Placeholder 3">
-            <a:extLst>
-              <a:ext uri="{FF2B5EF4-FFF2-40B4-BE49-F238E27FC236}">
-                <a16:creationId xmlns:a16="http://schemas.microsoft.com/office/drawing/2014/main" id="{416A7A59-DF60-4F04-939C-D553333C9F67}"/>
-              </a:ext>
-            </a:extLst>
-          </p:cNvPr>
+          <p:cNvPr id="4" name="Date Placeholder 3"/>
           <p:cNvSpPr>
             <a:spLocks noGrp="1"/>
           </p:cNvSpPr>
@@ -1148,7 +1122,7 @@
           <a:p>
             <a:fld id="{40FB95BA-9913-4C64-8B39-27BEB02A3997}" type="datetimeFigureOut">
               <a:rPr lang="en-US" smtClean="0"/>
-              <a:t>4/7/2021</a:t>
+              <a:t>4/8/2021</a:t>
             </a:fld>
             <a:endParaRPr lang="en-US"/>
           </a:p>
@@ -1156,13 +1130,7 @@
       </p:sp>
       <p:sp>
         <p:nvSpPr>
-          <p:cNvPr id="5" name="Footer Placeholder 4">
-            <a:extLst>
-              <a:ext uri="{FF2B5EF4-FFF2-40B4-BE49-F238E27FC236}">
-                <a16:creationId xmlns:a16="http://schemas.microsoft.com/office/drawing/2014/main" id="{485C0506-921C-4536-AFC6-8E68F7DA155F}"/>
-              </a:ext>
-            </a:extLst>
-          </p:cNvPr>
+          <p:cNvPr id="5" name="Footer Placeholder 4"/>
           <p:cNvSpPr>
             <a:spLocks noGrp="1"/>
           </p:cNvSpPr>
@@ -1181,13 +1149,7 @@
       </p:sp>
       <p:sp>
         <p:nvSpPr>
-          <p:cNvPr id="6" name="Slide Number Placeholder 5">
-            <a:extLst>
-              <a:ext uri="{FF2B5EF4-FFF2-40B4-BE49-F238E27FC236}">
-                <a16:creationId xmlns:a16="http://schemas.microsoft.com/office/drawing/2014/main" id="{C5A11E74-5869-47F9-8326-B817701E7850}"/>
-              </a:ext>
-            </a:extLst>
-          </p:cNvPr>
+          <p:cNvPr id="6" name="Slide Number Placeholder 5"/>
           <p:cNvSpPr>
             <a:spLocks noGrp="1"/>
           </p:cNvSpPr>
@@ -1208,10 +1170,48 @@
           </a:p>
         </p:txBody>
       </p:sp>
+      <p:sp>
+        <p:nvSpPr>
+          <p:cNvPr id="7" name="Rectangle 6"/>
+          <p:cNvSpPr/>
+          <p:nvPr/>
+        </p:nvSpPr>
+        <p:spPr>
+          <a:xfrm>
+            <a:off x="0" y="0"/>
+            <a:ext cx="457200" cy="6858000"/>
+          </a:xfrm>
+          <a:prstGeom prst="rect">
+            <a:avLst/>
+          </a:prstGeom>
+          <a:solidFill>
+            <a:schemeClr val="accent1"/>
+          </a:solidFill>
+          <a:ln>
+            <a:noFill/>
+          </a:ln>
+        </p:spPr>
+        <p:style>
+          <a:lnRef idx="2">
+            <a:schemeClr val="accent1">
+              <a:shade val="50000"/>
+            </a:schemeClr>
+          </a:lnRef>
+          <a:fillRef idx="1">
+            <a:schemeClr val="accent1"/>
+          </a:fillRef>
+          <a:effectRef idx="0">
+            <a:schemeClr val="accent1"/>
+          </a:effectRef>
+          <a:fontRef idx="minor">
+            <a:schemeClr val="lt1"/>
+          </a:fontRef>
+        </p:style>
+      </p:sp>
     </p:spTree>
     <p:extLst>
       <p:ext uri="{BB962C8B-B14F-4D97-AF65-F5344CB8AC3E}">
-        <p14:creationId xmlns:p14="http://schemas.microsoft.com/office/powerpoint/2010/main" val="2187023001"/>
+        <p14:creationId xmlns:p14="http://schemas.microsoft.com/office/powerpoint/2010/main" val="2102959260"/>
       </p:ext>
     </p:extLst>
   </p:cSld>
@@ -1240,13 +1240,7 @@
       </p:grpSpPr>
       <p:sp>
         <p:nvSpPr>
-          <p:cNvPr id="2" name="Title 1">
-            <a:extLst>
-              <a:ext uri="{FF2B5EF4-FFF2-40B4-BE49-F238E27FC236}">
-                <a16:creationId xmlns:a16="http://schemas.microsoft.com/office/drawing/2014/main" id="{11259935-D58E-434F-80F2-B43632BE2581}"/>
-              </a:ext>
-            </a:extLst>
-          </p:cNvPr>
+          <p:cNvPr id="2" name="Title 1"/>
           <p:cNvSpPr>
             <a:spLocks noGrp="1"/>
           </p:cNvSpPr>
@@ -1263,18 +1257,13 @@
               <a:rPr lang="en-US"/>
               <a:t>Click to edit Master title style</a:t>
             </a:r>
-          </a:p>
-        </p:txBody>
-      </p:sp>
-      <p:sp>
-        <p:nvSpPr>
-          <p:cNvPr id="3" name="Content Placeholder 2">
-            <a:extLst>
-              <a:ext uri="{FF2B5EF4-FFF2-40B4-BE49-F238E27FC236}">
-                <a16:creationId xmlns:a16="http://schemas.microsoft.com/office/drawing/2014/main" id="{8490600D-2D61-4D2E-A43E-6ACDD4B3393D}"/>
-              </a:ext>
-            </a:extLst>
-          </p:cNvPr>
+            <a:endParaRPr lang="en-US" dirty="0"/>
+          </a:p>
+        </p:txBody>
+      </p:sp>
+      <p:sp>
+        <p:nvSpPr>
+          <p:cNvPr id="3" name="Content Placeholder 2"/>
           <p:cNvSpPr>
             <a:spLocks noGrp="1"/>
           </p:cNvSpPr>
@@ -1284,13 +1273,41 @@
         </p:nvSpPr>
         <p:spPr>
           <a:xfrm>
-            <a:off x="838200" y="1825625"/>
-            <a:ext cx="5181600" cy="4351338"/>
+            <a:off x="1261872" y="1828800"/>
+            <a:ext cx="4480560" cy="4351337"/>
           </a:xfrm>
         </p:spPr>
         <p:txBody>
           <a:bodyPr/>
-          <a:lstStyle/>
+          <a:lstStyle>
+            <a:lvl1pPr>
+              <a:defRPr sz="1800"/>
+            </a:lvl1pPr>
+            <a:lvl2pPr>
+              <a:defRPr sz="1600"/>
+            </a:lvl2pPr>
+            <a:lvl3pPr>
+              <a:defRPr sz="1400"/>
+            </a:lvl3pPr>
+            <a:lvl4pPr>
+              <a:defRPr sz="1400"/>
+            </a:lvl4pPr>
+            <a:lvl5pPr>
+              <a:defRPr sz="1400"/>
+            </a:lvl5pPr>
+            <a:lvl6pPr>
+              <a:defRPr sz="1400"/>
+            </a:lvl6pPr>
+            <a:lvl7pPr>
+              <a:defRPr sz="1400"/>
+            </a:lvl7pPr>
+            <a:lvl8pPr>
+              <a:defRPr sz="1400"/>
+            </a:lvl8pPr>
+            <a:lvl9pPr>
+              <a:defRPr sz="1400"/>
+            </a:lvl9pPr>
+          </a:lstStyle>
           <a:p>
             <a:pPr lvl="0"/>
             <a:r>
@@ -1325,18 +1342,13 @@
               <a:rPr lang="en-US"/>
               <a:t>Fifth level</a:t>
             </a:r>
-          </a:p>
-        </p:txBody>
-      </p:sp>
-      <p:sp>
-        <p:nvSpPr>
-          <p:cNvPr id="4" name="Content Placeholder 3">
-            <a:extLst>
-              <a:ext uri="{FF2B5EF4-FFF2-40B4-BE49-F238E27FC236}">
-                <a16:creationId xmlns:a16="http://schemas.microsoft.com/office/drawing/2014/main" id="{6BDD4B09-D9FE-49F8-8763-01168C28D9A3}"/>
-              </a:ext>
-            </a:extLst>
-          </p:cNvPr>
+            <a:endParaRPr lang="en-US" dirty="0"/>
+          </a:p>
+        </p:txBody>
+      </p:sp>
+      <p:sp>
+        <p:nvSpPr>
+          <p:cNvPr id="4" name="Content Placeholder 3"/>
           <p:cNvSpPr>
             <a:spLocks noGrp="1"/>
           </p:cNvSpPr>
@@ -1346,13 +1358,41 @@
         </p:nvSpPr>
         <p:spPr>
           <a:xfrm>
-            <a:off x="6172200" y="1825625"/>
-            <a:ext cx="5181600" cy="4351338"/>
+            <a:off x="6126480" y="1828800"/>
+            <a:ext cx="4480560" cy="4351337"/>
           </a:xfrm>
         </p:spPr>
         <p:txBody>
           <a:bodyPr/>
-          <a:lstStyle/>
+          <a:lstStyle>
+            <a:lvl1pPr>
+              <a:defRPr sz="1800"/>
+            </a:lvl1pPr>
+            <a:lvl2pPr>
+              <a:defRPr sz="1600"/>
+            </a:lvl2pPr>
+            <a:lvl3pPr>
+              <a:defRPr sz="1400"/>
+            </a:lvl3pPr>
+            <a:lvl4pPr>
+              <a:defRPr sz="1400"/>
+            </a:lvl4pPr>
+            <a:lvl5pPr>
+              <a:defRPr sz="1400"/>
+            </a:lvl5pPr>
+            <a:lvl6pPr>
+              <a:defRPr sz="1400"/>
+            </a:lvl6pPr>
+            <a:lvl7pPr>
+              <a:defRPr sz="1400"/>
+            </a:lvl7pPr>
+            <a:lvl8pPr>
+              <a:defRPr sz="1400"/>
+            </a:lvl8pPr>
+            <a:lvl9pPr>
+              <a:defRPr sz="1400"/>
+            </a:lvl9pPr>
+          </a:lstStyle>
           <a:p>
             <a:pPr lvl="0"/>
             <a:r>
@@ -1387,18 +1427,13 @@
               <a:rPr lang="en-US"/>
               <a:t>Fifth level</a:t>
             </a:r>
-          </a:p>
-        </p:txBody>
-      </p:sp>
-      <p:sp>
-        <p:nvSpPr>
-          <p:cNvPr id="5" name="Date Placeholder 4">
-            <a:extLst>
-              <a:ext uri="{FF2B5EF4-FFF2-40B4-BE49-F238E27FC236}">
-                <a16:creationId xmlns:a16="http://schemas.microsoft.com/office/drawing/2014/main" id="{00912653-7FAF-44B7-A5BA-99F065CB98F7}"/>
-              </a:ext>
-            </a:extLst>
-          </p:cNvPr>
+            <a:endParaRPr lang="en-US" dirty="0"/>
+          </a:p>
+        </p:txBody>
+      </p:sp>
+      <p:sp>
+        <p:nvSpPr>
+          <p:cNvPr id="5" name="Date Placeholder 4"/>
           <p:cNvSpPr>
             <a:spLocks noGrp="1"/>
           </p:cNvSpPr>
@@ -1413,7 +1448,7 @@
           <a:p>
             <a:fld id="{40FB95BA-9913-4C64-8B39-27BEB02A3997}" type="datetimeFigureOut">
               <a:rPr lang="en-US" smtClean="0"/>
-              <a:t>4/7/2021</a:t>
+              <a:t>4/8/2021</a:t>
             </a:fld>
             <a:endParaRPr lang="en-US"/>
           </a:p>
@@ -1421,13 +1456,7 @@
       </p:sp>
       <p:sp>
         <p:nvSpPr>
-          <p:cNvPr id="6" name="Footer Placeholder 5">
-            <a:extLst>
-              <a:ext uri="{FF2B5EF4-FFF2-40B4-BE49-F238E27FC236}">
-                <a16:creationId xmlns:a16="http://schemas.microsoft.com/office/drawing/2014/main" id="{4AA3273A-B0E6-4A11-8D91-E10D7AD999B2}"/>
-              </a:ext>
-            </a:extLst>
-          </p:cNvPr>
+          <p:cNvPr id="6" name="Footer Placeholder 5"/>
           <p:cNvSpPr>
             <a:spLocks noGrp="1"/>
           </p:cNvSpPr>
@@ -1446,13 +1475,7 @@
       </p:sp>
       <p:sp>
         <p:nvSpPr>
-          <p:cNvPr id="7" name="Slide Number Placeholder 6">
-            <a:extLst>
-              <a:ext uri="{FF2B5EF4-FFF2-40B4-BE49-F238E27FC236}">
-                <a16:creationId xmlns:a16="http://schemas.microsoft.com/office/drawing/2014/main" id="{399C3475-0B44-4E1F-92BE-81A05D68711B}"/>
-              </a:ext>
-            </a:extLst>
-          </p:cNvPr>
+          <p:cNvPr id="7" name="Slide Number Placeholder 6"/>
           <p:cNvSpPr>
             <a:spLocks noGrp="1"/>
           </p:cNvSpPr>
@@ -1476,7 +1499,7 @@
     </p:spTree>
     <p:extLst>
       <p:ext uri="{BB962C8B-B14F-4D97-AF65-F5344CB8AC3E}">
-        <p14:creationId xmlns:p14="http://schemas.microsoft.com/office/powerpoint/2010/main" val="1283096154"/>
+        <p14:creationId xmlns:p14="http://schemas.microsoft.com/office/powerpoint/2010/main" val="298162232"/>
       </p:ext>
     </p:extLst>
   </p:cSld>
@@ -1505,65 +1528,58 @@
       </p:grpSpPr>
       <p:sp>
         <p:nvSpPr>
-          <p:cNvPr id="2" name="Title 1">
-            <a:extLst>
-              <a:ext uri="{FF2B5EF4-FFF2-40B4-BE49-F238E27FC236}">
-                <a16:creationId xmlns:a16="http://schemas.microsoft.com/office/drawing/2014/main" id="{ABBDF9B6-639B-44A1-BD86-996E676991DA}"/>
-              </a:ext>
-            </a:extLst>
-          </p:cNvPr>
+          <p:cNvPr id="10" name="Title 9"/>
           <p:cNvSpPr>
             <a:spLocks noGrp="1"/>
           </p:cNvSpPr>
           <p:nvPr>
             <p:ph type="title"/>
+          </p:nvPr>
+        </p:nvSpPr>
+        <p:spPr/>
+        <p:txBody>
+          <a:bodyPr/>
+          <a:lstStyle/>
+          <a:p>
+            <a:r>
+              <a:rPr lang="en-US"/>
+              <a:t>Click to edit Master title style</a:t>
+            </a:r>
+            <a:endParaRPr lang="en-US" dirty="0"/>
+          </a:p>
+        </p:txBody>
+      </p:sp>
+      <p:sp>
+        <p:nvSpPr>
+          <p:cNvPr id="3" name="Text Placeholder 2"/>
+          <p:cNvSpPr>
+            <a:spLocks noGrp="1"/>
+          </p:cNvSpPr>
+          <p:nvPr>
+            <p:ph type="body" idx="1"/>
           </p:nvPr>
         </p:nvSpPr>
         <p:spPr>
           <a:xfrm>
-            <a:off x="839788" y="365125"/>
-            <a:ext cx="10515600" cy="1325563"/>
+            <a:off x="1261872" y="1713655"/>
+            <a:ext cx="4480560" cy="731520"/>
           </a:xfrm>
         </p:spPr>
         <p:txBody>
-          <a:bodyPr/>
-          <a:lstStyle/>
-          <a:p>
-            <a:r>
-              <a:rPr lang="en-US"/>
-              <a:t>Click to edit Master title style</a:t>
-            </a:r>
-          </a:p>
-        </p:txBody>
-      </p:sp>
-      <p:sp>
-        <p:nvSpPr>
-          <p:cNvPr id="3" name="Text Placeholder 2">
-            <a:extLst>
-              <a:ext uri="{FF2B5EF4-FFF2-40B4-BE49-F238E27FC236}">
-                <a16:creationId xmlns:a16="http://schemas.microsoft.com/office/drawing/2014/main" id="{AFE43409-2710-46BB-A7C0-AF539167AB69}"/>
-              </a:ext>
-            </a:extLst>
-          </p:cNvPr>
-          <p:cNvSpPr>
-            <a:spLocks noGrp="1"/>
-          </p:cNvSpPr>
-          <p:nvPr>
-            <p:ph type="body" idx="1"/>
-          </p:nvPr>
-        </p:nvSpPr>
-        <p:spPr>
-          <a:xfrm>
-            <a:off x="839788" y="1681163"/>
-            <a:ext cx="5157787" cy="823912"/>
-          </a:xfrm>
-        </p:spPr>
-        <p:txBody>
-          <a:bodyPr anchor="b"/>
+          <a:bodyPr anchor="b">
+            <a:normAutofit/>
+          </a:bodyPr>
           <a:lstStyle>
             <a:lvl1pPr marL="0" indent="0">
-              <a:buNone/>
-              <a:defRPr sz="2400" b="1"/>
+              <a:spcBef>
+                <a:spcPts val="0"/>
+              </a:spcBef>
+              <a:buNone/>
+              <a:defRPr sz="2000" b="0">
+                <a:solidFill>
+                  <a:schemeClr val="tx2"/>
+                </a:solidFill>
+              </a:defRPr>
             </a:lvl1pPr>
             <a:lvl2pPr marL="457200" indent="0">
               <a:buNone/>
@@ -1609,13 +1625,7 @@
       </p:sp>
       <p:sp>
         <p:nvSpPr>
-          <p:cNvPr id="4" name="Content Placeholder 3">
-            <a:extLst>
-              <a:ext uri="{FF2B5EF4-FFF2-40B4-BE49-F238E27FC236}">
-                <a16:creationId xmlns:a16="http://schemas.microsoft.com/office/drawing/2014/main" id="{7CB1BD6D-9D07-404C-A048-46F8C55503BE}"/>
-              </a:ext>
-            </a:extLst>
-          </p:cNvPr>
+          <p:cNvPr id="4" name="Content Placeholder 3"/>
           <p:cNvSpPr>
             <a:spLocks noGrp="1"/>
           </p:cNvSpPr>
@@ -1625,13 +1635,41 @@
         </p:nvSpPr>
         <p:spPr>
           <a:xfrm>
-            <a:off x="839788" y="2505075"/>
-            <a:ext cx="5157787" cy="3684588"/>
+            <a:off x="1261872" y="2507550"/>
+            <a:ext cx="4480560" cy="3664650"/>
           </a:xfrm>
         </p:spPr>
         <p:txBody>
           <a:bodyPr/>
-          <a:lstStyle/>
+          <a:lstStyle>
+            <a:lvl1pPr>
+              <a:defRPr sz="1800"/>
+            </a:lvl1pPr>
+            <a:lvl2pPr>
+              <a:defRPr sz="1600"/>
+            </a:lvl2pPr>
+            <a:lvl3pPr>
+              <a:defRPr sz="1400"/>
+            </a:lvl3pPr>
+            <a:lvl4pPr>
+              <a:defRPr sz="1400"/>
+            </a:lvl4pPr>
+            <a:lvl5pPr>
+              <a:defRPr sz="1400"/>
+            </a:lvl5pPr>
+            <a:lvl6pPr>
+              <a:defRPr sz="1400"/>
+            </a:lvl6pPr>
+            <a:lvl7pPr>
+              <a:defRPr sz="1400"/>
+            </a:lvl7pPr>
+            <a:lvl8pPr>
+              <a:defRPr sz="1400"/>
+            </a:lvl8pPr>
+            <a:lvl9pPr>
+              <a:defRPr sz="1400"/>
+            </a:lvl9pPr>
+          </a:lstStyle>
           <a:p>
             <a:pPr lvl="0"/>
             <a:r>
@@ -1666,18 +1704,13 @@
               <a:rPr lang="en-US"/>
               <a:t>Fifth level</a:t>
             </a:r>
-          </a:p>
-        </p:txBody>
-      </p:sp>
-      <p:sp>
-        <p:nvSpPr>
-          <p:cNvPr id="5" name="Text Placeholder 4">
-            <a:extLst>
-              <a:ext uri="{FF2B5EF4-FFF2-40B4-BE49-F238E27FC236}">
-                <a16:creationId xmlns:a16="http://schemas.microsoft.com/office/drawing/2014/main" id="{4BA78C92-76F1-4E65-ADA0-779967D0E7F8}"/>
-              </a:ext>
-            </a:extLst>
-          </p:cNvPr>
+            <a:endParaRPr lang="en-US" dirty="0"/>
+          </a:p>
+        </p:txBody>
+      </p:sp>
+      <p:sp>
+        <p:nvSpPr>
+          <p:cNvPr id="5" name="Text Placeholder 4"/>
           <p:cNvSpPr>
             <a:spLocks noGrp="1"/>
           </p:cNvSpPr>
@@ -1687,16 +1720,31 @@
         </p:nvSpPr>
         <p:spPr>
           <a:xfrm>
-            <a:off x="6172200" y="1681163"/>
-            <a:ext cx="5183188" cy="823912"/>
+            <a:off x="6126480" y="1713655"/>
+            <a:ext cx="4480560" cy="731520"/>
           </a:xfrm>
         </p:spPr>
         <p:txBody>
-          <a:bodyPr anchor="b"/>
+          <a:bodyPr anchor="b">
+            <a:normAutofit/>
+          </a:bodyPr>
           <a:lstStyle>
             <a:lvl1pPr marL="0" indent="0">
-              <a:buNone/>
-              <a:defRPr sz="2400" b="1"/>
+              <a:lnSpc>
+                <a:spcPct val="95000"/>
+              </a:lnSpc>
+              <a:spcBef>
+                <a:spcPts val="0"/>
+              </a:spcBef>
+              <a:buNone/>
+              <a:defRPr lang="en-US" sz="2000" b="0" kern="1200" dirty="0">
+                <a:solidFill>
+                  <a:schemeClr val="tx2"/>
+                </a:solidFill>
+                <a:latin typeface="+mn-lt"/>
+                <a:ea typeface="+mn-ea"/>
+                <a:cs typeface="+mn-cs"/>
+              </a:defRPr>
             </a:lvl1pPr>
             <a:lvl2pPr marL="457200" indent="0">
               <a:buNone/>
@@ -1732,7 +1780,16 @@
             </a:lvl9pPr>
           </a:lstStyle>
           <a:p>
-            <a:pPr lvl="0"/>
+            <a:pPr marL="0" lvl="0" indent="0" algn="l" defTabSz="914400" rtl="0" eaLnBrk="1" latinLnBrk="0" hangingPunct="1">
+              <a:lnSpc>
+                <a:spcPct val="90000"/>
+              </a:lnSpc>
+              <a:spcBef>
+                <a:spcPts val="2000"/>
+              </a:spcBef>
+              <a:buFontTx/>
+              <a:buNone/>
+            </a:pPr>
             <a:r>
               <a:rPr lang="en-US"/>
               <a:t>Click to edit Master text styles</a:t>
@@ -1742,13 +1799,7 @@
       </p:sp>
       <p:sp>
         <p:nvSpPr>
-          <p:cNvPr id="6" name="Content Placeholder 5">
-            <a:extLst>
-              <a:ext uri="{FF2B5EF4-FFF2-40B4-BE49-F238E27FC236}">
-                <a16:creationId xmlns:a16="http://schemas.microsoft.com/office/drawing/2014/main" id="{D07C1B52-C7DE-4873-995A-D02A8897EDE7}"/>
-              </a:ext>
-            </a:extLst>
-          </p:cNvPr>
+          <p:cNvPr id="6" name="Content Placeholder 5"/>
           <p:cNvSpPr>
             <a:spLocks noGrp="1"/>
           </p:cNvSpPr>
@@ -1758,13 +1809,41 @@
         </p:nvSpPr>
         <p:spPr>
           <a:xfrm>
-            <a:off x="6172200" y="2505075"/>
-            <a:ext cx="5183188" cy="3684588"/>
+            <a:off x="6126480" y="2507550"/>
+            <a:ext cx="4480560" cy="3664650"/>
           </a:xfrm>
         </p:spPr>
         <p:txBody>
           <a:bodyPr/>
-          <a:lstStyle/>
+          <a:lstStyle>
+            <a:lvl1pPr>
+              <a:defRPr sz="1800"/>
+            </a:lvl1pPr>
+            <a:lvl2pPr>
+              <a:defRPr sz="1600"/>
+            </a:lvl2pPr>
+            <a:lvl3pPr>
+              <a:defRPr sz="1400"/>
+            </a:lvl3pPr>
+            <a:lvl4pPr>
+              <a:defRPr sz="1400"/>
+            </a:lvl4pPr>
+            <a:lvl5pPr>
+              <a:defRPr sz="1400"/>
+            </a:lvl5pPr>
+            <a:lvl6pPr>
+              <a:defRPr sz="1400"/>
+            </a:lvl6pPr>
+            <a:lvl7pPr>
+              <a:defRPr sz="1400"/>
+            </a:lvl7pPr>
+            <a:lvl8pPr>
+              <a:defRPr sz="1400"/>
+            </a:lvl8pPr>
+            <a:lvl9pPr>
+              <a:defRPr sz="1400"/>
+            </a:lvl9pPr>
+          </a:lstStyle>
           <a:p>
             <a:pPr lvl="0"/>
             <a:r>
@@ -1799,18 +1878,13 @@
               <a:rPr lang="en-US"/>
               <a:t>Fifth level</a:t>
             </a:r>
-          </a:p>
-        </p:txBody>
-      </p:sp>
-      <p:sp>
-        <p:nvSpPr>
-          <p:cNvPr id="7" name="Date Placeholder 6">
-            <a:extLst>
-              <a:ext uri="{FF2B5EF4-FFF2-40B4-BE49-F238E27FC236}">
-                <a16:creationId xmlns:a16="http://schemas.microsoft.com/office/drawing/2014/main" id="{483911B3-00D4-40C8-81F7-F9C6E406FDD0}"/>
-              </a:ext>
-            </a:extLst>
-          </p:cNvPr>
+            <a:endParaRPr lang="en-US" dirty="0"/>
+          </a:p>
+        </p:txBody>
+      </p:sp>
+      <p:sp>
+        <p:nvSpPr>
+          <p:cNvPr id="7" name="Date Placeholder 6"/>
           <p:cNvSpPr>
             <a:spLocks noGrp="1"/>
           </p:cNvSpPr>
@@ -1825,7 +1899,7 @@
           <a:p>
             <a:fld id="{40FB95BA-9913-4C64-8B39-27BEB02A3997}" type="datetimeFigureOut">
               <a:rPr lang="en-US" smtClean="0"/>
-              <a:t>4/7/2021</a:t>
+              <a:t>4/8/2021</a:t>
             </a:fld>
             <a:endParaRPr lang="en-US"/>
           </a:p>
@@ -1833,13 +1907,7 @@
       </p:sp>
       <p:sp>
         <p:nvSpPr>
-          <p:cNvPr id="8" name="Footer Placeholder 7">
-            <a:extLst>
-              <a:ext uri="{FF2B5EF4-FFF2-40B4-BE49-F238E27FC236}">
-                <a16:creationId xmlns:a16="http://schemas.microsoft.com/office/drawing/2014/main" id="{F56AD65F-A86C-4252-91B9-3BA9B5D986DD}"/>
-              </a:ext>
-            </a:extLst>
-          </p:cNvPr>
+          <p:cNvPr id="8" name="Footer Placeholder 7"/>
           <p:cNvSpPr>
             <a:spLocks noGrp="1"/>
           </p:cNvSpPr>
@@ -1858,13 +1926,7 @@
       </p:sp>
       <p:sp>
         <p:nvSpPr>
-          <p:cNvPr id="9" name="Slide Number Placeholder 8">
-            <a:extLst>
-              <a:ext uri="{FF2B5EF4-FFF2-40B4-BE49-F238E27FC236}">
-                <a16:creationId xmlns:a16="http://schemas.microsoft.com/office/drawing/2014/main" id="{D12AC26C-D74B-41DD-92E9-0D335D3ABFFB}"/>
-              </a:ext>
-            </a:extLst>
-          </p:cNvPr>
+          <p:cNvPr id="9" name="Slide Number Placeholder 8"/>
           <p:cNvSpPr>
             <a:spLocks noGrp="1"/>
           </p:cNvSpPr>
@@ -1888,7 +1950,7 @@
     </p:spTree>
     <p:extLst>
       <p:ext uri="{BB962C8B-B14F-4D97-AF65-F5344CB8AC3E}">
-        <p14:creationId xmlns:p14="http://schemas.microsoft.com/office/powerpoint/2010/main" val="2053230215"/>
+        <p14:creationId xmlns:p14="http://schemas.microsoft.com/office/powerpoint/2010/main" val="1850585652"/>
       </p:ext>
     </p:extLst>
   </p:cSld>
@@ -1917,13 +1979,7 @@
       </p:grpSpPr>
       <p:sp>
         <p:nvSpPr>
-          <p:cNvPr id="2" name="Title 1">
-            <a:extLst>
-              <a:ext uri="{FF2B5EF4-FFF2-40B4-BE49-F238E27FC236}">
-                <a16:creationId xmlns:a16="http://schemas.microsoft.com/office/drawing/2014/main" id="{81A7A22D-892B-45AA-8173-36FF7A2773B8}"/>
-              </a:ext>
-            </a:extLst>
-          </p:cNvPr>
+          <p:cNvPr id="6" name="Title 5"/>
           <p:cNvSpPr>
             <a:spLocks noGrp="1"/>
           </p:cNvSpPr>
@@ -1940,18 +1996,13 @@
               <a:rPr lang="en-US"/>
               <a:t>Click to edit Master title style</a:t>
             </a:r>
-          </a:p>
-        </p:txBody>
-      </p:sp>
-      <p:sp>
-        <p:nvSpPr>
-          <p:cNvPr id="3" name="Date Placeholder 2">
-            <a:extLst>
-              <a:ext uri="{FF2B5EF4-FFF2-40B4-BE49-F238E27FC236}">
-                <a16:creationId xmlns:a16="http://schemas.microsoft.com/office/drawing/2014/main" id="{2960C052-A1D3-4535-8411-4BDD3F4552EA}"/>
-              </a:ext>
-            </a:extLst>
-          </p:cNvPr>
+            <a:endParaRPr lang="en-US" dirty="0"/>
+          </a:p>
+        </p:txBody>
+      </p:sp>
+      <p:sp>
+        <p:nvSpPr>
+          <p:cNvPr id="3" name="Date Placeholder 2"/>
           <p:cNvSpPr>
             <a:spLocks noGrp="1"/>
           </p:cNvSpPr>
@@ -1966,7 +2017,7 @@
           <a:p>
             <a:fld id="{40FB95BA-9913-4C64-8B39-27BEB02A3997}" type="datetimeFigureOut">
               <a:rPr lang="en-US" smtClean="0"/>
-              <a:t>4/7/2021</a:t>
+              <a:t>4/8/2021</a:t>
             </a:fld>
             <a:endParaRPr lang="en-US"/>
           </a:p>
@@ -1974,13 +2025,7 @@
       </p:sp>
       <p:sp>
         <p:nvSpPr>
-          <p:cNvPr id="4" name="Footer Placeholder 3">
-            <a:extLst>
-              <a:ext uri="{FF2B5EF4-FFF2-40B4-BE49-F238E27FC236}">
-                <a16:creationId xmlns:a16="http://schemas.microsoft.com/office/drawing/2014/main" id="{3CB20C3A-3130-4D37-B531-26B548AEF13C}"/>
-              </a:ext>
-            </a:extLst>
-          </p:cNvPr>
+          <p:cNvPr id="4" name="Footer Placeholder 3"/>
           <p:cNvSpPr>
             <a:spLocks noGrp="1"/>
           </p:cNvSpPr>
@@ -1999,13 +2044,7 @@
       </p:sp>
       <p:sp>
         <p:nvSpPr>
-          <p:cNvPr id="5" name="Slide Number Placeholder 4">
-            <a:extLst>
-              <a:ext uri="{FF2B5EF4-FFF2-40B4-BE49-F238E27FC236}">
-                <a16:creationId xmlns:a16="http://schemas.microsoft.com/office/drawing/2014/main" id="{70D4E122-0880-4FFE-A563-1DE578493C6B}"/>
-              </a:ext>
-            </a:extLst>
-          </p:cNvPr>
+          <p:cNvPr id="5" name="Slide Number Placeholder 4"/>
           <p:cNvSpPr>
             <a:spLocks noGrp="1"/>
           </p:cNvSpPr>
@@ -2029,7 +2068,7 @@
     </p:spTree>
     <p:extLst>
       <p:ext uri="{BB962C8B-B14F-4D97-AF65-F5344CB8AC3E}">
-        <p14:creationId xmlns:p14="http://schemas.microsoft.com/office/powerpoint/2010/main" val="2104363772"/>
+        <p14:creationId xmlns:p14="http://schemas.microsoft.com/office/powerpoint/2010/main" val="972310558"/>
       </p:ext>
     </p:extLst>
   </p:cSld>
@@ -2058,13 +2097,7 @@
       </p:grpSpPr>
       <p:sp>
         <p:nvSpPr>
-          <p:cNvPr id="2" name="Date Placeholder 1">
-            <a:extLst>
-              <a:ext uri="{FF2B5EF4-FFF2-40B4-BE49-F238E27FC236}">
-                <a16:creationId xmlns:a16="http://schemas.microsoft.com/office/drawing/2014/main" id="{F231088E-BC41-4FCE-9962-F9220F3F54B7}"/>
-              </a:ext>
-            </a:extLst>
-          </p:cNvPr>
+          <p:cNvPr id="2" name="Date Placeholder 1"/>
           <p:cNvSpPr>
             <a:spLocks noGrp="1"/>
           </p:cNvSpPr>
@@ -2079,7 +2112,7 @@
           <a:p>
             <a:fld id="{40FB95BA-9913-4C64-8B39-27BEB02A3997}" type="datetimeFigureOut">
               <a:rPr lang="en-US" smtClean="0"/>
-              <a:t>4/7/2021</a:t>
+              <a:t>4/8/2021</a:t>
             </a:fld>
             <a:endParaRPr lang="en-US"/>
           </a:p>
@@ -2087,13 +2120,7 @@
       </p:sp>
       <p:sp>
         <p:nvSpPr>
-          <p:cNvPr id="3" name="Footer Placeholder 2">
-            <a:extLst>
-              <a:ext uri="{FF2B5EF4-FFF2-40B4-BE49-F238E27FC236}">
-                <a16:creationId xmlns:a16="http://schemas.microsoft.com/office/drawing/2014/main" id="{D97FA016-6D86-4C9C-8CAC-D55CC46C275C}"/>
-              </a:ext>
-            </a:extLst>
-          </p:cNvPr>
+          <p:cNvPr id="3" name="Footer Placeholder 2"/>
           <p:cNvSpPr>
             <a:spLocks noGrp="1"/>
           </p:cNvSpPr>
@@ -2112,13 +2139,7 @@
       </p:sp>
       <p:sp>
         <p:nvSpPr>
-          <p:cNvPr id="4" name="Slide Number Placeholder 3">
-            <a:extLst>
-              <a:ext uri="{FF2B5EF4-FFF2-40B4-BE49-F238E27FC236}">
-                <a16:creationId xmlns:a16="http://schemas.microsoft.com/office/drawing/2014/main" id="{E5A53BD9-7558-4F7B-A7FC-032BE37E2356}"/>
-              </a:ext>
-            </a:extLst>
-          </p:cNvPr>
+          <p:cNvPr id="4" name="Slide Number Placeholder 3"/>
           <p:cNvSpPr>
             <a:spLocks noGrp="1"/>
           </p:cNvSpPr>
@@ -2142,7 +2163,7 @@
     </p:spTree>
     <p:extLst>
       <p:ext uri="{BB962C8B-B14F-4D97-AF65-F5344CB8AC3E}">
-        <p14:creationId xmlns:p14="http://schemas.microsoft.com/office/powerpoint/2010/main" val="2760081980"/>
+        <p14:creationId xmlns:p14="http://schemas.microsoft.com/office/powerpoint/2010/main" val="2149494239"/>
       </p:ext>
     </p:extLst>
   </p:cSld>
@@ -2171,13 +2192,7 @@
       </p:grpSpPr>
       <p:sp>
         <p:nvSpPr>
-          <p:cNvPr id="2" name="Title 1">
-            <a:extLst>
-              <a:ext uri="{FF2B5EF4-FFF2-40B4-BE49-F238E27FC236}">
-                <a16:creationId xmlns:a16="http://schemas.microsoft.com/office/drawing/2014/main" id="{7573F566-7870-4D3F-BB02-006928D48822}"/>
-              </a:ext>
-            </a:extLst>
-          </p:cNvPr>
+          <p:cNvPr id="2" name="Title 1"/>
           <p:cNvSpPr>
             <a:spLocks noGrp="1"/>
           </p:cNvSpPr>
@@ -2187,15 +2202,17 @@
         </p:nvSpPr>
         <p:spPr>
           <a:xfrm>
-            <a:off x="839788" y="457200"/>
-            <a:ext cx="3932237" cy="1600200"/>
+            <a:off x="841248" y="457200"/>
+            <a:ext cx="3200400" cy="1600197"/>
           </a:xfrm>
         </p:spPr>
         <p:txBody>
-          <a:bodyPr anchor="b"/>
+          <a:bodyPr anchor="b">
+            <a:normAutofit/>
+          </a:bodyPr>
           <a:lstStyle>
             <a:lvl1pPr>
-              <a:defRPr sz="3200"/>
+              <a:defRPr sz="3200" b="0" baseline="0"/>
             </a:lvl1pPr>
           </a:lstStyle>
           <a:p>
@@ -2203,18 +2220,13 @@
               <a:rPr lang="en-US"/>
               <a:t>Click to edit Master title style</a:t>
             </a:r>
-          </a:p>
-        </p:txBody>
-      </p:sp>
-      <p:sp>
-        <p:nvSpPr>
-          <p:cNvPr id="3" name="Content Placeholder 2">
-            <a:extLst>
-              <a:ext uri="{FF2B5EF4-FFF2-40B4-BE49-F238E27FC236}">
-                <a16:creationId xmlns:a16="http://schemas.microsoft.com/office/drawing/2014/main" id="{9720655D-CD4D-469C-B85A-0E244AC20E85}"/>
-              </a:ext>
-            </a:extLst>
-          </p:cNvPr>
+            <a:endParaRPr lang="en-US" dirty="0"/>
+          </a:p>
+        </p:txBody>
+      </p:sp>
+      <p:sp>
+        <p:nvSpPr>
+          <p:cNvPr id="3" name="Content Placeholder 2"/>
           <p:cNvSpPr>
             <a:spLocks noGrp="1"/>
           </p:cNvSpPr>
@@ -2224,39 +2236,39 @@
         </p:nvSpPr>
         <p:spPr>
           <a:xfrm>
-            <a:off x="5183188" y="987425"/>
-            <a:ext cx="6172200" cy="4873625"/>
+            <a:off x="4504267" y="685800"/>
+            <a:ext cx="6079066" cy="5486400"/>
           </a:xfrm>
         </p:spPr>
         <p:txBody>
           <a:bodyPr/>
           <a:lstStyle>
             <a:lvl1pPr>
-              <a:defRPr sz="3200"/>
+              <a:defRPr sz="2000"/>
             </a:lvl1pPr>
             <a:lvl2pPr>
-              <a:defRPr sz="2800"/>
+              <a:defRPr sz="1800"/>
             </a:lvl2pPr>
             <a:lvl3pPr>
-              <a:defRPr sz="2400"/>
+              <a:defRPr sz="1600"/>
             </a:lvl3pPr>
             <a:lvl4pPr>
-              <a:defRPr sz="2000"/>
+              <a:defRPr sz="1400"/>
             </a:lvl4pPr>
             <a:lvl5pPr>
-              <a:defRPr sz="2000"/>
+              <a:defRPr sz="1400"/>
             </a:lvl5pPr>
             <a:lvl6pPr>
-              <a:defRPr sz="2000"/>
+              <a:defRPr sz="1400"/>
             </a:lvl6pPr>
             <a:lvl7pPr>
-              <a:defRPr sz="2000"/>
+              <a:defRPr sz="1400"/>
             </a:lvl7pPr>
             <a:lvl8pPr>
-              <a:defRPr sz="2000"/>
+              <a:defRPr sz="1400"/>
             </a:lvl8pPr>
             <a:lvl9pPr>
-              <a:defRPr sz="2000"/>
+              <a:defRPr sz="1400"/>
             </a:lvl9pPr>
           </a:lstStyle>
           <a:p>
@@ -2293,18 +2305,13 @@
               <a:rPr lang="en-US"/>
               <a:t>Fifth level</a:t>
             </a:r>
-          </a:p>
-        </p:txBody>
-      </p:sp>
-      <p:sp>
-        <p:nvSpPr>
-          <p:cNvPr id="4" name="Text Placeholder 3">
-            <a:extLst>
-              <a:ext uri="{FF2B5EF4-FFF2-40B4-BE49-F238E27FC236}">
-                <a16:creationId xmlns:a16="http://schemas.microsoft.com/office/drawing/2014/main" id="{D846C0A5-1225-4BB3-A561-9F0EA6AB6B70}"/>
-              </a:ext>
-            </a:extLst>
-          </p:cNvPr>
+            <a:endParaRPr lang="en-US" dirty="0"/>
+          </a:p>
+        </p:txBody>
+      </p:sp>
+      <p:sp>
+        <p:nvSpPr>
+          <p:cNvPr id="4" name="Text Placeholder 3"/>
           <p:cNvSpPr>
             <a:spLocks noGrp="1"/>
           </p:cNvSpPr>
@@ -2314,48 +2321,56 @@
         </p:nvSpPr>
         <p:spPr>
           <a:xfrm>
-            <a:off x="839788" y="2057400"/>
-            <a:ext cx="3932237" cy="3811588"/>
+            <a:off x="841248" y="2099734"/>
+            <a:ext cx="3200400" cy="3810001"/>
           </a:xfrm>
         </p:spPr>
         <p:txBody>
-          <a:bodyPr/>
+          <a:bodyPr>
+            <a:normAutofit/>
+          </a:bodyPr>
           <a:lstStyle>
             <a:lvl1pPr marL="0" indent="0">
-              <a:buNone/>
-              <a:defRPr sz="1600"/>
+              <a:lnSpc>
+                <a:spcPct val="114000"/>
+              </a:lnSpc>
+              <a:spcBef>
+                <a:spcPts val="800"/>
+              </a:spcBef>
+              <a:buNone/>
+              <a:defRPr sz="1300"/>
             </a:lvl1pPr>
             <a:lvl2pPr marL="457200" indent="0">
               <a:buNone/>
-              <a:defRPr sz="1400"/>
+              <a:defRPr sz="1200"/>
             </a:lvl2pPr>
             <a:lvl3pPr marL="914400" indent="0">
               <a:buNone/>
-              <a:defRPr sz="1200"/>
+              <a:defRPr sz="1000"/>
             </a:lvl3pPr>
             <a:lvl4pPr marL="1371600" indent="0">
               <a:buNone/>
-              <a:defRPr sz="1000"/>
+              <a:defRPr sz="900"/>
             </a:lvl4pPr>
             <a:lvl5pPr marL="1828800" indent="0">
               <a:buNone/>
-              <a:defRPr sz="1000"/>
+              <a:defRPr sz="900"/>
             </a:lvl5pPr>
             <a:lvl6pPr marL="2286000" indent="0">
               <a:buNone/>
-              <a:defRPr sz="1000"/>
+              <a:defRPr sz="900"/>
             </a:lvl6pPr>
             <a:lvl7pPr marL="2743200" indent="0">
               <a:buNone/>
-              <a:defRPr sz="1000"/>
+              <a:defRPr sz="900"/>
             </a:lvl7pPr>
             <a:lvl8pPr marL="3200400" indent="0">
               <a:buNone/>
-              <a:defRPr sz="1000"/>
+              <a:defRPr sz="900"/>
             </a:lvl8pPr>
             <a:lvl9pPr marL="3657600" indent="0">
               <a:buNone/>
-              <a:defRPr sz="1000"/>
+              <a:defRPr sz="900"/>
             </a:lvl9pPr>
           </a:lstStyle>
           <a:p>
@@ -2369,13 +2384,7 @@
       </p:sp>
       <p:sp>
         <p:nvSpPr>
-          <p:cNvPr id="5" name="Date Placeholder 4">
-            <a:extLst>
-              <a:ext uri="{FF2B5EF4-FFF2-40B4-BE49-F238E27FC236}">
-                <a16:creationId xmlns:a16="http://schemas.microsoft.com/office/drawing/2014/main" id="{17DD192D-A712-4C4A-A73D-DF2970DA17D3}"/>
-              </a:ext>
-            </a:extLst>
-          </p:cNvPr>
+          <p:cNvPr id="5" name="Date Placeholder 4"/>
           <p:cNvSpPr>
             <a:spLocks noGrp="1"/>
           </p:cNvSpPr>
@@ -2390,7 +2399,7 @@
           <a:p>
             <a:fld id="{40FB95BA-9913-4C64-8B39-27BEB02A3997}" type="datetimeFigureOut">
               <a:rPr lang="en-US" smtClean="0"/>
-              <a:t>4/7/2021</a:t>
+              <a:t>4/8/2021</a:t>
             </a:fld>
             <a:endParaRPr lang="en-US"/>
           </a:p>
@@ -2398,13 +2407,7 @@
       </p:sp>
       <p:sp>
         <p:nvSpPr>
-          <p:cNvPr id="6" name="Footer Placeholder 5">
-            <a:extLst>
-              <a:ext uri="{FF2B5EF4-FFF2-40B4-BE49-F238E27FC236}">
-                <a16:creationId xmlns:a16="http://schemas.microsoft.com/office/drawing/2014/main" id="{A78D5395-DC68-4CD8-8741-C95377EE715B}"/>
-              </a:ext>
-            </a:extLst>
-          </p:cNvPr>
+          <p:cNvPr id="6" name="Footer Placeholder 5"/>
           <p:cNvSpPr>
             <a:spLocks noGrp="1"/>
           </p:cNvSpPr>
@@ -2423,13 +2426,7 @@
       </p:sp>
       <p:sp>
         <p:nvSpPr>
-          <p:cNvPr id="7" name="Slide Number Placeholder 6">
-            <a:extLst>
-              <a:ext uri="{FF2B5EF4-FFF2-40B4-BE49-F238E27FC236}">
-                <a16:creationId xmlns:a16="http://schemas.microsoft.com/office/drawing/2014/main" id="{496CE581-B6B8-4134-95A0-6A8FD0A04FC2}"/>
-              </a:ext>
-            </a:extLst>
-          </p:cNvPr>
+          <p:cNvPr id="7" name="Slide Number Placeholder 6"/>
           <p:cNvSpPr>
             <a:spLocks noGrp="1"/>
           </p:cNvSpPr>
@@ -2453,7 +2450,7 @@
     </p:spTree>
     <p:extLst>
       <p:ext uri="{BB962C8B-B14F-4D97-AF65-F5344CB8AC3E}">
-        <p14:creationId xmlns:p14="http://schemas.microsoft.com/office/powerpoint/2010/main" val="2765803137"/>
+        <p14:creationId xmlns:p14="http://schemas.microsoft.com/office/powerpoint/2010/main" val="2506157411"/>
       </p:ext>
     </p:extLst>
   </p:cSld>
@@ -2482,31 +2479,69 @@
       </p:grpSpPr>
       <p:sp>
         <p:nvSpPr>
-          <p:cNvPr id="2" name="Title 1">
-            <a:extLst>
-              <a:ext uri="{FF2B5EF4-FFF2-40B4-BE49-F238E27FC236}">
-                <a16:creationId xmlns:a16="http://schemas.microsoft.com/office/drawing/2014/main" id="{3230733D-4778-43E5-87ED-9D3DE332E430}"/>
-              </a:ext>
-            </a:extLst>
-          </p:cNvPr>
-          <p:cNvSpPr>
-            <a:spLocks noGrp="1"/>
-          </p:cNvSpPr>
-          <p:nvPr>
-            <p:ph type="title"/>
-          </p:nvPr>
+          <p:cNvPr id="8" name="Rectangle 7"/>
+          <p:cNvSpPr/>
+          <p:nvPr/>
         </p:nvSpPr>
         <p:spPr>
           <a:xfrm>
-            <a:off x="839788" y="457200"/>
-            <a:ext cx="3932237" cy="1600200"/>
+            <a:off x="0" y="5105400"/>
+            <a:ext cx="11292840" cy="1752600"/>
+          </a:xfrm>
+          <a:prstGeom prst="rect">
+            <a:avLst/>
+          </a:prstGeom>
+          <a:solidFill>
+            <a:srgbClr val="000000"/>
+          </a:solidFill>
+          <a:ln>
+            <a:noFill/>
+          </a:ln>
+        </p:spPr>
+        <p:style>
+          <a:lnRef idx="2">
+            <a:schemeClr val="accent1">
+              <a:shade val="50000"/>
+            </a:schemeClr>
+          </a:lnRef>
+          <a:fillRef idx="1">
+            <a:schemeClr val="accent1"/>
+          </a:fillRef>
+          <a:effectRef idx="0">
+            <a:schemeClr val="accent1"/>
+          </a:effectRef>
+          <a:fontRef idx="minor">
+            <a:schemeClr val="lt1"/>
+          </a:fontRef>
+        </p:style>
+      </p:sp>
+      <p:sp>
+        <p:nvSpPr>
+          <p:cNvPr id="2" name="Title 1"/>
+          <p:cNvSpPr>
+            <a:spLocks noGrp="1"/>
+          </p:cNvSpPr>
+          <p:nvPr>
+            <p:ph type="title"/>
+          </p:nvPr>
+        </p:nvSpPr>
+        <p:spPr>
+          <a:xfrm>
+            <a:off x="914400" y="5257800"/>
+            <a:ext cx="9982200" cy="914400"/>
           </a:xfrm>
         </p:spPr>
         <p:txBody>
-          <a:bodyPr anchor="b"/>
+          <a:bodyPr anchor="b">
+            <a:normAutofit/>
+          </a:bodyPr>
           <a:lstStyle>
             <a:lvl1pPr>
-              <a:defRPr sz="3200"/>
+              <a:defRPr sz="2800" b="0">
+                <a:solidFill>
+                  <a:schemeClr val="bg1"/>
+                </a:solidFill>
+              </a:defRPr>
             </a:lvl1pPr>
           </a:lstStyle>
           <a:p>
@@ -2514,20 +2549,15 @@
               <a:rPr lang="en-US"/>
               <a:t>Click to edit Master title style</a:t>
             </a:r>
-          </a:p>
-        </p:txBody>
-      </p:sp>
-      <p:sp>
-        <p:nvSpPr>
-          <p:cNvPr id="3" name="Picture Placeholder 2">
-            <a:extLst>
-              <a:ext uri="{FF2B5EF4-FFF2-40B4-BE49-F238E27FC236}">
-                <a16:creationId xmlns:a16="http://schemas.microsoft.com/office/drawing/2014/main" id="{0849874F-DDDF-4344-AF10-761BEADB6A45}"/>
-              </a:ext>
-            </a:extLst>
-          </p:cNvPr>
-          <p:cNvSpPr>
-            <a:spLocks noGrp="1"/>
+            <a:endParaRPr lang="en-US" dirty="0"/>
+          </a:p>
+        </p:txBody>
+      </p:sp>
+      <p:sp>
+        <p:nvSpPr>
+          <p:cNvPr id="3" name="Picture Placeholder 2"/>
+          <p:cNvSpPr>
+            <a:spLocks noGrp="1" noChangeAspect="1"/>
           </p:cNvSpPr>
           <p:nvPr>
             <p:ph type="pic" idx="1"/>
@@ -2535,16 +2565,23 @@
         </p:nvSpPr>
         <p:spPr>
           <a:xfrm>
-            <a:off x="5183188" y="987425"/>
-            <a:ext cx="6172200" cy="4873625"/>
+            <a:off x="0" y="0"/>
+            <a:ext cx="11292840" cy="5128923"/>
           </a:xfrm>
+          <a:solidFill>
+            <a:schemeClr val="accent1"/>
+          </a:solidFill>
         </p:spPr>
         <p:txBody>
-          <a:bodyPr/>
+          <a:bodyPr anchor="t"/>
           <a:lstStyle>
             <a:lvl1pPr marL="0" indent="0">
               <a:buNone/>
-              <a:defRPr sz="3200"/>
+              <a:defRPr sz="3200">
+                <a:solidFill>
+                  <a:schemeClr val="bg1"/>
+                </a:solidFill>
+              </a:defRPr>
             </a:lvl1pPr>
             <a:lvl2pPr marL="457200" indent="0">
               <a:buNone/>
@@ -2580,19 +2617,17 @@
             </a:lvl9pPr>
           </a:lstStyle>
           <a:p>
-            <a:endParaRPr lang="en-US"/>
-          </a:p>
-        </p:txBody>
-      </p:sp>
-      <p:sp>
-        <p:nvSpPr>
-          <p:cNvPr id="4" name="Text Placeholder 3">
-            <a:extLst>
-              <a:ext uri="{FF2B5EF4-FFF2-40B4-BE49-F238E27FC236}">
-                <a16:creationId xmlns:a16="http://schemas.microsoft.com/office/drawing/2014/main" id="{DDF685B8-F57C-460E-9F74-E58844DD4C46}"/>
-              </a:ext>
-            </a:extLst>
-          </p:cNvPr>
+            <a:r>
+              <a:rPr lang="en-US"/>
+              <a:t>Click icon to add picture</a:t>
+            </a:r>
+            <a:endParaRPr lang="en-US" dirty="0"/>
+          </a:p>
+        </p:txBody>
+      </p:sp>
+      <p:sp>
+        <p:nvSpPr>
+          <p:cNvPr id="4" name="Text Placeholder 3"/>
           <p:cNvSpPr>
             <a:spLocks noGrp="1"/>
           </p:cNvSpPr>
@@ -2602,48 +2637,62 @@
         </p:nvSpPr>
         <p:spPr>
           <a:xfrm>
-            <a:off x="839788" y="2057400"/>
-            <a:ext cx="3932237" cy="3811588"/>
+            <a:off x="914400" y="6108589"/>
+            <a:ext cx="9982200" cy="597011"/>
           </a:xfrm>
         </p:spPr>
         <p:txBody>
-          <a:bodyPr/>
+          <a:bodyPr>
+            <a:normAutofit/>
+          </a:bodyPr>
           <a:lstStyle>
             <a:lvl1pPr marL="0" indent="0">
-              <a:buNone/>
-              <a:defRPr sz="1600"/>
+              <a:lnSpc>
+                <a:spcPct val="100000"/>
+              </a:lnSpc>
+              <a:spcBef>
+                <a:spcPts val="800"/>
+              </a:spcBef>
+              <a:buNone/>
+              <a:defRPr sz="1300">
+                <a:solidFill>
+                  <a:schemeClr val="bg1">
+                    <a:lumMod val="85000"/>
+                  </a:schemeClr>
+                </a:solidFill>
+              </a:defRPr>
             </a:lvl1pPr>
             <a:lvl2pPr marL="457200" indent="0">
               <a:buNone/>
-              <a:defRPr sz="1400"/>
+              <a:defRPr sz="1200"/>
             </a:lvl2pPr>
             <a:lvl3pPr marL="914400" indent="0">
               <a:buNone/>
-              <a:defRPr sz="1200"/>
+              <a:defRPr sz="1000"/>
             </a:lvl3pPr>
             <a:lvl4pPr marL="1371600" indent="0">
               <a:buNone/>
-              <a:defRPr sz="1000"/>
+              <a:defRPr sz="900"/>
             </a:lvl4pPr>
             <a:lvl5pPr marL="1828800" indent="0">
               <a:buNone/>
-              <a:defRPr sz="1000"/>
+              <a:defRPr sz="900"/>
             </a:lvl5pPr>
             <a:lvl6pPr marL="2286000" indent="0">
               <a:buNone/>
-              <a:defRPr sz="1000"/>
+              <a:defRPr sz="900"/>
             </a:lvl6pPr>
             <a:lvl7pPr marL="2743200" indent="0">
               <a:buNone/>
-              <a:defRPr sz="1000"/>
+              <a:defRPr sz="900"/>
             </a:lvl7pPr>
             <a:lvl8pPr marL="3200400" indent="0">
               <a:buNone/>
-              <a:defRPr sz="1000"/>
+              <a:defRPr sz="900"/>
             </a:lvl8pPr>
             <a:lvl9pPr marL="3657600" indent="0">
               <a:buNone/>
-              <a:defRPr sz="1000"/>
+              <a:defRPr sz="900"/>
             </a:lvl9pPr>
           </a:lstStyle>
           <a:p>
@@ -2657,13 +2706,7 @@
       </p:sp>
       <p:sp>
         <p:nvSpPr>
-          <p:cNvPr id="5" name="Date Placeholder 4">
-            <a:extLst>
-              <a:ext uri="{FF2B5EF4-FFF2-40B4-BE49-F238E27FC236}">
-                <a16:creationId xmlns:a16="http://schemas.microsoft.com/office/drawing/2014/main" id="{BBDBE14A-CF51-4695-A7C2-028E746AC1AB}"/>
-              </a:ext>
-            </a:extLst>
-          </p:cNvPr>
+          <p:cNvPr id="5" name="Date Placeholder 4"/>
           <p:cNvSpPr>
             <a:spLocks noGrp="1"/>
           </p:cNvSpPr>
@@ -2678,7 +2721,7 @@
           <a:p>
             <a:fld id="{40FB95BA-9913-4C64-8B39-27BEB02A3997}" type="datetimeFigureOut">
               <a:rPr lang="en-US" smtClean="0"/>
-              <a:t>4/7/2021</a:t>
+              <a:t>4/8/2021</a:t>
             </a:fld>
             <a:endParaRPr lang="en-US"/>
           </a:p>
@@ -2686,13 +2729,7 @@
       </p:sp>
       <p:sp>
         <p:nvSpPr>
-          <p:cNvPr id="6" name="Footer Placeholder 5">
-            <a:extLst>
-              <a:ext uri="{FF2B5EF4-FFF2-40B4-BE49-F238E27FC236}">
-                <a16:creationId xmlns:a16="http://schemas.microsoft.com/office/drawing/2014/main" id="{5CC3133C-2891-4466-8A21-265C3B25C243}"/>
-              </a:ext>
-            </a:extLst>
-          </p:cNvPr>
+          <p:cNvPr id="6" name="Footer Placeholder 5"/>
           <p:cNvSpPr>
             <a:spLocks noGrp="1"/>
           </p:cNvSpPr>
@@ -2711,13 +2748,7 @@
       </p:sp>
       <p:sp>
         <p:nvSpPr>
-          <p:cNvPr id="7" name="Slide Number Placeholder 6">
-            <a:extLst>
-              <a:ext uri="{FF2B5EF4-FFF2-40B4-BE49-F238E27FC236}">
-                <a16:creationId xmlns:a16="http://schemas.microsoft.com/office/drawing/2014/main" id="{5856E012-A29C-46AA-BC6C-165A9A32A9F3}"/>
-              </a:ext>
-            </a:extLst>
-          </p:cNvPr>
+          <p:cNvPr id="7" name="Slide Number Placeholder 6"/>
           <p:cNvSpPr>
             <a:spLocks noGrp="1"/>
           </p:cNvSpPr>
@@ -2741,7 +2772,7 @@
     </p:spTree>
     <p:extLst>
       <p:ext uri="{BB962C8B-B14F-4D97-AF65-F5344CB8AC3E}">
-        <p14:creationId xmlns:p14="http://schemas.microsoft.com/office/powerpoint/2010/main" val="2939506136"/>
+        <p14:creationId xmlns:p14="http://schemas.microsoft.com/office/powerpoint/2010/main" val="542520883"/>
       </p:ext>
     </p:extLst>
   </p:cSld>
@@ -2775,31 +2806,65 @@
       </p:grpSpPr>
       <p:sp>
         <p:nvSpPr>
-          <p:cNvPr id="2" name="Title Placeholder 1">
-            <a:extLst>
-              <a:ext uri="{FF2B5EF4-FFF2-40B4-BE49-F238E27FC236}">
-                <a16:creationId xmlns:a16="http://schemas.microsoft.com/office/drawing/2014/main" id="{FE877149-1EE5-457B-914E-11EB48ED260E}"/>
-              </a:ext>
-            </a:extLst>
-          </p:cNvPr>
-          <p:cNvSpPr>
-            <a:spLocks noGrp="1"/>
-          </p:cNvSpPr>
-          <p:nvPr>
-            <p:ph type="title"/>
-          </p:nvPr>
+          <p:cNvPr id="7" name="Rectangle 6"/>
+          <p:cNvSpPr/>
+          <p:nvPr/>
         </p:nvSpPr>
         <p:spPr>
           <a:xfrm>
-            <a:off x="838200" y="365125"/>
-            <a:ext cx="10515600" cy="1325563"/>
+            <a:off x="11292840" y="0"/>
+            <a:ext cx="914400" cy="6858000"/>
+          </a:xfrm>
+          <a:prstGeom prst="rect">
+            <a:avLst/>
+          </a:prstGeom>
+          <a:solidFill>
+            <a:schemeClr val="tx2">
+              <a:lumMod val="75000"/>
+            </a:schemeClr>
+          </a:solidFill>
+          <a:ln>
+            <a:noFill/>
+          </a:ln>
+        </p:spPr>
+        <p:style>
+          <a:lnRef idx="2">
+            <a:schemeClr val="accent1">
+              <a:shade val="50000"/>
+            </a:schemeClr>
+          </a:lnRef>
+          <a:fillRef idx="1">
+            <a:schemeClr val="accent1"/>
+          </a:fillRef>
+          <a:effectRef idx="0">
+            <a:schemeClr val="accent1"/>
+          </a:effectRef>
+          <a:fontRef idx="minor">
+            <a:schemeClr val="lt1"/>
+          </a:fontRef>
+        </p:style>
+      </p:sp>
+      <p:sp>
+        <p:nvSpPr>
+          <p:cNvPr id="2" name="Title Placeholder 1"/>
+          <p:cNvSpPr>
+            <a:spLocks noGrp="1"/>
+          </p:cNvSpPr>
+          <p:nvPr>
+            <p:ph type="title"/>
+          </p:nvPr>
+        </p:nvSpPr>
+        <p:spPr>
+          <a:xfrm>
+            <a:off x="1261872" y="365760"/>
+            <a:ext cx="9692640" cy="1325562"/>
           </a:xfrm>
           <a:prstGeom prst="rect">
             <a:avLst/>
           </a:prstGeom>
         </p:spPr>
         <p:txBody>
-          <a:bodyPr vert="horz" lIns="91440" tIns="45720" rIns="91440" bIns="45720" rtlCol="0" anchor="ctr">
+          <a:bodyPr vert="horz" lIns="91440" tIns="45720" rIns="91440" bIns="45720" rtlCol="0" anchor="b">
             <a:normAutofit/>
           </a:bodyPr>
           <a:lstStyle/>
@@ -2808,18 +2873,13 @@
               <a:rPr lang="en-US"/>
               <a:t>Click to edit Master title style</a:t>
             </a:r>
-          </a:p>
-        </p:txBody>
-      </p:sp>
-      <p:sp>
-        <p:nvSpPr>
-          <p:cNvPr id="3" name="Text Placeholder 2">
-            <a:extLst>
-              <a:ext uri="{FF2B5EF4-FFF2-40B4-BE49-F238E27FC236}">
-                <a16:creationId xmlns:a16="http://schemas.microsoft.com/office/drawing/2014/main" id="{8A0985E7-EB9D-4DF3-AE94-DEA13F31FFBA}"/>
-              </a:ext>
-            </a:extLst>
-          </p:cNvPr>
+            <a:endParaRPr lang="en-US" dirty="0"/>
+          </a:p>
+        </p:txBody>
+      </p:sp>
+      <p:sp>
+        <p:nvSpPr>
+          <p:cNvPr id="3" name="Text Placeholder 2"/>
           <p:cNvSpPr>
             <a:spLocks noGrp="1"/>
           </p:cNvSpPr>
@@ -2829,8 +2889,8 @@
         </p:nvSpPr>
         <p:spPr>
           <a:xfrm>
-            <a:off x="838200" y="1825625"/>
-            <a:ext cx="10515600" cy="4351338"/>
+            <a:off x="1261872" y="1828800"/>
+            <a:ext cx="8595360" cy="4351337"/>
           </a:xfrm>
           <a:prstGeom prst="rect">
             <a:avLst/>
@@ -2875,18 +2935,13 @@
               <a:rPr lang="en-US"/>
               <a:t>Fifth level</a:t>
             </a:r>
-          </a:p>
-        </p:txBody>
-      </p:sp>
-      <p:sp>
-        <p:nvSpPr>
-          <p:cNvPr id="4" name="Date Placeholder 3">
-            <a:extLst>
-              <a:ext uri="{FF2B5EF4-FFF2-40B4-BE49-F238E27FC236}">
-                <a16:creationId xmlns:a16="http://schemas.microsoft.com/office/drawing/2014/main" id="{02C6D0CC-323C-4AC5-959F-6559FCFB7F66}"/>
-              </a:ext>
-            </a:extLst>
-          </p:cNvPr>
+            <a:endParaRPr lang="en-US" dirty="0"/>
+          </a:p>
+        </p:txBody>
+      </p:sp>
+      <p:sp>
+        <p:nvSpPr>
+          <p:cNvPr id="4" name="Date Placeholder 3"/>
           <p:cNvSpPr>
             <a:spLocks noGrp="1"/>
           </p:cNvSpPr>
@@ -2895,9 +2950,9 @@
           </p:nvPr>
         </p:nvSpPr>
         <p:spPr>
-          <a:xfrm>
-            <a:off x="838200" y="6356350"/>
-            <a:ext cx="2743200" cy="365125"/>
+          <a:xfrm rot="16200000">
+            <a:off x="10797542" y="998537"/>
+            <a:ext cx="1904999" cy="365125"/>
           </a:xfrm>
           <a:prstGeom prst="rect">
             <a:avLst/>
@@ -2906,11 +2961,12 @@
         <p:txBody>
           <a:bodyPr vert="horz" lIns="91440" tIns="45720" rIns="91440" bIns="45720" rtlCol="0" anchor="ctr"/>
           <a:lstStyle>
-            <a:lvl1pPr algn="l">
-              <a:defRPr sz="1200">
+            <a:lvl1pPr algn="r">
+              <a:defRPr sz="1050" b="0">
                 <a:solidFill>
-                  <a:schemeClr val="tx1">
-                    <a:tint val="75000"/>
+                  <a:schemeClr val="tx2">
+                    <a:lumMod val="20000"/>
+                    <a:lumOff val="80000"/>
                   </a:schemeClr>
                 </a:solidFill>
               </a:defRPr>
@@ -2919,7 +2975,7 @@
           <a:p>
             <a:fld id="{40FB95BA-9913-4C64-8B39-27BEB02A3997}" type="datetimeFigureOut">
               <a:rPr lang="en-US" smtClean="0"/>
-              <a:t>4/7/2021</a:t>
+              <a:t>4/8/2021</a:t>
             </a:fld>
             <a:endParaRPr lang="en-US"/>
           </a:p>
@@ -2927,13 +2983,7 @@
       </p:sp>
       <p:sp>
         <p:nvSpPr>
-          <p:cNvPr id="5" name="Footer Placeholder 4">
-            <a:extLst>
-              <a:ext uri="{FF2B5EF4-FFF2-40B4-BE49-F238E27FC236}">
-                <a16:creationId xmlns:a16="http://schemas.microsoft.com/office/drawing/2014/main" id="{F7FD09A6-8B73-447D-9837-C5A8918B9168}"/>
-              </a:ext>
-            </a:extLst>
-          </p:cNvPr>
+          <p:cNvPr id="5" name="Footer Placeholder 4"/>
           <p:cNvSpPr>
             <a:spLocks noGrp="1"/>
           </p:cNvSpPr>
@@ -2942,9 +2992,9 @@
           </p:nvPr>
         </p:nvSpPr>
         <p:spPr>
-          <a:xfrm>
-            <a:off x="4038600" y="6356350"/>
-            <a:ext cx="4114800" cy="365125"/>
+          <a:xfrm rot="16200000">
+            <a:off x="9959341" y="4046537"/>
+            <a:ext cx="3581400" cy="365125"/>
           </a:xfrm>
           <a:prstGeom prst="rect">
             <a:avLst/>
@@ -2953,11 +3003,12 @@
         <p:txBody>
           <a:bodyPr vert="horz" lIns="91440" tIns="45720" rIns="91440" bIns="45720" rtlCol="0" anchor="ctr"/>
           <a:lstStyle>
-            <a:lvl1pPr algn="ctr">
-              <a:defRPr sz="1200">
+            <a:lvl1pPr algn="l">
+              <a:defRPr sz="1050">
                 <a:solidFill>
-                  <a:schemeClr val="tx1">
-                    <a:tint val="75000"/>
+                  <a:schemeClr val="tx2">
+                    <a:lumMod val="20000"/>
+                    <a:lumOff val="80000"/>
                   </a:schemeClr>
                 </a:solidFill>
               </a:defRPr>
@@ -2970,13 +3021,7 @@
       </p:sp>
       <p:sp>
         <p:nvSpPr>
-          <p:cNvPr id="6" name="Slide Number Placeholder 5">
-            <a:extLst>
-              <a:ext uri="{FF2B5EF4-FFF2-40B4-BE49-F238E27FC236}">
-                <a16:creationId xmlns:a16="http://schemas.microsoft.com/office/drawing/2014/main" id="{1C61718C-8FB9-4466-B980-57C64A3786E8}"/>
-              </a:ext>
-            </a:extLst>
-          </p:cNvPr>
+          <p:cNvPr id="6" name="Slide Number Placeholder 5"/>
           <p:cNvSpPr>
             <a:spLocks noGrp="1"/>
           </p:cNvSpPr>
@@ -2986,21 +3031,24 @@
         </p:nvSpPr>
         <p:spPr>
           <a:xfrm>
-            <a:off x="8610600" y="6356350"/>
-            <a:ext cx="2743200" cy="365125"/>
+            <a:off x="11292840" y="6172200"/>
+            <a:ext cx="914400" cy="593725"/>
           </a:xfrm>
           <a:prstGeom prst="rect">
             <a:avLst/>
           </a:prstGeom>
         </p:spPr>
         <p:txBody>
-          <a:bodyPr vert="horz" lIns="91440" tIns="45720" rIns="91440" bIns="45720" rtlCol="0" anchor="ctr"/>
+          <a:bodyPr vert="horz" lIns="45720" tIns="45720" rIns="45720" bIns="45720" rtlCol="0" anchor="ctr">
+            <a:normAutofit/>
+          </a:bodyPr>
           <a:lstStyle>
-            <a:lvl1pPr algn="r">
-              <a:defRPr sz="1200">
+            <a:lvl1pPr algn="ctr">
+              <a:defRPr sz="3600">
                 <a:solidFill>
-                  <a:schemeClr val="tx1">
-                    <a:tint val="75000"/>
+                  <a:schemeClr val="tx2">
+                    <a:lumMod val="60000"/>
+                    <a:lumOff val="40000"/>
                   </a:schemeClr>
                 </a:solidFill>
               </a:defRPr>
@@ -3018,23 +3066,23 @@
     </p:spTree>
     <p:extLst>
       <p:ext uri="{BB962C8B-B14F-4D97-AF65-F5344CB8AC3E}">
-        <p14:creationId xmlns:p14="http://schemas.microsoft.com/office/powerpoint/2010/main" val="4076734034"/>
+        <p14:creationId xmlns:p14="http://schemas.microsoft.com/office/powerpoint/2010/main" val="2765033637"/>
       </p:ext>
     </p:extLst>
   </p:cSld>
   <p:clrMap bg1="lt1" tx1="dk1" bg2="lt2" tx2="dk2" accent1="accent1" accent2="accent2" accent3="accent3" accent4="accent4" accent5="accent5" accent6="accent6" hlink="hlink" folHlink="folHlink"/>
   <p:sldLayoutIdLst>
-    <p:sldLayoutId id="2147483649" r:id="rId1"/>
-    <p:sldLayoutId id="2147483650" r:id="rId2"/>
-    <p:sldLayoutId id="2147483651" r:id="rId3"/>
-    <p:sldLayoutId id="2147483652" r:id="rId4"/>
-    <p:sldLayoutId id="2147483653" r:id="rId5"/>
-    <p:sldLayoutId id="2147483654" r:id="rId6"/>
-    <p:sldLayoutId id="2147483655" r:id="rId7"/>
-    <p:sldLayoutId id="2147483656" r:id="rId8"/>
-    <p:sldLayoutId id="2147483657" r:id="rId9"/>
-    <p:sldLayoutId id="2147483658" r:id="rId10"/>
-    <p:sldLayoutId id="2147483659" r:id="rId11"/>
+    <p:sldLayoutId id="2147483661" r:id="rId1"/>
+    <p:sldLayoutId id="2147483662" r:id="rId2"/>
+    <p:sldLayoutId id="2147483663" r:id="rId3"/>
+    <p:sldLayoutId id="2147483664" r:id="rId4"/>
+    <p:sldLayoutId id="2147483665" r:id="rId5"/>
+    <p:sldLayoutId id="2147483666" r:id="rId6"/>
+    <p:sldLayoutId id="2147483667" r:id="rId7"/>
+    <p:sldLayoutId id="2147483668" r:id="rId8"/>
+    <p:sldLayoutId id="2147483669" r:id="rId9"/>
+    <p:sldLayoutId id="2147483670" r:id="rId10"/>
+    <p:sldLayoutId id="2147483671" r:id="rId11"/>
   </p:sldLayoutIdLst>
   <p:txStyles>
     <p:titleStyle>
@@ -3046,7 +3094,7 @@
           <a:spcPct val="0"/>
         </a:spcBef>
         <a:buNone/>
-        <a:defRPr sz="4400" kern="1200">
+        <a:defRPr sz="4400" kern="1200" spc="-50" baseline="0">
           <a:solidFill>
             <a:schemeClr val="tx1"/>
           </a:solidFill>
@@ -3057,16 +3105,23 @@
       </a:lvl1pPr>
     </p:titleStyle>
     <p:bodyStyle>
-      <a:lvl1pPr marL="228600" indent="-228600" algn="l" defTabSz="914400" rtl="0" eaLnBrk="1" latinLnBrk="0" hangingPunct="1">
+      <a:lvl1pPr marL="182880" indent="-182880" algn="l" defTabSz="914400" rtl="0" eaLnBrk="1" latinLnBrk="0" hangingPunct="1">
         <a:lnSpc>
-          <a:spcPct val="90000"/>
+          <a:spcPct val="95000"/>
         </a:lnSpc>
         <a:spcBef>
-          <a:spcPts val="1000"/>
+          <a:spcPts val="1400"/>
         </a:spcBef>
-        <a:buFont typeface="Arial" panose="020B0604020202020204" pitchFamily="34" charset="0"/>
+        <a:spcAft>
+          <a:spcPts val="200"/>
+        </a:spcAft>
+        <a:buClr>
+          <a:schemeClr val="accent1"/>
+        </a:buClr>
+        <a:buSzPct val="80000"/>
+        <a:buFont typeface="Arial" pitchFamily="34" charset="0"/>
         <a:buChar char="•"/>
-        <a:defRPr sz="2800" kern="1200">
+        <a:defRPr sz="1800" kern="1200" spc="10" baseline="0">
           <a:solidFill>
             <a:schemeClr val="tx1"/>
           </a:solidFill>
@@ -3075,144 +3130,216 @@
           <a:cs typeface="+mn-cs"/>
         </a:defRPr>
       </a:lvl1pPr>
-      <a:lvl2pPr marL="685800" indent="-228600" algn="l" defTabSz="914400" rtl="0" eaLnBrk="1" latinLnBrk="0" hangingPunct="1">
+      <a:lvl2pPr marL="457200" indent="-182880" algn="l" defTabSz="914400" rtl="0" eaLnBrk="1" latinLnBrk="0" hangingPunct="1">
         <a:lnSpc>
           <a:spcPct val="90000"/>
         </a:lnSpc>
         <a:spcBef>
-          <a:spcPts val="500"/>
+          <a:spcPts val="300"/>
         </a:spcBef>
-        <a:buFont typeface="Arial" panose="020B0604020202020204" pitchFamily="34" charset="0"/>
-        <a:buChar char="•"/>
-        <a:defRPr sz="2400" kern="1200">
+        <a:spcAft>
+          <a:spcPts val="300"/>
+        </a:spcAft>
+        <a:buClr>
+          <a:schemeClr val="accent1"/>
+        </a:buClr>
+        <a:buFont typeface="Wingdings 2" pitchFamily="18" charset="2"/>
+        <a:buChar char=""/>
+        <a:defRPr sz="1600" kern="1200">
           <a:solidFill>
-            <a:schemeClr val="tx1"/>
+            <a:schemeClr val="tx1">
+              <a:lumMod val="85000"/>
+              <a:lumOff val="15000"/>
+            </a:schemeClr>
           </a:solidFill>
           <a:latin typeface="+mn-lt"/>
           <a:ea typeface="+mn-ea"/>
           <a:cs typeface="+mn-cs"/>
         </a:defRPr>
       </a:lvl2pPr>
-      <a:lvl3pPr marL="1143000" indent="-228600" algn="l" defTabSz="914400" rtl="0" eaLnBrk="1" latinLnBrk="0" hangingPunct="1">
+      <a:lvl3pPr marL="731520" indent="-182880" algn="l" defTabSz="914400" rtl="0" eaLnBrk="1" latinLnBrk="0" hangingPunct="1">
         <a:lnSpc>
           <a:spcPct val="90000"/>
         </a:lnSpc>
         <a:spcBef>
-          <a:spcPts val="500"/>
+          <a:spcPts val="300"/>
         </a:spcBef>
-        <a:buFont typeface="Arial" panose="020B0604020202020204" pitchFamily="34" charset="0"/>
-        <a:buChar char="•"/>
-        <a:defRPr sz="2000" kern="1200">
+        <a:spcAft>
+          <a:spcPts val="300"/>
+        </a:spcAft>
+        <a:buClr>
+          <a:schemeClr val="accent1"/>
+        </a:buClr>
+        <a:buFont typeface="Wingdings 2" pitchFamily="18" charset="2"/>
+        <a:buChar char=""/>
+        <a:defRPr sz="1400" kern="1200">
           <a:solidFill>
-            <a:schemeClr val="tx1"/>
+            <a:schemeClr val="tx1">
+              <a:lumMod val="85000"/>
+              <a:lumOff val="15000"/>
+            </a:schemeClr>
           </a:solidFill>
           <a:latin typeface="+mn-lt"/>
           <a:ea typeface="+mn-ea"/>
           <a:cs typeface="+mn-cs"/>
         </a:defRPr>
       </a:lvl3pPr>
-      <a:lvl4pPr marL="1600200" indent="-228600" algn="l" defTabSz="914400" rtl="0" eaLnBrk="1" latinLnBrk="0" hangingPunct="1">
+      <a:lvl4pPr marL="1005840" indent="-182880" algn="l" defTabSz="914400" rtl="0" eaLnBrk="1" latinLnBrk="0" hangingPunct="1">
         <a:lnSpc>
           <a:spcPct val="90000"/>
         </a:lnSpc>
         <a:spcBef>
-          <a:spcPts val="500"/>
+          <a:spcPts val="300"/>
         </a:spcBef>
-        <a:buFont typeface="Arial" panose="020B0604020202020204" pitchFamily="34" charset="0"/>
-        <a:buChar char="•"/>
-        <a:defRPr sz="1800" kern="1200">
+        <a:spcAft>
+          <a:spcPts val="300"/>
+        </a:spcAft>
+        <a:buClr>
+          <a:schemeClr val="accent1"/>
+        </a:buClr>
+        <a:buFont typeface="Wingdings 2" pitchFamily="18" charset="2"/>
+        <a:buChar char=""/>
+        <a:defRPr sz="1400" kern="1200">
           <a:solidFill>
-            <a:schemeClr val="tx1"/>
+            <a:schemeClr val="tx1">
+              <a:lumMod val="85000"/>
+              <a:lumOff val="15000"/>
+            </a:schemeClr>
           </a:solidFill>
           <a:latin typeface="+mn-lt"/>
           <a:ea typeface="+mn-ea"/>
           <a:cs typeface="+mn-cs"/>
         </a:defRPr>
       </a:lvl4pPr>
-      <a:lvl5pPr marL="2057400" indent="-228600" algn="l" defTabSz="914400" rtl="0" eaLnBrk="1" latinLnBrk="0" hangingPunct="1">
+      <a:lvl5pPr marL="1280160" indent="-182880" algn="l" defTabSz="914400" rtl="0" eaLnBrk="1" latinLnBrk="0" hangingPunct="1">
         <a:lnSpc>
           <a:spcPct val="90000"/>
         </a:lnSpc>
         <a:spcBef>
-          <a:spcPts val="500"/>
+          <a:spcPts val="300"/>
         </a:spcBef>
-        <a:buFont typeface="Arial" panose="020B0604020202020204" pitchFamily="34" charset="0"/>
-        <a:buChar char="•"/>
-        <a:defRPr sz="1800" kern="1200">
+        <a:spcAft>
+          <a:spcPts val="300"/>
+        </a:spcAft>
+        <a:buClr>
+          <a:schemeClr val="accent1"/>
+        </a:buClr>
+        <a:buFont typeface="Wingdings 2" pitchFamily="18" charset="2"/>
+        <a:buChar char=""/>
+        <a:defRPr sz="1400" kern="1200">
           <a:solidFill>
-            <a:schemeClr val="tx1"/>
+            <a:schemeClr val="tx1">
+              <a:lumMod val="85000"/>
+              <a:lumOff val="15000"/>
+            </a:schemeClr>
           </a:solidFill>
           <a:latin typeface="+mn-lt"/>
           <a:ea typeface="+mn-ea"/>
           <a:cs typeface="+mn-cs"/>
         </a:defRPr>
       </a:lvl5pPr>
-      <a:lvl6pPr marL="2514600" indent="-228600" algn="l" defTabSz="914400" rtl="0" eaLnBrk="1" latinLnBrk="0" hangingPunct="1">
+      <a:lvl6pPr marL="1600000" indent="-228600" algn="l" defTabSz="914400" rtl="0" eaLnBrk="1" latinLnBrk="0" hangingPunct="1">
         <a:lnSpc>
           <a:spcPct val="90000"/>
         </a:lnSpc>
         <a:spcBef>
-          <a:spcPts val="500"/>
+          <a:spcPts val="300"/>
         </a:spcBef>
-        <a:buFont typeface="Arial" panose="020B0604020202020204" pitchFamily="34" charset="0"/>
-        <a:buChar char="•"/>
-        <a:defRPr sz="1800" kern="1200">
+        <a:spcAft>
+          <a:spcPts val="300"/>
+        </a:spcAft>
+        <a:buClr>
+          <a:schemeClr val="accent1"/>
+        </a:buClr>
+        <a:buFont typeface="Wingdings 2" pitchFamily="18" charset="2"/>
+        <a:buChar char=""/>
+        <a:defRPr sz="1400" kern="1200">
           <a:solidFill>
-            <a:schemeClr val="tx1"/>
+            <a:schemeClr val="tx1">
+              <a:lumMod val="85000"/>
+              <a:lumOff val="15000"/>
+            </a:schemeClr>
           </a:solidFill>
           <a:latin typeface="+mn-lt"/>
           <a:ea typeface="+mn-ea"/>
           <a:cs typeface="+mn-cs"/>
         </a:defRPr>
       </a:lvl6pPr>
-      <a:lvl7pPr marL="2971800" indent="-228600" algn="l" defTabSz="914400" rtl="0" eaLnBrk="1" latinLnBrk="0" hangingPunct="1">
+      <a:lvl7pPr marL="1900000" indent="-228600" algn="l" defTabSz="914400" rtl="0" eaLnBrk="1" latinLnBrk="0" hangingPunct="1">
         <a:lnSpc>
           <a:spcPct val="90000"/>
         </a:lnSpc>
         <a:spcBef>
-          <a:spcPts val="500"/>
+          <a:spcPts val="300"/>
         </a:spcBef>
-        <a:buFont typeface="Arial" panose="020B0604020202020204" pitchFamily="34" charset="0"/>
-        <a:buChar char="•"/>
-        <a:defRPr sz="1800" kern="1200">
+        <a:spcAft>
+          <a:spcPts val="300"/>
+        </a:spcAft>
+        <a:buClr>
+          <a:schemeClr val="accent1"/>
+        </a:buClr>
+        <a:buFont typeface="Wingdings 2" pitchFamily="18" charset="2"/>
+        <a:buChar char=""/>
+        <a:defRPr sz="1400" kern="1200">
           <a:solidFill>
-            <a:schemeClr val="tx1"/>
+            <a:schemeClr val="tx1">
+              <a:lumMod val="85000"/>
+              <a:lumOff val="15000"/>
+            </a:schemeClr>
           </a:solidFill>
           <a:latin typeface="+mn-lt"/>
           <a:ea typeface="+mn-ea"/>
           <a:cs typeface="+mn-cs"/>
         </a:defRPr>
       </a:lvl7pPr>
-      <a:lvl8pPr marL="3429000" indent="-228600" algn="l" defTabSz="914400" rtl="0" eaLnBrk="1" latinLnBrk="0" hangingPunct="1">
+      <a:lvl8pPr marL="2200000" indent="-228600" algn="l" defTabSz="914400" rtl="0" eaLnBrk="1" latinLnBrk="0" hangingPunct="1">
         <a:lnSpc>
           <a:spcPct val="90000"/>
         </a:lnSpc>
         <a:spcBef>
-          <a:spcPts val="500"/>
+          <a:spcPts val="300"/>
         </a:spcBef>
-        <a:buFont typeface="Arial" panose="020B0604020202020204" pitchFamily="34" charset="0"/>
-        <a:buChar char="•"/>
-        <a:defRPr sz="1800" kern="1200">
+        <a:spcAft>
+          <a:spcPts val="300"/>
+        </a:spcAft>
+        <a:buClr>
+          <a:schemeClr val="accent1"/>
+        </a:buClr>
+        <a:buFont typeface="Wingdings 2" pitchFamily="18" charset="2"/>
+        <a:buChar char=""/>
+        <a:defRPr sz="1400" kern="1200">
           <a:solidFill>
-            <a:schemeClr val="tx1"/>
+            <a:schemeClr val="tx1">
+              <a:lumMod val="85000"/>
+              <a:lumOff val="15000"/>
+            </a:schemeClr>
           </a:solidFill>
           <a:latin typeface="+mn-lt"/>
           <a:ea typeface="+mn-ea"/>
           <a:cs typeface="+mn-cs"/>
         </a:defRPr>
       </a:lvl8pPr>
-      <a:lvl9pPr marL="3886200" indent="-228600" algn="l" defTabSz="914400" rtl="0" eaLnBrk="1" latinLnBrk="0" hangingPunct="1">
+      <a:lvl9pPr marL="2500000" indent="-228600" algn="l" defTabSz="914400" rtl="0" eaLnBrk="1" latinLnBrk="0" hangingPunct="1">
         <a:lnSpc>
           <a:spcPct val="90000"/>
         </a:lnSpc>
         <a:spcBef>
-          <a:spcPts val="500"/>
+          <a:spcPts val="300"/>
         </a:spcBef>
-        <a:buFont typeface="Arial" panose="020B0604020202020204" pitchFamily="34" charset="0"/>
-        <a:buChar char="•"/>
-        <a:defRPr sz="1800" kern="1200">
+        <a:spcAft>
+          <a:spcPts val="300"/>
+        </a:spcAft>
+        <a:buClr>
+          <a:schemeClr val="accent1"/>
+        </a:buClr>
+        <a:buFont typeface="Wingdings 2" pitchFamily="18" charset="2"/>
+        <a:buChar char=""/>
+        <a:defRPr sz="1400" kern="1200">
           <a:solidFill>
-            <a:schemeClr val="tx1"/>
+            <a:schemeClr val="tx1">
+              <a:lumMod val="85000"/>
+              <a:lumOff val="15000"/>
+            </a:schemeClr>
           </a:solidFill>
           <a:latin typeface="+mn-lt"/>
           <a:ea typeface="+mn-ea"/>
@@ -3336,6 +3463,53 @@
           <a:chExt cx="0" cy="0"/>
         </a:xfrm>
       </p:grpSpPr>
+      <p:pic>
+        <p:nvPicPr>
+          <p:cNvPr id="1026" name="Picture 2" descr="SLO County reports 33 new COVID-19 cases">
+            <a:extLst>
+              <a:ext uri="{FF2B5EF4-FFF2-40B4-BE49-F238E27FC236}">
+                <a16:creationId xmlns:a16="http://schemas.microsoft.com/office/drawing/2014/main" id="{54078528-C5B2-4864-9A4E-AC42A8160DB0}"/>
+              </a:ext>
+            </a:extLst>
+          </p:cNvPr>
+          <p:cNvPicPr>
+            <a:picLocks noChangeAspect="1" noChangeArrowheads="1"/>
+          </p:cNvPicPr>
+          <p:nvPr/>
+        </p:nvPicPr>
+        <p:blipFill>
+          <a:blip r:embed="rId2">
+            <a:extLst>
+              <a:ext uri="{28A0092B-C50C-407E-A947-70E740481C1C}">
+                <a14:useLocalDpi xmlns:a14="http://schemas.microsoft.com/office/drawing/2010/main" val="0"/>
+              </a:ext>
+            </a:extLst>
+          </a:blip>
+          <a:srcRect/>
+          <a:stretch>
+            <a:fillRect/>
+          </a:stretch>
+        </p:blipFill>
+        <p:spPr bwMode="auto">
+          <a:xfrm>
+            <a:off x="448340" y="0"/>
+            <a:ext cx="12191999" cy="6858000"/>
+          </a:xfrm>
+          <a:prstGeom prst="rect">
+            <a:avLst/>
+          </a:prstGeom>
+          <a:noFill/>
+          <a:extLst>
+            <a:ext uri="{909E8E84-426E-40DD-AFC4-6F175D3DCCD1}">
+              <a14:hiddenFill xmlns:a14="http://schemas.microsoft.com/office/drawing/2010/main">
+                <a:solidFill>
+                  <a:srgbClr val="FFFFFF"/>
+                </a:solidFill>
+              </a14:hiddenFill>
+            </a:ext>
+          </a:extLst>
+        </p:spPr>
+      </p:pic>
       <p:sp>
         <p:nvSpPr>
           <p:cNvPr id="2" name="Title 1">
@@ -3352,14 +3526,21 @@
             <p:ph type="ctrTitle"/>
           </p:nvPr>
         </p:nvSpPr>
-        <p:spPr/>
-        <p:txBody>
-          <a:bodyPr/>
+        <p:spPr>
+          <a:xfrm>
+            <a:off x="4223186" y="255613"/>
+            <a:ext cx="6078495" cy="2554699"/>
+          </a:xfrm>
+        </p:spPr>
+        <p:txBody>
+          <a:bodyPr>
+            <a:normAutofit fontScale="90000"/>
+          </a:bodyPr>
           <a:lstStyle/>
           <a:p>
             <a:r>
               <a:rPr lang="en-US" dirty="0"/>
-              <a:t>Project 1 Title</a:t>
+              <a:t>Economic Effects of COVID-19</a:t>
             </a:r>
           </a:p>
         </p:txBody>
@@ -3380,21 +3561,47 @@
             <p:ph type="subTitle" idx="1"/>
           </p:nvPr>
         </p:nvSpPr>
-        <p:spPr/>
-        <p:txBody>
-          <a:bodyPr/>
-          <a:lstStyle/>
-          <a:p>
-            <a:r>
-              <a:rPr lang="en-US" dirty="0"/>
+        <p:spPr>
+          <a:xfrm>
+            <a:off x="4223186" y="3065925"/>
+            <a:ext cx="9418320" cy="1691640"/>
+          </a:xfrm>
+        </p:spPr>
+        <p:txBody>
+          <a:bodyPr/>
+          <a:lstStyle/>
+          <a:p>
+            <a:r>
+              <a:rPr lang="en-US" dirty="0">
+                <a:solidFill>
+                  <a:schemeClr val="accent5">
+                    <a:lumMod val="20000"/>
+                    <a:lumOff val="80000"/>
+                  </a:schemeClr>
+                </a:solidFill>
+              </a:rPr>
               <a:t>By Antonio Serrano, Faith </a:t>
             </a:r>
             <a:r>
-              <a:rPr lang="en-US" dirty="0" err="1"/>
+              <a:rPr lang="en-US" dirty="0" err="1">
+                <a:solidFill>
+                  <a:schemeClr val="accent5">
+                    <a:lumMod val="20000"/>
+                    <a:lumOff val="80000"/>
+                  </a:schemeClr>
+                </a:solidFill>
+              </a:rPr>
               <a:t>Warari</a:t>
             </a:r>
             <a:r>
-              <a:rPr lang="en-US" dirty="0"/>
+              <a:rPr lang="en-US" dirty="0">
+                <a:solidFill>
+                  <a:schemeClr val="accent5">
+                    <a:lumMod val="20000"/>
+                    <a:lumOff val="80000"/>
+                  </a:schemeClr>
+                </a:solidFill>
+              </a:rPr>
               <a:t>, and Priscilla Wong</a:t>
             </a:r>
           </a:p>
@@ -3481,19 +3688,47 @@
           <a:p>
             <a:r>
               <a:rPr lang="en-US" dirty="0"/>
-              <a:t>Difficulties</a:t>
-            </a:r>
-          </a:p>
-          <a:p>
+              <a:t>Difficulties:</a:t>
+            </a:r>
+          </a:p>
+          <a:p>
+            <a:pPr lvl="1"/>
             <a:r>
               <a:rPr lang="en-US" dirty="0"/>
-              <a:t>Additional questions</a:t>
-            </a:r>
-          </a:p>
-          <a:p>
+              <a:t>Normalizing data to be usable and concatenated</a:t>
+            </a:r>
+          </a:p>
+          <a:p>
+            <a:pPr lvl="1"/>
             <a:r>
               <a:rPr lang="en-US" dirty="0"/>
-              <a:t>Reflections</a:t>
+              <a:t>Working with a limited time frame for analysis since COVID only has case history from Dec 2019</a:t>
+            </a:r>
+          </a:p>
+          <a:p>
+            <a:r>
+              <a:rPr lang="en-US" dirty="0"/>
+              <a:t>Additional questions:</a:t>
+            </a:r>
+          </a:p>
+          <a:p>
+            <a:pPr lvl="1"/>
+            <a:r>
+              <a:rPr lang="en-US" dirty="0"/>
+              <a:t>Would personal consumption be more apparent in personal healthcare expenditures?</a:t>
+            </a:r>
+          </a:p>
+          <a:p>
+            <a:r>
+              <a:rPr lang="en-US" dirty="0"/>
+              <a:t>Reflections:</a:t>
+            </a:r>
+          </a:p>
+          <a:p>
+            <a:pPr lvl="1"/>
+            <a:r>
+              <a:rPr lang="en-US" dirty="0"/>
+              <a:t>Compare to other economic disasters such as 2008</a:t>
             </a:r>
           </a:p>
         </p:txBody>
@@ -3660,7 +3895,43 @@
           <a:bodyPr/>
           <a:lstStyle/>
           <a:p>
-            <a:endParaRPr lang="en-US"/>
+            <a:r>
+              <a:rPr lang="en-US" dirty="0"/>
+              <a:t>Assumptions that COVID-19 has caused major and/or long-term disruptions in the US Economy</a:t>
+            </a:r>
+          </a:p>
+          <a:p>
+            <a:r>
+              <a:rPr lang="en-US" dirty="0"/>
+              <a:t>Evaluating the perceived difference in qualitative vs. quantitative reporting</a:t>
+            </a:r>
+          </a:p>
+          <a:p>
+            <a:r>
+              <a:rPr lang="en-US" dirty="0"/>
+              <a:t>Selected 3 major areas to explore:</a:t>
+            </a:r>
+          </a:p>
+          <a:p>
+            <a:pPr lvl="1"/>
+            <a:r>
+              <a:rPr lang="en-US" dirty="0"/>
+              <a:t>Unemployment rate</a:t>
+            </a:r>
+          </a:p>
+          <a:p>
+            <a:pPr lvl="1"/>
+            <a:r>
+              <a:rPr lang="en-US" dirty="0"/>
+              <a:t>Real estate</a:t>
+            </a:r>
+          </a:p>
+          <a:p>
+            <a:pPr lvl="1"/>
+            <a:r>
+              <a:rPr lang="en-US" dirty="0"/>
+              <a:t>Personal Consumption Expenditure</a:t>
+            </a:r>
           </a:p>
         </p:txBody>
       </p:sp>
@@ -3752,7 +4023,14 @@
             <a:pPr lvl="1"/>
             <a:r>
               <a:rPr lang="en-US" dirty="0"/>
-              <a:t>US unemployment rates</a:t>
+              <a:t>US unemployment rates:</a:t>
+            </a:r>
+          </a:p>
+          <a:p>
+            <a:pPr lvl="2"/>
+            <a:r>
+              <a:rPr lang="en-US" dirty="0"/>
+              <a:t>How correlated are unemployment rates to COVID-19 cases?</a:t>
             </a:r>
           </a:p>
           <a:p>
@@ -3763,10 +4041,24 @@
             </a:r>
           </a:p>
           <a:p>
+            <a:pPr lvl="2"/>
+            <a:r>
+              <a:rPr lang="en-US" dirty="0"/>
+              <a:t>How has COVID-19 affected the amount of real estate listings and mortgages?</a:t>
+            </a:r>
+          </a:p>
+          <a:p>
             <a:pPr lvl="1"/>
             <a:r>
               <a:rPr lang="en-US" dirty="0"/>
               <a:t>Personal consumption expenditures</a:t>
+            </a:r>
+          </a:p>
+          <a:p>
+            <a:pPr lvl="2"/>
+            <a:r>
+              <a:rPr lang="en-US" dirty="0"/>
+              <a:t>How correlated are personal consumption expenditures and the amount of COVID-19 cases?</a:t>
             </a:r>
           </a:p>
         </p:txBody>
@@ -3847,13 +4139,119 @@
         </p:nvSpPr>
         <p:spPr/>
         <p:txBody>
-          <a:bodyPr/>
+          <a:bodyPr>
+            <a:normAutofit/>
+          </a:bodyPr>
           <a:lstStyle/>
           <a:p>
             <a:r>
               <a:rPr lang="en-US" dirty="0"/>
-              <a:t>Sources: *link to datasets</a:t>
-            </a:r>
+              <a:t>Sources:</a:t>
+            </a:r>
+          </a:p>
+          <a:p>
+            <a:pPr marL="182880" lvl="1">
+              <a:lnSpc>
+                <a:spcPct val="95000"/>
+              </a:lnSpc>
+              <a:spcBef>
+                <a:spcPts val="1400"/>
+              </a:spcBef>
+              <a:spcAft>
+                <a:spcPts val="200"/>
+              </a:spcAft>
+              <a:buSzPct val="80000"/>
+              <a:buFont typeface="Arial" pitchFamily="34" charset="0"/>
+              <a:buChar char="•"/>
+            </a:pPr>
+            <a:r>
+              <a:rPr lang="en-US" sz="1800" spc="10" dirty="0">
+                <a:solidFill>
+                  <a:schemeClr val="tx1"/>
+                </a:solidFill>
+              </a:rPr>
+              <a:t>COVID Case Rates by Location (CDC)</a:t>
+            </a:r>
+          </a:p>
+          <a:p>
+            <a:pPr marL="182880" lvl="1">
+              <a:lnSpc>
+                <a:spcPct val="95000"/>
+              </a:lnSpc>
+              <a:spcBef>
+                <a:spcPts val="1400"/>
+              </a:spcBef>
+              <a:spcAft>
+                <a:spcPts val="200"/>
+              </a:spcAft>
+              <a:buSzPct val="80000"/>
+              <a:buFont typeface="Arial" pitchFamily="34" charset="0"/>
+              <a:buChar char="•"/>
+            </a:pPr>
+            <a:r>
+              <a:rPr lang="en-US" sz="1800" spc="10" dirty="0">
+                <a:solidFill>
+                  <a:schemeClr val="tx1"/>
+                </a:solidFill>
+              </a:rPr>
+              <a:t>COVID Death Rates by Age and Place (CDC)</a:t>
+            </a:r>
+          </a:p>
+          <a:p>
+            <a:pPr marL="182880" lvl="1">
+              <a:lnSpc>
+                <a:spcPct val="95000"/>
+              </a:lnSpc>
+              <a:spcBef>
+                <a:spcPts val="1400"/>
+              </a:spcBef>
+              <a:spcAft>
+                <a:spcPts val="200"/>
+              </a:spcAft>
+              <a:buSzPct val="80000"/>
+              <a:buFont typeface="Arial" pitchFamily="34" charset="0"/>
+              <a:buChar char="•"/>
+            </a:pPr>
+            <a:r>
+              <a:rPr lang="en-US" sz="1800" spc="10" dirty="0">
+                <a:solidFill>
+                  <a:schemeClr val="tx1"/>
+                </a:solidFill>
+              </a:rPr>
+              <a:t>Unemployment Data (BLS)</a:t>
+            </a:r>
+          </a:p>
+          <a:p>
+            <a:pPr marL="182880" lvl="1">
+              <a:lnSpc>
+                <a:spcPct val="95000"/>
+              </a:lnSpc>
+              <a:spcBef>
+                <a:spcPts val="1400"/>
+              </a:spcBef>
+              <a:spcAft>
+                <a:spcPts val="200"/>
+              </a:spcAft>
+              <a:buSzPct val="80000"/>
+              <a:buFont typeface="Arial" pitchFamily="34" charset="0"/>
+              <a:buChar char="•"/>
+            </a:pPr>
+            <a:r>
+              <a:rPr lang="en-US" sz="1800" spc="10" dirty="0">
+                <a:solidFill>
+                  <a:schemeClr val="tx1"/>
+                </a:solidFill>
+              </a:rPr>
+              <a:t>Personal Consumption by Month (BEA)</a:t>
+            </a:r>
+          </a:p>
+          <a:p>
+            <a:pPr lvl="1"/>
+            <a:endParaRPr lang="en-US" sz="1600" dirty="0"/>
+          </a:p>
+          <a:p>
+            <a:pPr lvl="2"/>
+            <a:endParaRPr lang="en-US" sz="1600" dirty="0"/>
           </a:p>
           <a:p>
             <a:r>
@@ -3865,22 +4263,14 @@
             <a:pPr lvl="1"/>
             <a:r>
               <a:rPr lang="en-US" dirty="0"/>
-              <a:t>Pandas (parse, column changes, name changes, removing nulls </a:t>
-            </a:r>
-            <a:r>
-              <a:rPr lang="en-US" dirty="0" err="1"/>
-              <a:t>etc</a:t>
-            </a:r>
+              <a:t>Pandas: Parsing, column name changes, dropping nulls, normalizing data types</a:t>
+            </a:r>
+          </a:p>
+          <a:p>
+            <a:pPr lvl="1"/>
             <a:r>
               <a:rPr lang="en-US" dirty="0"/>
-              <a:t>)</a:t>
-            </a:r>
-          </a:p>
-          <a:p>
-            <a:pPr lvl="1"/>
-            <a:r>
-              <a:rPr lang="en-US" dirty="0"/>
-              <a:t>Excel manual manipulation</a:t>
+              <a:t>Excel manual manipulation for difficult formatting</a:t>
             </a:r>
           </a:p>
           <a:p>
@@ -3905,6 +4295,14 @@
 <file path=ppt/slides/slide5.xml><?xml version="1.0" encoding="utf-8"?>
 <p:sld xmlns:a="http://schemas.openxmlformats.org/drawingml/2006/main" xmlns:r="http://schemas.openxmlformats.org/officeDocument/2006/relationships" xmlns:p="http://schemas.openxmlformats.org/presentationml/2006/main">
   <p:cSld>
+    <p:bg>
+      <p:bgPr>
+        <a:solidFill>
+          <a:schemeClr val="bg1"/>
+        </a:solidFill>
+        <a:effectLst/>
+      </p:bgPr>
+    </p:bg>
     <p:spTree>
       <p:nvGrpSpPr>
         <p:cNvPr id="1" name=""/>
@@ -3935,24 +4333,31 @@
             <p:ph type="title"/>
           </p:nvPr>
         </p:nvSpPr>
-        <p:spPr/>
-        <p:txBody>
-          <a:bodyPr/>
+        <p:spPr>
+          <a:xfrm>
+            <a:off x="1261872" y="365760"/>
+            <a:ext cx="9692640" cy="1325562"/>
+          </a:xfrm>
+        </p:spPr>
+        <p:txBody>
+          <a:bodyPr vert="horz" lIns="91440" tIns="45720" rIns="91440" bIns="45720" rtlCol="0">
+            <a:normAutofit/>
+          </a:bodyPr>
           <a:lstStyle/>
           <a:p>
             <a:r>
               <a:rPr lang="en-US" dirty="0"/>
-              <a:t>Data Analysis: (covid case change)</a:t>
-            </a:r>
-          </a:p>
-        </p:txBody>
-      </p:sp>
-      <p:sp>
-        <p:nvSpPr>
-          <p:cNvPr id="3" name="Content Placeholder 2">
+              <a:t>Data Analysis: COVID Case Changes over Time</a:t>
+            </a:r>
+          </a:p>
+        </p:txBody>
+      </p:sp>
+      <p:sp>
+        <p:nvSpPr>
+          <p:cNvPr id="23" name="Content Placeholder 22">
             <a:extLst>
               <a:ext uri="{FF2B5EF4-FFF2-40B4-BE49-F238E27FC236}">
-                <a16:creationId xmlns:a16="http://schemas.microsoft.com/office/drawing/2014/main" id="{85944CBC-447A-4B2F-A09A-F34A3874E7E1}"/>
+                <a16:creationId xmlns:a16="http://schemas.microsoft.com/office/drawing/2014/main" id="{CA3D864D-D8F2-4493-8C7C-360B768B1ED2}"/>
               </a:ext>
             </a:extLst>
           </p:cNvPr>
@@ -3963,15 +4368,67 @@
             <p:ph idx="1"/>
           </p:nvPr>
         </p:nvSpPr>
-        <p:spPr/>
-        <p:txBody>
-          <a:bodyPr/>
-          <a:lstStyle/>
-          <a:p>
-            <a:endParaRPr lang="en-US" dirty="0"/>
-          </a:p>
-        </p:txBody>
-      </p:sp>
+        <p:spPr>
+          <a:xfrm>
+            <a:off x="1261872" y="1933575"/>
+            <a:ext cx="4401509" cy="4246562"/>
+          </a:xfrm>
+        </p:spPr>
+        <p:txBody>
+          <a:bodyPr>
+            <a:normAutofit/>
+          </a:bodyPr>
+          <a:lstStyle/>
+          <a:p>
+            <a:r>
+              <a:rPr lang="en-US" dirty="0"/>
+              <a:t>Increase from Jan 2020 through Feb 2021</a:t>
+            </a:r>
+          </a:p>
+          <a:p>
+            <a:r>
+              <a:rPr lang="en-US" dirty="0"/>
+              <a:t>Three peaks and one major peak December 2020</a:t>
+            </a:r>
+          </a:p>
+        </p:txBody>
+      </p:sp>
+      <p:pic>
+        <p:nvPicPr>
+          <p:cNvPr id="5" name="Content Placeholder 4" descr="Chart, line chart&#10;&#10;Description automatically generated">
+            <a:extLst>
+              <a:ext uri="{FF2B5EF4-FFF2-40B4-BE49-F238E27FC236}">
+                <a16:creationId xmlns:a16="http://schemas.microsoft.com/office/drawing/2014/main" id="{FABA7FE5-6615-45DC-B3E5-5403836D86EB}"/>
+              </a:ext>
+            </a:extLst>
+          </p:cNvPr>
+          <p:cNvPicPr>
+            <a:picLocks noChangeAspect="1"/>
+          </p:cNvPicPr>
+          <p:nvPr/>
+        </p:nvPicPr>
+        <p:blipFill>
+          <a:blip r:embed="rId2">
+            <a:extLst>
+              <a:ext uri="{28A0092B-C50C-407E-A947-70E740481C1C}">
+                <a14:useLocalDpi xmlns:a14="http://schemas.microsoft.com/office/drawing/2010/main" val="0"/>
+              </a:ext>
+            </a:extLst>
+          </a:blip>
+          <a:stretch>
+            <a:fillRect/>
+          </a:stretch>
+        </p:blipFill>
+        <p:spPr>
+          <a:xfrm>
+            <a:off x="6095999" y="2022671"/>
+            <a:ext cx="4807287" cy="3461680"/>
+          </a:xfrm>
+          <a:prstGeom prst="rect">
+            <a:avLst/>
+          </a:prstGeom>
+        </p:spPr>
+      </p:pic>
     </p:spTree>
     <p:extLst>
       <p:ext uri="{BB962C8B-B14F-4D97-AF65-F5344CB8AC3E}">
@@ -4025,7 +4482,7 @@
           <a:p>
             <a:r>
               <a:rPr lang="en-US" dirty="0"/>
-              <a:t>Data Analysis (unemployment)</a:t>
+              <a:t>Data Analysis: Unemployment</a:t>
             </a:r>
           </a:p>
         </p:txBody>
@@ -4051,7 +4508,7 @@
           <a:bodyPr/>
           <a:lstStyle/>
           <a:p>
-            <a:endParaRPr lang="en-US"/>
+            <a:endParaRPr lang="en-US" dirty="0"/>
           </a:p>
         </p:txBody>
       </p:sp>
@@ -4108,7 +4565,7 @@
           <a:p>
             <a:r>
               <a:rPr lang="en-US" dirty="0"/>
-              <a:t>Data Analysis (real estate &amp; mortgage)</a:t>
+              <a:t>Data Analysis: Real Estate &amp; Mortgage)</a:t>
             </a:r>
           </a:p>
         </p:txBody>
@@ -4154,6 +4611,14 @@
 <file path=ppt/slides/slide8.xml><?xml version="1.0" encoding="utf-8"?>
 <p:sld xmlns:a="http://schemas.openxmlformats.org/drawingml/2006/main" xmlns:r="http://schemas.openxmlformats.org/officeDocument/2006/relationships" xmlns:p="http://schemas.openxmlformats.org/presentationml/2006/main">
   <p:cSld>
+    <p:bg>
+      <p:bgPr>
+        <a:solidFill>
+          <a:schemeClr val="bg1"/>
+        </a:solidFill>
+        <a:effectLst/>
+      </p:bgPr>
+    </p:bg>
     <p:spTree>
       <p:nvGrpSpPr>
         <p:cNvPr id="1" name=""/>
@@ -4184,24 +4649,31 @@
             <p:ph type="title"/>
           </p:nvPr>
         </p:nvSpPr>
-        <p:spPr/>
-        <p:txBody>
-          <a:bodyPr/>
-          <a:lstStyle/>
-          <a:p>
-            <a:r>
-              <a:rPr lang="en-US" dirty="0"/>
-              <a:t>Data Analysis (personal consumption exp)</a:t>
-            </a:r>
-          </a:p>
-        </p:txBody>
-      </p:sp>
-      <p:sp>
-        <p:nvSpPr>
-          <p:cNvPr id="3" name="Content Placeholder 2">
+        <p:spPr>
+          <a:xfrm>
+            <a:off x="804671" y="365760"/>
+            <a:ext cx="4835635" cy="1805940"/>
+          </a:xfrm>
+        </p:spPr>
+        <p:txBody>
+          <a:bodyPr>
+            <a:normAutofit/>
+          </a:bodyPr>
+          <a:lstStyle/>
+          <a:p>
+            <a:r>
+              <a:rPr lang="en-US" sz="3400"/>
+              <a:t>Data Analysis: Personal Consumption Expenditure</a:t>
+            </a:r>
+          </a:p>
+        </p:txBody>
+      </p:sp>
+      <p:sp>
+        <p:nvSpPr>
+          <p:cNvPr id="11" name="Content Placeholder 10">
             <a:extLst>
               <a:ext uri="{FF2B5EF4-FFF2-40B4-BE49-F238E27FC236}">
-                <a16:creationId xmlns:a16="http://schemas.microsoft.com/office/drawing/2014/main" id="{57CB7010-52D6-405D-9F5E-C0FD88371290}"/>
+                <a16:creationId xmlns:a16="http://schemas.microsoft.com/office/drawing/2014/main" id="{4B2465BA-C068-4369-AC84-96D60D1EBFF8}"/>
               </a:ext>
             </a:extLst>
           </p:cNvPr>
@@ -4212,15 +4684,143 @@
             <p:ph idx="1"/>
           </p:nvPr>
         </p:nvSpPr>
-        <p:spPr/>
-        <p:txBody>
-          <a:bodyPr/>
-          <a:lstStyle/>
-          <a:p>
-            <a:endParaRPr lang="en-US"/>
-          </a:p>
-        </p:txBody>
-      </p:sp>
+        <p:spPr>
+          <a:xfrm>
+            <a:off x="804671" y="2314575"/>
+            <a:ext cx="4824603" cy="3865562"/>
+          </a:xfrm>
+        </p:spPr>
+        <p:txBody>
+          <a:bodyPr>
+            <a:normAutofit/>
+          </a:bodyPr>
+          <a:lstStyle/>
+          <a:p>
+            <a:r>
+              <a:rPr lang="en-US" dirty="0"/>
+              <a:t>Expecting cases to directly cause personal expenditures to decrease as case counts increase</a:t>
+            </a:r>
+          </a:p>
+          <a:p>
+            <a:r>
+              <a:rPr lang="en-US" dirty="0"/>
+              <a:t>One notable dip in March 2020 when most businesses were forced to shut down</a:t>
+            </a:r>
+          </a:p>
+          <a:p>
+            <a:r>
+              <a:rPr lang="en-US" dirty="0"/>
+              <a:t>Overall, low positive correlation</a:t>
+            </a:r>
+          </a:p>
+          <a:p>
+            <a:endParaRPr lang="en-US" dirty="0"/>
+          </a:p>
+          <a:p>
+            <a:endParaRPr lang="en-US" dirty="0"/>
+          </a:p>
+        </p:txBody>
+      </p:sp>
+      <p:pic>
+        <p:nvPicPr>
+          <p:cNvPr id="7" name="Picture 6" descr="Chart, bar chart&#10;&#10;Description automatically generated">
+            <a:extLst>
+              <a:ext uri="{FF2B5EF4-FFF2-40B4-BE49-F238E27FC236}">
+                <a16:creationId xmlns:a16="http://schemas.microsoft.com/office/drawing/2014/main" id="{96247DB3-1906-4B61-8F74-DF2F230F69A5}"/>
+              </a:ext>
+            </a:extLst>
+          </p:cNvPr>
+          <p:cNvPicPr>
+            <a:picLocks noChangeAspect="1"/>
+          </p:cNvPicPr>
+          <p:nvPr/>
+        </p:nvPicPr>
+        <p:blipFill rotWithShape="1">
+          <a:blip r:embed="rId2">
+            <a:extLst>
+              <a:ext uri="{28A0092B-C50C-407E-A947-70E740481C1C}">
+                <a14:useLocalDpi xmlns:a14="http://schemas.microsoft.com/office/drawing/2010/main" val="0"/>
+              </a:ext>
+            </a:extLst>
+          </a:blip>
+          <a:srcRect l="2077" r="-2" b="-2"/>
+          <a:stretch/>
+        </p:blipFill>
+        <p:spPr>
+          <a:xfrm>
+            <a:off x="6095999" y="10"/>
+            <a:ext cx="5075239" cy="3355932"/>
+          </a:xfrm>
+          <a:prstGeom prst="rect">
+            <a:avLst/>
+          </a:prstGeom>
+        </p:spPr>
+      </p:pic>
+      <p:pic>
+        <p:nvPicPr>
+          <p:cNvPr id="5" name="Content Placeholder 4" descr="Chart, bar chart&#10;&#10;Description automatically generated">
+            <a:extLst>
+              <a:ext uri="{FF2B5EF4-FFF2-40B4-BE49-F238E27FC236}">
+                <a16:creationId xmlns:a16="http://schemas.microsoft.com/office/drawing/2014/main" id="{450D9F38-5730-4F89-A449-5AF2D8F27AA1}"/>
+              </a:ext>
+            </a:extLst>
+          </p:cNvPr>
+          <p:cNvPicPr>
+            <a:picLocks noChangeAspect="1"/>
+          </p:cNvPicPr>
+          <p:nvPr/>
+        </p:nvPicPr>
+        <p:blipFill rotWithShape="1">
+          <a:blip r:embed="rId3">
+            <a:extLst>
+              <a:ext uri="{28A0092B-C50C-407E-A947-70E740481C1C}">
+                <a14:useLocalDpi xmlns:a14="http://schemas.microsoft.com/office/drawing/2010/main" val="0"/>
+              </a:ext>
+            </a:extLst>
+          </a:blip>
+          <a:srcRect l="14070" r="2626" b="-3"/>
+          <a:stretch/>
+        </p:blipFill>
+        <p:spPr>
+          <a:xfrm>
+            <a:off x="6096000" y="3476615"/>
+            <a:ext cx="5075238" cy="3381375"/>
+          </a:xfrm>
+          <a:prstGeom prst="rect">
+            <a:avLst/>
+          </a:prstGeom>
+        </p:spPr>
+      </p:pic>
+      <p:pic>
+        <p:nvPicPr>
+          <p:cNvPr id="9" name="Picture 8">
+            <a:extLst>
+              <a:ext uri="{FF2B5EF4-FFF2-40B4-BE49-F238E27FC236}">
+                <a16:creationId xmlns:a16="http://schemas.microsoft.com/office/drawing/2014/main" id="{F83C4262-6DB9-4B32-9093-4A1124EA7FD2}"/>
+              </a:ext>
+            </a:extLst>
+          </p:cNvPr>
+          <p:cNvPicPr>
+            <a:picLocks noChangeAspect="1"/>
+          </p:cNvPicPr>
+          <p:nvPr/>
+        </p:nvPicPr>
+        <p:blipFill>
+          <a:blip r:embed="rId4"/>
+          <a:stretch>
+            <a:fillRect/>
+          </a:stretch>
+        </p:blipFill>
+        <p:spPr>
+          <a:xfrm>
+            <a:off x="924264" y="4844110"/>
+            <a:ext cx="4112631" cy="1146143"/>
+          </a:xfrm>
+          <a:prstGeom prst="rect">
+            <a:avLst/>
+          </a:prstGeom>
+        </p:spPr>
+      </p:pic>
     </p:spTree>
     <p:extLst>
       <p:ext uri="{BB962C8B-B14F-4D97-AF65-F5344CB8AC3E}">
@@ -4300,7 +4900,35 @@
           <a:bodyPr/>
           <a:lstStyle/>
           <a:p>
+            <a:r>
+              <a:rPr lang="en-US" dirty="0"/>
+              <a:t>Unemployment:</a:t>
+            </a:r>
+          </a:p>
+          <a:p>
             <a:endParaRPr lang="en-US" dirty="0"/>
+          </a:p>
+          <a:p>
+            <a:r>
+              <a:rPr lang="en-US" dirty="0"/>
+              <a:t>Real Estate and Mortgage:</a:t>
+            </a:r>
+          </a:p>
+          <a:p>
+            <a:endParaRPr lang="en-US" dirty="0"/>
+          </a:p>
+          <a:p>
+            <a:r>
+              <a:rPr lang="en-US" dirty="0"/>
+              <a:t>Personal Consumption Expenditure:</a:t>
+            </a:r>
+          </a:p>
+          <a:p>
+            <a:pPr lvl="1"/>
+            <a:r>
+              <a:rPr lang="en-US" dirty="0"/>
+              <a:t>Did not show long-term decreases as expected or decreases directly related with COVID case counts</a:t>
+            </a:r>
           </a:p>
         </p:txBody>
       </p:sp>
@@ -4318,110 +4946,58 @@
 </file>
 
 <file path=ppt/theme/theme1.xml><?xml version="1.0" encoding="utf-8"?>
-<a:theme xmlns:a="http://schemas.openxmlformats.org/drawingml/2006/main" name="Office Theme">
+<a:theme xmlns:a="http://schemas.openxmlformats.org/drawingml/2006/main" name="View">
   <a:themeElements>
-    <a:clrScheme name="Office">
+    <a:clrScheme name="View">
       <a:dk1>
-        <a:sysClr val="windowText" lastClr="000000"/>
+        <a:srgbClr val="000000"/>
       </a:dk1>
       <a:lt1>
-        <a:sysClr val="window" lastClr="FFFFFF"/>
+        <a:srgbClr val="FFFFFF"/>
       </a:lt1>
       <a:dk2>
-        <a:srgbClr val="44546A"/>
+        <a:srgbClr val="46464A"/>
       </a:dk2>
       <a:lt2>
-        <a:srgbClr val="E7E6E6"/>
+        <a:srgbClr val="D6D3CC"/>
       </a:lt2>
       <a:accent1>
-        <a:srgbClr val="4472C4"/>
+        <a:srgbClr val="6F6F74"/>
       </a:accent1>
       <a:accent2>
-        <a:srgbClr val="ED7D31"/>
+        <a:srgbClr val="92A9B9"/>
       </a:accent2>
       <a:accent3>
-        <a:srgbClr val="A5A5A5"/>
+        <a:srgbClr val="A7B789"/>
       </a:accent3>
       <a:accent4>
-        <a:srgbClr val="FFC000"/>
+        <a:srgbClr val="B9A489"/>
       </a:accent4>
       <a:accent5>
-        <a:srgbClr val="5B9BD5"/>
+        <a:srgbClr val="8D6374"/>
       </a:accent5>
       <a:accent6>
-        <a:srgbClr val="70AD47"/>
+        <a:srgbClr val="9B7362"/>
       </a:accent6>
       <a:hlink>
-        <a:srgbClr val="0563C1"/>
+        <a:srgbClr val="67AABF"/>
       </a:hlink>
       <a:folHlink>
-        <a:srgbClr val="954F72"/>
+        <a:srgbClr val="ABAFA5"/>
       </a:folHlink>
     </a:clrScheme>
-    <a:fontScheme name="Office">
+    <a:fontScheme name="View">
       <a:majorFont>
-        <a:latin typeface="Calibri Light" panose="020F0302020204030204"/>
+        <a:latin typeface="Century Schoolbook" panose="02040604050505020304"/>
         <a:ea typeface=""/>
         <a:cs typeface=""/>
-        <a:font script="Jpan" typeface="游ゴシック Light"/>
+        <a:font script="Jpan" typeface="ＭＳ ゴシック"/>
         <a:font script="Hang" typeface="맑은 고딕"/>
-        <a:font script="Hans" typeface="等线 Light"/>
+        <a:font script="Hans" typeface="宋体"/>
         <a:font script="Hant" typeface="新細明體"/>
-        <a:font script="Arab" typeface="Times New Roman"/>
-        <a:font script="Hebr" typeface="Times New Roman"/>
-        <a:font script="Thai" typeface="Angsana New"/>
-        <a:font script="Ethi" typeface="Nyala"/>
-        <a:font script="Beng" typeface="Vrinda"/>
-        <a:font script="Gujr" typeface="Shruti"/>
-        <a:font script="Khmr" typeface="MoolBoran"/>
-        <a:font script="Knda" typeface="Tunga"/>
-        <a:font script="Guru" typeface="Raavi"/>
-        <a:font script="Cans" typeface="Euphemia"/>
-        <a:font script="Cher" typeface="Plantagenet Cherokee"/>
-        <a:font script="Yiii" typeface="Microsoft Yi Baiti"/>
-        <a:font script="Tibt" typeface="Microsoft Himalaya"/>
-        <a:font script="Thaa" typeface="MV Boli"/>
-        <a:font script="Deva" typeface="Mangal"/>
-        <a:font script="Telu" typeface="Gautami"/>
-        <a:font script="Taml" typeface="Latha"/>
-        <a:font script="Syrc" typeface="Estrangelo Edessa"/>
-        <a:font script="Orya" typeface="Kalinga"/>
-        <a:font script="Mlym" typeface="Kartika"/>
-        <a:font script="Laoo" typeface="DokChampa"/>
-        <a:font script="Sinh" typeface="Iskoola Pota"/>
-        <a:font script="Mong" typeface="Mongolian Baiti"/>
-        <a:font script="Viet" typeface="Times New Roman"/>
-        <a:font script="Uigh" typeface="Microsoft Uighur"/>
-        <a:font script="Geor" typeface="Sylfaen"/>
-        <a:font script="Armn" typeface="Arial"/>
-        <a:font script="Bugi" typeface="Leelawadee UI"/>
-        <a:font script="Bopo" typeface="Microsoft JhengHei"/>
-        <a:font script="Java" typeface="Javanese Text"/>
-        <a:font script="Lisu" typeface="Segoe UI"/>
-        <a:font script="Mymr" typeface="Myanmar Text"/>
-        <a:font script="Nkoo" typeface="Ebrima"/>
-        <a:font script="Olck" typeface="Nirmala UI"/>
-        <a:font script="Osma" typeface="Ebrima"/>
-        <a:font script="Phag" typeface="Phagspa"/>
-        <a:font script="Syrn" typeface="Estrangelo Edessa"/>
-        <a:font script="Syrj" typeface="Estrangelo Edessa"/>
-        <a:font script="Syre" typeface="Estrangelo Edessa"/>
-        <a:font script="Sora" typeface="Nirmala UI"/>
-        <a:font script="Tale" typeface="Microsoft Tai Le"/>
-        <a:font script="Talu" typeface="Microsoft New Tai Lue"/>
-        <a:font script="Tfng" typeface="Ebrima"/>
-      </a:majorFont>
-      <a:minorFont>
-        <a:latin typeface="Calibri" panose="020F0502020204030204"/>
-        <a:ea typeface=""/>
-        <a:cs typeface=""/>
-        <a:font script="Jpan" typeface="游ゴシック"/>
-        <a:font script="Hang" typeface="맑은 고딕"/>
-        <a:font script="Hans" typeface="等线"/>
-        <a:font script="Hant" typeface="新細明體"/>
-        <a:font script="Arab" typeface="Arial"/>
-        <a:font script="Hebr" typeface="Arial"/>
-        <a:font script="Thai" typeface="Cordia New"/>
+        <a:font script="Arab" typeface="Tahoma"/>
+        <a:font script="Hebr" typeface="Gisha"/>
+        <a:font script="Thai" typeface="DilleniaUPC"/>
         <a:font script="Ethi" typeface="Nyala"/>
         <a:font script="Beng" typeface="Vrinda"/>
         <a:font script="Gujr" typeface="Shruti"/>
@@ -4442,107 +5018,86 @@
         <a:font script="Laoo" typeface="DokChampa"/>
         <a:font script="Sinh" typeface="Iskoola Pota"/>
         <a:font script="Mong" typeface="Mongolian Baiti"/>
-        <a:font script="Viet" typeface="Arial"/>
+        <a:font script="Viet" typeface="Tahoma"/>
         <a:font script="Uigh" typeface="Microsoft Uighur"/>
         <a:font script="Geor" typeface="Sylfaen"/>
-        <a:font script="Armn" typeface="Arial"/>
-        <a:font script="Bugi" typeface="Leelawadee UI"/>
-        <a:font script="Bopo" typeface="Microsoft JhengHei"/>
-        <a:font script="Java" typeface="Javanese Text"/>
-        <a:font script="Lisu" typeface="Segoe UI"/>
-        <a:font script="Mymr" typeface="Myanmar Text"/>
-        <a:font script="Nkoo" typeface="Ebrima"/>
-        <a:font script="Olck" typeface="Nirmala UI"/>
-        <a:font script="Osma" typeface="Ebrima"/>
-        <a:font script="Phag" typeface="Phagspa"/>
-        <a:font script="Syrn" typeface="Estrangelo Edessa"/>
-        <a:font script="Syrj" typeface="Estrangelo Edessa"/>
-        <a:font script="Syre" typeface="Estrangelo Edessa"/>
-        <a:font script="Sora" typeface="Nirmala UI"/>
-        <a:font script="Tale" typeface="Microsoft Tai Le"/>
-        <a:font script="Talu" typeface="Microsoft New Tai Lue"/>
-        <a:font script="Tfng" typeface="Ebrima"/>
+      </a:majorFont>
+      <a:minorFont>
+        <a:latin typeface="Century Schoolbook" panose="02040604050505020304"/>
+        <a:ea typeface=""/>
+        <a:cs typeface=""/>
+        <a:font script="Jpan" typeface="ＭＳ ゴシック"/>
+        <a:font script="Hang" typeface="맑은 고딕"/>
+        <a:font script="Hans" typeface="宋体"/>
+        <a:font script="Hant" typeface="新細明體"/>
+        <a:font script="Arab" typeface="Tahoma"/>
+        <a:font script="Hebr" typeface="Gisha"/>
+        <a:font script="Thai" typeface="DilleniaUPC"/>
+        <a:font script="Ethi" typeface="Nyala"/>
+        <a:font script="Beng" typeface="Vrinda"/>
+        <a:font script="Gujr" typeface="Shruti"/>
+        <a:font script="Khmr" typeface="DaunPenh"/>
+        <a:font script="Knda" typeface="Tunga"/>
+        <a:font script="Guru" typeface="Raavi"/>
+        <a:font script="Cans" typeface="Euphemia"/>
+        <a:font script="Cher" typeface="Plantagenet Cherokee"/>
+        <a:font script="Yiii" typeface="Microsoft Yi Baiti"/>
+        <a:font script="Tibt" typeface="Microsoft Himalaya"/>
+        <a:font script="Thaa" typeface="MV Boli"/>
+        <a:font script="Deva" typeface="Mangal"/>
+        <a:font script="Telu" typeface="Gautami"/>
+        <a:font script="Taml" typeface="Latha"/>
+        <a:font script="Syrc" typeface="Estrangelo Edessa"/>
+        <a:font script="Orya" typeface="Kalinga"/>
+        <a:font script="Mlym" typeface="Kartika"/>
+        <a:font script="Laoo" typeface="DokChampa"/>
+        <a:font script="Sinh" typeface="Iskoola Pota"/>
+        <a:font script="Mong" typeface="Mongolian Baiti"/>
+        <a:font script="Viet" typeface="Verdana"/>
+        <a:font script="Uigh" typeface="Microsoft Uighur"/>
+        <a:font script="Geor" typeface="Sylfaen"/>
       </a:minorFont>
     </a:fontScheme>
-    <a:fmtScheme name="Office">
+    <a:fmtScheme name="View">
       <a:fillStyleLst>
         <a:solidFill>
           <a:schemeClr val="phClr"/>
         </a:solidFill>
-        <a:gradFill rotWithShape="1">
-          <a:gsLst>
-            <a:gs pos="0">
-              <a:schemeClr val="phClr">
-                <a:lumMod val="110000"/>
-                <a:satMod val="105000"/>
-                <a:tint val="67000"/>
-              </a:schemeClr>
-            </a:gs>
-            <a:gs pos="50000">
-              <a:schemeClr val="phClr">
-                <a:lumMod val="105000"/>
-                <a:satMod val="103000"/>
-                <a:tint val="73000"/>
-              </a:schemeClr>
-            </a:gs>
-            <a:gs pos="100000">
-              <a:schemeClr val="phClr">
-                <a:lumMod val="105000"/>
-                <a:satMod val="109000"/>
-                <a:tint val="81000"/>
-              </a:schemeClr>
-            </a:gs>
-          </a:gsLst>
-          <a:lin ang="5400000" scaled="0"/>
-        </a:gradFill>
-        <a:gradFill rotWithShape="1">
-          <a:gsLst>
-            <a:gs pos="0">
-              <a:schemeClr val="phClr">
-                <a:satMod val="103000"/>
-                <a:lumMod val="102000"/>
-                <a:tint val="94000"/>
-              </a:schemeClr>
-            </a:gs>
-            <a:gs pos="50000">
-              <a:schemeClr val="phClr">
-                <a:satMod val="110000"/>
-                <a:lumMod val="100000"/>
-                <a:shade val="100000"/>
-              </a:schemeClr>
-            </a:gs>
-            <a:gs pos="100000">
-              <a:schemeClr val="phClr">
-                <a:lumMod val="99000"/>
-                <a:satMod val="120000"/>
-                <a:shade val="78000"/>
-              </a:schemeClr>
-            </a:gs>
-          </a:gsLst>
-          <a:lin ang="5400000" scaled="0"/>
-        </a:gradFill>
+        <a:solidFill>
+          <a:schemeClr val="phClr">
+            <a:tint val="60000"/>
+            <a:satMod val="120000"/>
+          </a:schemeClr>
+        </a:solidFill>
+        <a:solidFill>
+          <a:schemeClr val="phClr">
+            <a:shade val="75000"/>
+            <a:satMod val="160000"/>
+          </a:schemeClr>
+        </a:solidFill>
       </a:fillStyleLst>
       <a:lnStyleLst>
-        <a:ln w="6350" cap="flat" cmpd="sng" algn="ctr">
+        <a:ln w="9525" cap="flat" cmpd="sng" algn="ctr">
           <a:solidFill>
             <a:schemeClr val="phClr"/>
           </a:solidFill>
           <a:prstDash val="solid"/>
-          <a:miter lim="800000"/>
         </a:ln>
-        <a:ln w="12700" cap="flat" cmpd="sng" algn="ctr">
+        <a:ln w="13970" cap="flat" cmpd="sng" algn="ctr">
           <a:solidFill>
             <a:schemeClr val="phClr"/>
           </a:solidFill>
           <a:prstDash val="solid"/>
-          <a:miter lim="800000"/>
         </a:ln>
-        <a:ln w="19050" cap="flat" cmpd="sng" algn="ctr">
+        <a:ln w="17145" cap="flat" cmpd="sng" algn="ctr">
           <a:solidFill>
-            <a:schemeClr val="phClr"/>
+            <a:schemeClr val="phClr">
+              <a:shade val="95000"/>
+              <a:alpha val="95000"/>
+              <a:satMod val="150000"/>
+            </a:schemeClr>
           </a:solidFill>
           <a:prstDash val="solid"/>
-          <a:miter lim="800000"/>
         </a:ln>
       </a:lnStyleLst>
       <a:effectStyleLst>
@@ -4550,16 +5105,52 @@
           <a:effectLst/>
         </a:effectStyle>
         <a:effectStyle>
-          <a:effectLst/>
+          <a:effectLst>
+            <a:outerShdw blurRad="50800" dist="15240" dir="5400000" algn="tl" rotWithShape="0">
+              <a:srgbClr val="000000">
+                <a:alpha val="75000"/>
+              </a:srgbClr>
+            </a:outerShdw>
+          </a:effectLst>
+          <a:scene3d>
+            <a:camera prst="orthographicFront">
+              <a:rot lat="0" lon="0" rev="0"/>
+            </a:camera>
+            <a:lightRig rig="brightRoom" dir="tl"/>
+          </a:scene3d>
+          <a:sp3d contourW="9525" prstMaterial="flat">
+            <a:bevelT w="0" h="0" prst="coolSlant"/>
+            <a:contourClr>
+              <a:schemeClr val="phClr">
+                <a:shade val="35000"/>
+                <a:satMod val="130000"/>
+              </a:schemeClr>
+            </a:contourClr>
+          </a:sp3d>
         </a:effectStyle>
         <a:effectStyle>
           <a:effectLst>
-            <a:outerShdw blurRad="57150" dist="19050" dir="5400000" algn="ctr" rotWithShape="0">
+            <a:outerShdw blurRad="76200" dist="25400" dir="5400000" algn="tl" rotWithShape="0">
               <a:srgbClr val="000000">
-                <a:alpha val="63000"/>
+                <a:alpha val="55000"/>
               </a:srgbClr>
             </a:outerShdw>
           </a:effectLst>
+          <a:scene3d>
+            <a:camera prst="orthographicFront">
+              <a:rot lat="0" lon="0" rev="0"/>
+            </a:camera>
+            <a:lightRig rig="brightRoom" dir="tl"/>
+          </a:scene3d>
+          <a:sp3d contourW="19050" prstMaterial="flat">
+            <a:bevelT w="0" h="0" prst="coolSlant"/>
+            <a:contourClr>
+              <a:schemeClr val="phClr">
+                <a:shade val="25000"/>
+                <a:satMod val="140000"/>
+              </a:schemeClr>
+            </a:contourClr>
+          </a:sp3d>
         </a:effectStyle>
       </a:effectStyleLst>
       <a:bgFillStyleLst>
@@ -4576,28 +5167,23 @@
           <a:gsLst>
             <a:gs pos="0">
               <a:schemeClr val="phClr">
-                <a:tint val="93000"/>
-                <a:satMod val="150000"/>
+                <a:tint val="94000"/>
                 <a:shade val="98000"/>
+                <a:satMod val="130000"/>
                 <a:lumMod val="102000"/>
-              </a:schemeClr>
-            </a:gs>
-            <a:gs pos="50000">
-              <a:schemeClr val="phClr">
-                <a:tint val="98000"/>
-                <a:satMod val="130000"/>
-                <a:shade val="90000"/>
-                <a:lumMod val="103000"/>
               </a:schemeClr>
             </a:gs>
             <a:gs pos="100000">
               <a:schemeClr val="phClr">
-                <a:shade val="63000"/>
-                <a:satMod val="120000"/>
+                <a:tint val="98000"/>
+                <a:shade val="78000"/>
+                <a:satMod val="140000"/>
               </a:schemeClr>
             </a:gs>
           </a:gsLst>
-          <a:lin ang="5400000" scaled="0"/>
+          <a:path path="circle">
+            <a:fillToRect l="100000" t="100000" r="100000" b="100000"/>
+          </a:path>
         </a:gradFill>
       </a:bgFillStyleLst>
     </a:fmtScheme>
@@ -4606,7 +5192,7 @@
   <a:extraClrSchemeLst/>
   <a:extLst>
     <a:ext uri="{05A4C25C-085E-4340-85A3-A5531E510DB2}">
-      <thm15:themeFamily xmlns:thm15="http://schemas.microsoft.com/office/thememl/2012/main" name="Office Theme" id="{62F939B6-93AF-4DB8-9C6B-D6C7DFDC589F}" vid="{4A3C46E8-61CC-4603-A589-7422A47A8E4A}"/>
+      <thm15:themeFamily xmlns:thm15="http://schemas.microsoft.com/office/thememl/2012/main" name="View" id="{BA0EB5A6-F2D4-4F82-977B-64ADEE4A2A69}" vid="{3969A8A2-35DB-4E3B-8885-16FD20568674}"/>
     </a:ext>
   </a:extLst>
 </a:theme>

--- a/Project_1_Slides.pptx
+++ b/Project_1_Slides.pptx
@@ -14,8 +14,9 @@
     <p:sldId id="262" r:id="rId8"/>
     <p:sldId id="263" r:id="rId9"/>
     <p:sldId id="265" r:id="rId10"/>
-    <p:sldId id="266" r:id="rId11"/>
-    <p:sldId id="267" r:id="rId12"/>
+    <p:sldId id="268" r:id="rId11"/>
+    <p:sldId id="266" r:id="rId12"/>
+    <p:sldId id="267" r:id="rId13"/>
   </p:sldIdLst>
   <p:sldSz cx="12192000" cy="6858000"/>
   <p:notesSz cx="6858000" cy="9144000"/>
@@ -290,7 +291,7 @@
           <a:p>
             <a:fld id="{40FB95BA-9913-4C64-8B39-27BEB02A3997}" type="datetimeFigureOut">
               <a:rPr lang="en-US" smtClean="0"/>
-              <a:t>4/8/2021</a:t>
+              <a:t>4/10/2021</a:t>
             </a:fld>
             <a:endParaRPr lang="en-US"/>
           </a:p>
@@ -518,7 +519,7 @@
           <a:p>
             <a:fld id="{40FB95BA-9913-4C64-8B39-27BEB02A3997}" type="datetimeFigureOut">
               <a:rPr lang="en-US" smtClean="0"/>
-              <a:t>4/8/2021</a:t>
+              <a:t>4/10/2021</a:t>
             </a:fld>
             <a:endParaRPr lang="en-US"/>
           </a:p>
@@ -698,7 +699,7 @@
           <a:p>
             <a:fld id="{40FB95BA-9913-4C64-8B39-27BEB02A3997}" type="datetimeFigureOut">
               <a:rPr lang="en-US" smtClean="0"/>
-              <a:t>4/8/2021</a:t>
+              <a:t>4/10/2021</a:t>
             </a:fld>
             <a:endParaRPr lang="en-US"/>
           </a:p>
@@ -868,7 +869,7 @@
           <a:p>
             <a:fld id="{40FB95BA-9913-4C64-8B39-27BEB02A3997}" type="datetimeFigureOut">
               <a:rPr lang="en-US" smtClean="0"/>
-              <a:t>4/8/2021</a:t>
+              <a:t>4/10/2021</a:t>
             </a:fld>
             <a:endParaRPr lang="en-US"/>
           </a:p>
@@ -1122,7 +1123,7 @@
           <a:p>
             <a:fld id="{40FB95BA-9913-4C64-8B39-27BEB02A3997}" type="datetimeFigureOut">
               <a:rPr lang="en-US" smtClean="0"/>
-              <a:t>4/8/2021</a:t>
+              <a:t>4/10/2021</a:t>
             </a:fld>
             <a:endParaRPr lang="en-US"/>
           </a:p>
@@ -1448,7 +1449,7 @@
           <a:p>
             <a:fld id="{40FB95BA-9913-4C64-8B39-27BEB02A3997}" type="datetimeFigureOut">
               <a:rPr lang="en-US" smtClean="0"/>
-              <a:t>4/8/2021</a:t>
+              <a:t>4/10/2021</a:t>
             </a:fld>
             <a:endParaRPr lang="en-US"/>
           </a:p>
@@ -1899,7 +1900,7 @@
           <a:p>
             <a:fld id="{40FB95BA-9913-4C64-8B39-27BEB02A3997}" type="datetimeFigureOut">
               <a:rPr lang="en-US" smtClean="0"/>
-              <a:t>4/8/2021</a:t>
+              <a:t>4/10/2021</a:t>
             </a:fld>
             <a:endParaRPr lang="en-US"/>
           </a:p>
@@ -2017,7 +2018,7 @@
           <a:p>
             <a:fld id="{40FB95BA-9913-4C64-8B39-27BEB02A3997}" type="datetimeFigureOut">
               <a:rPr lang="en-US" smtClean="0"/>
-              <a:t>4/8/2021</a:t>
+              <a:t>4/10/2021</a:t>
             </a:fld>
             <a:endParaRPr lang="en-US"/>
           </a:p>
@@ -2112,7 +2113,7 @@
           <a:p>
             <a:fld id="{40FB95BA-9913-4C64-8B39-27BEB02A3997}" type="datetimeFigureOut">
               <a:rPr lang="en-US" smtClean="0"/>
-              <a:t>4/8/2021</a:t>
+              <a:t>4/10/2021</a:t>
             </a:fld>
             <a:endParaRPr lang="en-US"/>
           </a:p>
@@ -2399,7 +2400,7 @@
           <a:p>
             <a:fld id="{40FB95BA-9913-4C64-8B39-27BEB02A3997}" type="datetimeFigureOut">
               <a:rPr lang="en-US" smtClean="0"/>
-              <a:t>4/8/2021</a:t>
+              <a:t>4/10/2021</a:t>
             </a:fld>
             <a:endParaRPr lang="en-US"/>
           </a:p>
@@ -2721,7 +2722,7 @@
           <a:p>
             <a:fld id="{40FB95BA-9913-4C64-8B39-27BEB02A3997}" type="datetimeFigureOut">
               <a:rPr lang="en-US" smtClean="0"/>
-              <a:t>4/8/2021</a:t>
+              <a:t>4/10/2021</a:t>
             </a:fld>
             <a:endParaRPr lang="en-US"/>
           </a:p>
@@ -2975,7 +2976,7 @@
           <a:p>
             <a:fld id="{40FB95BA-9913-4C64-8B39-27BEB02A3997}" type="datetimeFigureOut">
               <a:rPr lang="en-US" smtClean="0"/>
-              <a:t>4/8/2021</a:t>
+              <a:t>4/10/2021</a:t>
             </a:fld>
             <a:endParaRPr lang="en-US"/>
           </a:p>
@@ -3639,6 +3640,326 @@
       </p:grpSpPr>
       <p:sp>
         <p:nvSpPr>
+          <p:cNvPr id="6" name="Title 1">
+            <a:extLst>
+              <a:ext uri="{FF2B5EF4-FFF2-40B4-BE49-F238E27FC236}">
+                <a16:creationId xmlns:a16="http://schemas.microsoft.com/office/drawing/2014/main" id="{EF6DB7D8-40AC-6B42-AD47-B8029FEB086F}"/>
+              </a:ext>
+            </a:extLst>
+          </p:cNvPr>
+          <p:cNvSpPr>
+            <a:spLocks noGrp="1"/>
+          </p:cNvSpPr>
+          <p:nvPr/>
+        </p:nvSpPr>
+        <p:spPr>
+          <a:xfrm>
+            <a:off x="1532527" y="301156"/>
+            <a:ext cx="9692640" cy="1325562"/>
+          </a:xfrm>
+          <a:prstGeom prst="rect">
+            <a:avLst/>
+          </a:prstGeom>
+        </p:spPr>
+        <p:txBody>
+          <a:bodyPr vert="horz" lIns="91440" tIns="45720" rIns="91440" bIns="45720" rtlCol="0" anchor="b">
+            <a:normAutofit/>
+          </a:bodyPr>
+          <a:lstStyle>
+            <a:lvl1pPr algn="l" defTabSz="914400" rtl="0" eaLnBrk="1" latinLnBrk="0" hangingPunct="1">
+              <a:lnSpc>
+                <a:spcPct val="90000"/>
+              </a:lnSpc>
+              <a:spcBef>
+                <a:spcPct val="0"/>
+              </a:spcBef>
+              <a:buNone/>
+              <a:defRPr sz="4400" kern="1200" spc="-50" baseline="0">
+                <a:solidFill>
+                  <a:schemeClr val="tx1"/>
+                </a:solidFill>
+                <a:latin typeface="+mj-lt"/>
+                <a:ea typeface="+mj-ea"/>
+                <a:cs typeface="+mj-cs"/>
+              </a:defRPr>
+            </a:lvl1pPr>
+          </a:lstStyle>
+          <a:p>
+            <a:r>
+              <a:rPr lang="en-US" dirty="0"/>
+              <a:t>New Python Library Used for This Project</a:t>
+            </a:r>
+          </a:p>
+        </p:txBody>
+      </p:sp>
+      <p:pic>
+        <p:nvPicPr>
+          <p:cNvPr id="7" name="Picture 6" descr="The Best Python Libraries for Data Science and Machine ...">
+            <a:extLst>
+              <a:ext uri="{FF2B5EF4-FFF2-40B4-BE49-F238E27FC236}">
+                <a16:creationId xmlns:a16="http://schemas.microsoft.com/office/drawing/2014/main" id="{7EEB3432-A8E6-6046-A7FE-29800644F1E9}"/>
+              </a:ext>
+            </a:extLst>
+          </p:cNvPr>
+          <p:cNvPicPr>
+            <a:picLocks noChangeAspect="1" noChangeArrowheads="1"/>
+          </p:cNvPicPr>
+          <p:nvPr/>
+        </p:nvPicPr>
+        <p:blipFill>
+          <a:blip r:embed="rId2">
+            <a:extLst>
+              <a:ext uri="{28A0092B-C50C-407E-A947-70E740481C1C}">
+                <a14:useLocalDpi xmlns:a14="http://schemas.microsoft.com/office/drawing/2010/main" val="0"/>
+              </a:ext>
+            </a:extLst>
+          </a:blip>
+          <a:srcRect/>
+          <a:stretch>
+            <a:fillRect/>
+          </a:stretch>
+        </p:blipFill>
+        <p:spPr bwMode="auto">
+          <a:xfrm>
+            <a:off x="9861478" y="5410526"/>
+            <a:ext cx="1009126" cy="1200329"/>
+          </a:xfrm>
+          <a:prstGeom prst="rect">
+            <a:avLst/>
+          </a:prstGeom>
+          <a:noFill/>
+          <a:extLst>
+            <a:ext uri="{909E8E84-426E-40DD-AFC4-6F175D3DCCD1}">
+              <a14:hiddenFill xmlns:a14="http://schemas.microsoft.com/office/drawing/2010/main">
+                <a:solidFill>
+                  <a:srgbClr val="FFFFFF"/>
+                </a:solidFill>
+              </a14:hiddenFill>
+            </a:ext>
+          </a:extLst>
+        </p:spPr>
+      </p:pic>
+      <p:sp>
+        <p:nvSpPr>
+          <p:cNvPr id="8" name="TextBox 3">
+            <a:extLst>
+              <a:ext uri="{FF2B5EF4-FFF2-40B4-BE49-F238E27FC236}">
+                <a16:creationId xmlns:a16="http://schemas.microsoft.com/office/drawing/2014/main" id="{7FBF5809-3A33-B447-A627-387E0DB32B80}"/>
+              </a:ext>
+            </a:extLst>
+          </p:cNvPr>
+          <p:cNvSpPr txBox="1"/>
+          <p:nvPr/>
+        </p:nvSpPr>
+        <p:spPr>
+          <a:xfrm>
+            <a:off x="886881" y="2047203"/>
+            <a:ext cx="10418237" cy="1200329"/>
+          </a:xfrm>
+          <a:prstGeom prst="rect">
+            <a:avLst/>
+          </a:prstGeom>
+          <a:noFill/>
+        </p:spPr>
+        <p:txBody>
+          <a:bodyPr wrap="none" rtlCol="0">
+            <a:spAutoFit/>
+          </a:bodyPr>
+          <a:lstStyle>
+            <a:defPPr>
+              <a:defRPr lang="en-US"/>
+            </a:defPPr>
+            <a:lvl1pPr marL="0" algn="l" defTabSz="457200" rtl="0" eaLnBrk="1" latinLnBrk="0" hangingPunct="1">
+              <a:defRPr sz="1800" kern="1200">
+                <a:solidFill>
+                  <a:schemeClr val="tx1"/>
+                </a:solidFill>
+                <a:latin typeface="+mn-lt"/>
+                <a:ea typeface="+mn-ea"/>
+                <a:cs typeface="+mn-cs"/>
+              </a:defRPr>
+            </a:lvl1pPr>
+            <a:lvl2pPr marL="457200" algn="l" defTabSz="457200" rtl="0" eaLnBrk="1" latinLnBrk="0" hangingPunct="1">
+              <a:defRPr sz="1800" kern="1200">
+                <a:solidFill>
+                  <a:schemeClr val="tx1"/>
+                </a:solidFill>
+                <a:latin typeface="+mn-lt"/>
+                <a:ea typeface="+mn-ea"/>
+                <a:cs typeface="+mn-cs"/>
+              </a:defRPr>
+            </a:lvl2pPr>
+            <a:lvl3pPr marL="914400" algn="l" defTabSz="457200" rtl="0" eaLnBrk="1" latinLnBrk="0" hangingPunct="1">
+              <a:defRPr sz="1800" kern="1200">
+                <a:solidFill>
+                  <a:schemeClr val="tx1"/>
+                </a:solidFill>
+                <a:latin typeface="+mn-lt"/>
+                <a:ea typeface="+mn-ea"/>
+                <a:cs typeface="+mn-cs"/>
+              </a:defRPr>
+            </a:lvl3pPr>
+            <a:lvl4pPr marL="1371600" algn="l" defTabSz="457200" rtl="0" eaLnBrk="1" latinLnBrk="0" hangingPunct="1">
+              <a:defRPr sz="1800" kern="1200">
+                <a:solidFill>
+                  <a:schemeClr val="tx1"/>
+                </a:solidFill>
+                <a:latin typeface="+mn-lt"/>
+                <a:ea typeface="+mn-ea"/>
+                <a:cs typeface="+mn-cs"/>
+              </a:defRPr>
+            </a:lvl4pPr>
+            <a:lvl5pPr marL="1828800" algn="l" defTabSz="457200" rtl="0" eaLnBrk="1" latinLnBrk="0" hangingPunct="1">
+              <a:defRPr sz="1800" kern="1200">
+                <a:solidFill>
+                  <a:schemeClr val="tx1"/>
+                </a:solidFill>
+                <a:latin typeface="+mn-lt"/>
+                <a:ea typeface="+mn-ea"/>
+                <a:cs typeface="+mn-cs"/>
+              </a:defRPr>
+            </a:lvl5pPr>
+            <a:lvl6pPr marL="2286000" algn="l" defTabSz="457200" rtl="0" eaLnBrk="1" latinLnBrk="0" hangingPunct="1">
+              <a:defRPr sz="1800" kern="1200">
+                <a:solidFill>
+                  <a:schemeClr val="tx1"/>
+                </a:solidFill>
+                <a:latin typeface="+mn-lt"/>
+                <a:ea typeface="+mn-ea"/>
+                <a:cs typeface="+mn-cs"/>
+              </a:defRPr>
+            </a:lvl6pPr>
+            <a:lvl7pPr marL="2743200" algn="l" defTabSz="457200" rtl="0" eaLnBrk="1" latinLnBrk="0" hangingPunct="1">
+              <a:defRPr sz="1800" kern="1200">
+                <a:solidFill>
+                  <a:schemeClr val="tx1"/>
+                </a:solidFill>
+                <a:latin typeface="+mn-lt"/>
+                <a:ea typeface="+mn-ea"/>
+                <a:cs typeface="+mn-cs"/>
+              </a:defRPr>
+            </a:lvl7pPr>
+            <a:lvl8pPr marL="3200400" algn="l" defTabSz="457200" rtl="0" eaLnBrk="1" latinLnBrk="0" hangingPunct="1">
+              <a:defRPr sz="1800" kern="1200">
+                <a:solidFill>
+                  <a:schemeClr val="tx1"/>
+                </a:solidFill>
+                <a:latin typeface="+mn-lt"/>
+                <a:ea typeface="+mn-ea"/>
+                <a:cs typeface="+mn-cs"/>
+              </a:defRPr>
+            </a:lvl8pPr>
+            <a:lvl9pPr marL="3657600" algn="l" defTabSz="457200" rtl="0" eaLnBrk="1" latinLnBrk="0" hangingPunct="1">
+              <a:defRPr sz="1800" kern="1200">
+                <a:solidFill>
+                  <a:schemeClr val="tx1"/>
+                </a:solidFill>
+                <a:latin typeface="+mn-lt"/>
+                <a:ea typeface="+mn-ea"/>
+                <a:cs typeface="+mn-cs"/>
+              </a:defRPr>
+            </a:lvl9pPr>
+          </a:lstStyle>
+          <a:p>
+            <a:r>
+              <a:rPr lang="en-US" dirty="0">
+                <a:hlinkClick r:id="rId3"/>
+              </a:rPr>
+              <a:t>Bokeh</a:t>
+            </a:r>
+            <a:r>
+              <a:rPr lang="en-US" dirty="0"/>
+              <a:t> is an interactive visualization library for modern web browsers. It provides elegant, </a:t>
+            </a:r>
+          </a:p>
+          <a:p>
+            <a:r>
+              <a:rPr lang="en-US" dirty="0"/>
+              <a:t>concise construction of versatile graphics, and affords high-performance interactivity over large </a:t>
+            </a:r>
+          </a:p>
+          <a:p>
+            <a:r>
+              <a:rPr lang="en-US" dirty="0"/>
+              <a:t>or streaming datasets. Bokeh can help anyone who would like to quickly and easily make </a:t>
+            </a:r>
+          </a:p>
+          <a:p>
+            <a:r>
+              <a:rPr lang="en-US" dirty="0"/>
+              <a:t>interactive plots, dashboards, and data applications.</a:t>
+            </a:r>
+          </a:p>
+        </p:txBody>
+      </p:sp>
+      <p:pic>
+        <p:nvPicPr>
+          <p:cNvPr id="9" name="Picture 8" descr="Application&#10;&#10;Description automatically generated with medium confidence">
+            <a:extLst>
+              <a:ext uri="{FF2B5EF4-FFF2-40B4-BE49-F238E27FC236}">
+                <a16:creationId xmlns:a16="http://schemas.microsoft.com/office/drawing/2014/main" id="{462DCD56-DB1D-DC47-B9DD-1E138F6753D7}"/>
+              </a:ext>
+            </a:extLst>
+          </p:cNvPr>
+          <p:cNvPicPr>
+            <a:picLocks noChangeAspect="1"/>
+          </p:cNvPicPr>
+          <p:nvPr/>
+        </p:nvPicPr>
+        <p:blipFill>
+          <a:blip r:embed="rId4">
+            <a:extLst>
+              <a:ext uri="{28A0092B-C50C-407E-A947-70E740481C1C}">
+                <a14:useLocalDpi xmlns:a14="http://schemas.microsoft.com/office/drawing/2010/main" val="0"/>
+              </a:ext>
+            </a:extLst>
+          </a:blip>
+          <a:stretch>
+            <a:fillRect/>
+          </a:stretch>
+        </p:blipFill>
+        <p:spPr>
+          <a:xfrm>
+            <a:off x="2773585" y="3481261"/>
+            <a:ext cx="5739027" cy="2348399"/>
+          </a:xfrm>
+          <a:prstGeom prst="rect">
+            <a:avLst/>
+          </a:prstGeom>
+        </p:spPr>
+      </p:pic>
+    </p:spTree>
+    <p:extLst>
+      <p:ext uri="{BB962C8B-B14F-4D97-AF65-F5344CB8AC3E}">
+        <p14:creationId xmlns:p14="http://schemas.microsoft.com/office/powerpoint/2010/main" val="1160779108"/>
+      </p:ext>
+    </p:extLst>
+  </p:cSld>
+  <p:clrMapOvr>
+    <a:masterClrMapping/>
+  </p:clrMapOvr>
+</p:sld>
+</file>
+
+<file path=ppt/slides/slide11.xml><?xml version="1.0" encoding="utf-8"?>
+<p:sld xmlns:a="http://schemas.openxmlformats.org/drawingml/2006/main" xmlns:r="http://schemas.openxmlformats.org/officeDocument/2006/relationships" xmlns:p="http://schemas.openxmlformats.org/presentationml/2006/main">
+  <p:cSld>
+    <p:spTree>
+      <p:nvGrpSpPr>
+        <p:cNvPr id="1" name=""/>
+        <p:cNvGrpSpPr/>
+        <p:nvPr/>
+      </p:nvGrpSpPr>
+      <p:grpSpPr>
+        <a:xfrm>
+          <a:off x="0" y="0"/>
+          <a:ext cx="0" cy="0"/>
+          <a:chOff x="0" y="0"/>
+          <a:chExt cx="0" cy="0"/>
+        </a:xfrm>
+      </p:grpSpPr>
+      <p:sp>
+        <p:nvSpPr>
           <p:cNvPr id="2" name="Title 1">
             <a:extLst>
               <a:ext uri="{FF2B5EF4-FFF2-40B4-BE49-F238E27FC236}">
@@ -3746,7 +4067,7 @@
 </p:sld>
 </file>
 
-<file path=ppt/slides/slide11.xml><?xml version="1.0" encoding="utf-8"?>
+<file path=ppt/slides/slide12.xml><?xml version="1.0" encoding="utf-8"?>
 <p:sld xmlns:a="http://schemas.openxmlformats.org/drawingml/2006/main" xmlns:r="http://schemas.openxmlformats.org/officeDocument/2006/relationships" xmlns:p="http://schemas.openxmlformats.org/presentationml/2006/main">
   <p:cSld>
     <p:spTree>
@@ -3916,7 +4237,7 @@
             <a:pPr lvl="1"/>
             <a:r>
               <a:rPr lang="en-US" dirty="0"/>
-              <a:t>Unemployment rate</a:t>
+              <a:t>Unemployment rate vs COVID-19 deaths</a:t>
             </a:r>
           </a:p>
           <a:p>
@@ -4030,7 +4351,7 @@
             <a:pPr lvl="2"/>
             <a:r>
               <a:rPr lang="en-US" dirty="0"/>
-              <a:t>How correlated are unemployment rates to COVID-19 cases?</a:t>
+              <a:t>How correlated are unemployment rates to COVID-19 deaths?</a:t>
             </a:r>
           </a:p>
           <a:p>
@@ -4150,7 +4471,7 @@
             </a:r>
           </a:p>
           <a:p>
-            <a:pPr marL="182880" lvl="1">
+            <a:pPr marL="457200" lvl="2">
               <a:lnSpc>
                 <a:spcPct val="95000"/>
               </a:lnSpc>
@@ -4165,7 +4486,7 @@
               <a:buChar char="•"/>
             </a:pPr>
             <a:r>
-              <a:rPr lang="en-US" sz="1800" spc="10" dirty="0">
+              <a:rPr lang="en-US" sz="1600" spc="10" dirty="0">
                 <a:solidFill>
                   <a:schemeClr val="tx1"/>
                 </a:solidFill>
@@ -4174,7 +4495,7 @@
             </a:r>
           </a:p>
           <a:p>
-            <a:pPr marL="182880" lvl="1">
+            <a:pPr marL="457200" lvl="2">
               <a:lnSpc>
                 <a:spcPct val="95000"/>
               </a:lnSpc>
@@ -4189,7 +4510,7 @@
               <a:buChar char="•"/>
             </a:pPr>
             <a:r>
-              <a:rPr lang="en-US" sz="1800" spc="10" dirty="0">
+              <a:rPr lang="en-US" sz="1600" spc="10" dirty="0">
                 <a:solidFill>
                   <a:schemeClr val="tx1"/>
                 </a:solidFill>
@@ -4198,7 +4519,7 @@
             </a:r>
           </a:p>
           <a:p>
-            <a:pPr marL="182880" lvl="1">
+            <a:pPr marL="457200" lvl="2">
               <a:lnSpc>
                 <a:spcPct val="95000"/>
               </a:lnSpc>
@@ -4213,7 +4534,7 @@
               <a:buChar char="•"/>
             </a:pPr>
             <a:r>
-              <a:rPr lang="en-US" sz="1800" spc="10" dirty="0">
+              <a:rPr lang="en-US" sz="1600" spc="10" dirty="0">
                 <a:solidFill>
                   <a:schemeClr val="tx1"/>
                 </a:solidFill>
@@ -4222,7 +4543,7 @@
             </a:r>
           </a:p>
           <a:p>
-            <a:pPr marL="182880" lvl="1">
+            <a:pPr marL="457200" lvl="2">
               <a:lnSpc>
                 <a:spcPct val="95000"/>
               </a:lnSpc>
@@ -4237,7 +4558,7 @@
               <a:buChar char="•"/>
             </a:pPr>
             <a:r>
-              <a:rPr lang="en-US" sz="1800" spc="10" dirty="0">
+              <a:rPr lang="en-US" sz="1600" spc="10" dirty="0">
                 <a:solidFill>
                   <a:schemeClr val="tx1"/>
                 </a:solidFill>
@@ -4461,7 +4782,7 @@
       </p:grpSpPr>
       <p:sp>
         <p:nvSpPr>
-          <p:cNvPr id="2" name="Title 1">
+          <p:cNvPr id="6" name="Title 1">
             <a:extLst>
               <a:ext uri="{FF2B5EF4-FFF2-40B4-BE49-F238E27FC236}">
                 <a16:creationId xmlns:a16="http://schemas.microsoft.com/office/drawing/2014/main" id="{5C821A41-B071-4210-9C46-92B4F5B14902}"/>
@@ -4471,14 +4792,40 @@
           <p:cNvSpPr>
             <a:spLocks noGrp="1"/>
           </p:cNvSpPr>
-          <p:nvPr>
-            <p:ph type="title"/>
-          </p:nvPr>
-        </p:nvSpPr>
-        <p:spPr/>
-        <p:txBody>
-          <a:bodyPr/>
-          <a:lstStyle/>
+          <p:nvPr/>
+        </p:nvSpPr>
+        <p:spPr>
+          <a:xfrm>
+            <a:off x="1200732" y="199698"/>
+            <a:ext cx="9692640" cy="1325562"/>
+          </a:xfrm>
+          <a:prstGeom prst="rect">
+            <a:avLst/>
+          </a:prstGeom>
+        </p:spPr>
+        <p:txBody>
+          <a:bodyPr vert="horz" lIns="91440" tIns="45720" rIns="91440" bIns="45720" rtlCol="0" anchor="b">
+            <a:normAutofit/>
+          </a:bodyPr>
+          <a:lstStyle>
+            <a:lvl1pPr algn="l" defTabSz="914400" rtl="0" eaLnBrk="1" latinLnBrk="0" hangingPunct="1">
+              <a:lnSpc>
+                <a:spcPct val="90000"/>
+              </a:lnSpc>
+              <a:spcBef>
+                <a:spcPct val="0"/>
+              </a:spcBef>
+              <a:buNone/>
+              <a:defRPr sz="4400" kern="1200" spc="-50" baseline="0">
+                <a:solidFill>
+                  <a:schemeClr val="tx1"/>
+                </a:solidFill>
+                <a:latin typeface="+mj-lt"/>
+                <a:ea typeface="+mj-ea"/>
+                <a:cs typeface="+mj-cs"/>
+              </a:defRPr>
+            </a:lvl1pPr>
+          </a:lstStyle>
           <a:p>
             <a:r>
               <a:rPr lang="en-US" dirty="0"/>
@@ -4489,7 +4836,7 @@
       </p:sp>
       <p:sp>
         <p:nvSpPr>
-          <p:cNvPr id="3" name="Content Placeholder 2">
+          <p:cNvPr id="7" name="Content Placeholder 2">
             <a:extLst>
               <a:ext uri="{FF2B5EF4-FFF2-40B4-BE49-F238E27FC236}">
                 <a16:creationId xmlns:a16="http://schemas.microsoft.com/office/drawing/2014/main" id="{8D84D9E7-2CE0-45EF-9DAF-A7A2A0FFDE05}"/>
@@ -4499,19 +4846,372 @@
           <p:cNvSpPr>
             <a:spLocks noGrp="1"/>
           </p:cNvSpPr>
-          <p:nvPr>
-            <p:ph idx="1"/>
-          </p:nvPr>
-        </p:nvSpPr>
-        <p:spPr/>
-        <p:txBody>
-          <a:bodyPr/>
-          <a:lstStyle/>
-          <a:p>
-            <a:endParaRPr lang="en-US" dirty="0"/>
-          </a:p>
-        </p:txBody>
-      </p:sp>
+          <p:nvPr/>
+        </p:nvSpPr>
+        <p:spPr>
+          <a:xfrm>
+            <a:off x="1200732" y="1662738"/>
+            <a:ext cx="8595360" cy="4351337"/>
+          </a:xfrm>
+          <a:prstGeom prst="rect">
+            <a:avLst/>
+          </a:prstGeom>
+        </p:spPr>
+        <p:txBody>
+          <a:bodyPr vert="horz" lIns="91440" tIns="45720" rIns="91440" bIns="45720" rtlCol="0">
+            <a:normAutofit/>
+          </a:bodyPr>
+          <a:lstStyle>
+            <a:lvl1pPr marL="182880" indent="-182880" algn="l" defTabSz="914400" rtl="0" eaLnBrk="1" latinLnBrk="0" hangingPunct="1">
+              <a:lnSpc>
+                <a:spcPct val="95000"/>
+              </a:lnSpc>
+              <a:spcBef>
+                <a:spcPts val="1400"/>
+              </a:spcBef>
+              <a:spcAft>
+                <a:spcPts val="200"/>
+              </a:spcAft>
+              <a:buClr>
+                <a:schemeClr val="accent1"/>
+              </a:buClr>
+              <a:buSzPct val="80000"/>
+              <a:buFont typeface="Arial" pitchFamily="34" charset="0"/>
+              <a:buChar char="•"/>
+              <a:defRPr sz="1800" kern="1200" spc="10" baseline="0">
+                <a:solidFill>
+                  <a:schemeClr val="tx1"/>
+                </a:solidFill>
+                <a:latin typeface="+mn-lt"/>
+                <a:ea typeface="+mn-ea"/>
+                <a:cs typeface="+mn-cs"/>
+              </a:defRPr>
+            </a:lvl1pPr>
+            <a:lvl2pPr marL="457200" indent="-182880" algn="l" defTabSz="914400" rtl="0" eaLnBrk="1" latinLnBrk="0" hangingPunct="1">
+              <a:lnSpc>
+                <a:spcPct val="90000"/>
+              </a:lnSpc>
+              <a:spcBef>
+                <a:spcPts val="300"/>
+              </a:spcBef>
+              <a:spcAft>
+                <a:spcPts val="300"/>
+              </a:spcAft>
+              <a:buClr>
+                <a:schemeClr val="accent1"/>
+              </a:buClr>
+              <a:buFont typeface="Wingdings 2" pitchFamily="18" charset="2"/>
+              <a:buChar char=""/>
+              <a:defRPr sz="1600" kern="1200">
+                <a:solidFill>
+                  <a:schemeClr val="tx1">
+                    <a:lumMod val="85000"/>
+                    <a:lumOff val="15000"/>
+                  </a:schemeClr>
+                </a:solidFill>
+                <a:latin typeface="+mn-lt"/>
+                <a:ea typeface="+mn-ea"/>
+                <a:cs typeface="+mn-cs"/>
+              </a:defRPr>
+            </a:lvl2pPr>
+            <a:lvl3pPr marL="731520" indent="-182880" algn="l" defTabSz="914400" rtl="0" eaLnBrk="1" latinLnBrk="0" hangingPunct="1">
+              <a:lnSpc>
+                <a:spcPct val="90000"/>
+              </a:lnSpc>
+              <a:spcBef>
+                <a:spcPts val="300"/>
+              </a:spcBef>
+              <a:spcAft>
+                <a:spcPts val="300"/>
+              </a:spcAft>
+              <a:buClr>
+                <a:schemeClr val="accent1"/>
+              </a:buClr>
+              <a:buFont typeface="Wingdings 2" pitchFamily="18" charset="2"/>
+              <a:buChar char=""/>
+              <a:defRPr sz="1400" kern="1200">
+                <a:solidFill>
+                  <a:schemeClr val="tx1">
+                    <a:lumMod val="85000"/>
+                    <a:lumOff val="15000"/>
+                  </a:schemeClr>
+                </a:solidFill>
+                <a:latin typeface="+mn-lt"/>
+                <a:ea typeface="+mn-ea"/>
+                <a:cs typeface="+mn-cs"/>
+              </a:defRPr>
+            </a:lvl3pPr>
+            <a:lvl4pPr marL="1005840" indent="-182880" algn="l" defTabSz="914400" rtl="0" eaLnBrk="1" latinLnBrk="0" hangingPunct="1">
+              <a:lnSpc>
+                <a:spcPct val="90000"/>
+              </a:lnSpc>
+              <a:spcBef>
+                <a:spcPts val="300"/>
+              </a:spcBef>
+              <a:spcAft>
+                <a:spcPts val="300"/>
+              </a:spcAft>
+              <a:buClr>
+                <a:schemeClr val="accent1"/>
+              </a:buClr>
+              <a:buFont typeface="Wingdings 2" pitchFamily="18" charset="2"/>
+              <a:buChar char=""/>
+              <a:defRPr sz="1400" kern="1200">
+                <a:solidFill>
+                  <a:schemeClr val="tx1">
+                    <a:lumMod val="85000"/>
+                    <a:lumOff val="15000"/>
+                  </a:schemeClr>
+                </a:solidFill>
+                <a:latin typeface="+mn-lt"/>
+                <a:ea typeface="+mn-ea"/>
+                <a:cs typeface="+mn-cs"/>
+              </a:defRPr>
+            </a:lvl4pPr>
+            <a:lvl5pPr marL="1280160" indent="-182880" algn="l" defTabSz="914400" rtl="0" eaLnBrk="1" latinLnBrk="0" hangingPunct="1">
+              <a:lnSpc>
+                <a:spcPct val="90000"/>
+              </a:lnSpc>
+              <a:spcBef>
+                <a:spcPts val="300"/>
+              </a:spcBef>
+              <a:spcAft>
+                <a:spcPts val="300"/>
+              </a:spcAft>
+              <a:buClr>
+                <a:schemeClr val="accent1"/>
+              </a:buClr>
+              <a:buFont typeface="Wingdings 2" pitchFamily="18" charset="2"/>
+              <a:buChar char=""/>
+              <a:defRPr sz="1400" kern="1200">
+                <a:solidFill>
+                  <a:schemeClr val="tx1">
+                    <a:lumMod val="85000"/>
+                    <a:lumOff val="15000"/>
+                  </a:schemeClr>
+                </a:solidFill>
+                <a:latin typeface="+mn-lt"/>
+                <a:ea typeface="+mn-ea"/>
+                <a:cs typeface="+mn-cs"/>
+              </a:defRPr>
+            </a:lvl5pPr>
+            <a:lvl6pPr marL="1600000" indent="-228600" algn="l" defTabSz="914400" rtl="0" eaLnBrk="1" latinLnBrk="0" hangingPunct="1">
+              <a:lnSpc>
+                <a:spcPct val="90000"/>
+              </a:lnSpc>
+              <a:spcBef>
+                <a:spcPts val="300"/>
+              </a:spcBef>
+              <a:spcAft>
+                <a:spcPts val="300"/>
+              </a:spcAft>
+              <a:buClr>
+                <a:schemeClr val="accent1"/>
+              </a:buClr>
+              <a:buFont typeface="Wingdings 2" pitchFamily="18" charset="2"/>
+              <a:buChar char=""/>
+              <a:defRPr sz="1400" kern="1200">
+                <a:solidFill>
+                  <a:schemeClr val="tx1">
+                    <a:lumMod val="85000"/>
+                    <a:lumOff val="15000"/>
+                  </a:schemeClr>
+                </a:solidFill>
+                <a:latin typeface="+mn-lt"/>
+                <a:ea typeface="+mn-ea"/>
+                <a:cs typeface="+mn-cs"/>
+              </a:defRPr>
+            </a:lvl6pPr>
+            <a:lvl7pPr marL="1900000" indent="-228600" algn="l" defTabSz="914400" rtl="0" eaLnBrk="1" latinLnBrk="0" hangingPunct="1">
+              <a:lnSpc>
+                <a:spcPct val="90000"/>
+              </a:lnSpc>
+              <a:spcBef>
+                <a:spcPts val="300"/>
+              </a:spcBef>
+              <a:spcAft>
+                <a:spcPts val="300"/>
+              </a:spcAft>
+              <a:buClr>
+                <a:schemeClr val="accent1"/>
+              </a:buClr>
+              <a:buFont typeface="Wingdings 2" pitchFamily="18" charset="2"/>
+              <a:buChar char=""/>
+              <a:defRPr sz="1400" kern="1200">
+                <a:solidFill>
+                  <a:schemeClr val="tx1">
+                    <a:lumMod val="85000"/>
+                    <a:lumOff val="15000"/>
+                  </a:schemeClr>
+                </a:solidFill>
+                <a:latin typeface="+mn-lt"/>
+                <a:ea typeface="+mn-ea"/>
+                <a:cs typeface="+mn-cs"/>
+              </a:defRPr>
+            </a:lvl7pPr>
+            <a:lvl8pPr marL="2200000" indent="-228600" algn="l" defTabSz="914400" rtl="0" eaLnBrk="1" latinLnBrk="0" hangingPunct="1">
+              <a:lnSpc>
+                <a:spcPct val="90000"/>
+              </a:lnSpc>
+              <a:spcBef>
+                <a:spcPts val="300"/>
+              </a:spcBef>
+              <a:spcAft>
+                <a:spcPts val="300"/>
+              </a:spcAft>
+              <a:buClr>
+                <a:schemeClr val="accent1"/>
+              </a:buClr>
+              <a:buFont typeface="Wingdings 2" pitchFamily="18" charset="2"/>
+              <a:buChar char=""/>
+              <a:defRPr sz="1400" kern="1200">
+                <a:solidFill>
+                  <a:schemeClr val="tx1">
+                    <a:lumMod val="85000"/>
+                    <a:lumOff val="15000"/>
+                  </a:schemeClr>
+                </a:solidFill>
+                <a:latin typeface="+mn-lt"/>
+                <a:ea typeface="+mn-ea"/>
+                <a:cs typeface="+mn-cs"/>
+              </a:defRPr>
+            </a:lvl8pPr>
+            <a:lvl9pPr marL="2500000" indent="-228600" algn="l" defTabSz="914400" rtl="0" eaLnBrk="1" latinLnBrk="0" hangingPunct="1">
+              <a:lnSpc>
+                <a:spcPct val="90000"/>
+              </a:lnSpc>
+              <a:spcBef>
+                <a:spcPts val="300"/>
+              </a:spcBef>
+              <a:spcAft>
+                <a:spcPts val="300"/>
+              </a:spcAft>
+              <a:buClr>
+                <a:schemeClr val="accent1"/>
+              </a:buClr>
+              <a:buFont typeface="Wingdings 2" pitchFamily="18" charset="2"/>
+              <a:buChar char=""/>
+              <a:defRPr sz="1400" kern="1200">
+                <a:solidFill>
+                  <a:schemeClr val="tx1">
+                    <a:lumMod val="85000"/>
+                    <a:lumOff val="15000"/>
+                  </a:schemeClr>
+                </a:solidFill>
+                <a:latin typeface="+mn-lt"/>
+                <a:ea typeface="+mn-ea"/>
+                <a:cs typeface="+mn-cs"/>
+              </a:defRPr>
+            </a:lvl9pPr>
+          </a:lstStyle>
+          <a:p>
+            <a:r>
+              <a:rPr lang="en-US" sz="1400" dirty="0"/>
+              <a:t>Unemployment increase from Jan to Dec 2020</a:t>
+            </a:r>
+          </a:p>
+          <a:p>
+            <a:r>
+              <a:rPr lang="en-US" sz="1400" dirty="0"/>
+              <a:t>Spike in March showing correlation with the effect of COVID across the US</a:t>
+            </a:r>
+          </a:p>
+          <a:p>
+            <a:r>
+              <a:rPr lang="en-US" sz="1400" dirty="0"/>
+              <a:t>One major peak in April</a:t>
+            </a:r>
+          </a:p>
+          <a:p>
+            <a:r>
+              <a:rPr lang="en-US" sz="1400" dirty="0"/>
+              <a:t>Depicted in blue is the % or deaths due to COVID vs total deaths in the US. We can see three clear waves across 2020, first one in April, second in July and a third one in November.</a:t>
+            </a:r>
+          </a:p>
+          <a:p>
+            <a:r>
+              <a:rPr lang="en-US" sz="1400" dirty="0"/>
+              <a:t>In yellow, the evolution of the % of unemployment across the US during 2020 	</a:t>
+            </a:r>
+          </a:p>
+          <a:p>
+            <a:pPr lvl="1"/>
+            <a:endParaRPr lang="en-US" sz="1200" dirty="0"/>
+          </a:p>
+        </p:txBody>
+      </p:sp>
+      <p:pic>
+        <p:nvPicPr>
+          <p:cNvPr id="8" name="Picture 7" descr="Chart, line chart&#10;&#10;Description automatically generated">
+            <a:extLst>
+              <a:ext uri="{FF2B5EF4-FFF2-40B4-BE49-F238E27FC236}">
+                <a16:creationId xmlns:a16="http://schemas.microsoft.com/office/drawing/2014/main" id="{E3804405-869A-304A-9DEF-892BE935F12B}"/>
+              </a:ext>
+            </a:extLst>
+          </p:cNvPr>
+          <p:cNvPicPr>
+            <a:picLocks noChangeAspect="1"/>
+          </p:cNvPicPr>
+          <p:nvPr/>
+        </p:nvPicPr>
+        <p:blipFill>
+          <a:blip r:embed="rId2">
+            <a:extLst>
+              <a:ext uri="{28A0092B-C50C-407E-A947-70E740481C1C}">
+                <a14:useLocalDpi xmlns:a14="http://schemas.microsoft.com/office/drawing/2010/main" val="0"/>
+              </a:ext>
+            </a:extLst>
+          </a:blip>
+          <a:stretch>
+            <a:fillRect/>
+          </a:stretch>
+        </p:blipFill>
+        <p:spPr>
+          <a:xfrm>
+            <a:off x="6635417" y="3773077"/>
+            <a:ext cx="4355851" cy="2885226"/>
+          </a:xfrm>
+          <a:prstGeom prst="rect">
+            <a:avLst/>
+          </a:prstGeom>
+        </p:spPr>
+      </p:pic>
+      <p:pic>
+        <p:nvPicPr>
+          <p:cNvPr id="9" name="Picture 8" descr="Table&#10;&#10;Description automatically generated">
+            <a:extLst>
+              <a:ext uri="{FF2B5EF4-FFF2-40B4-BE49-F238E27FC236}">
+                <a16:creationId xmlns:a16="http://schemas.microsoft.com/office/drawing/2014/main" id="{DDBDF83B-5777-2C41-9A69-DBA7D7C1C9EA}"/>
+              </a:ext>
+            </a:extLst>
+          </p:cNvPr>
+          <p:cNvPicPr>
+            <a:picLocks noChangeAspect="1"/>
+          </p:cNvPicPr>
+          <p:nvPr/>
+        </p:nvPicPr>
+        <p:blipFill>
+          <a:blip r:embed="rId3">
+            <a:extLst>
+              <a:ext uri="{28A0092B-C50C-407E-A947-70E740481C1C}">
+                <a14:useLocalDpi xmlns:a14="http://schemas.microsoft.com/office/drawing/2010/main" val="0"/>
+              </a:ext>
+            </a:extLst>
+          </a:blip>
+          <a:stretch>
+            <a:fillRect/>
+          </a:stretch>
+        </p:blipFill>
+        <p:spPr>
+          <a:xfrm>
+            <a:off x="1200732" y="4514979"/>
+            <a:ext cx="4355851" cy="811922"/>
+          </a:xfrm>
+          <a:prstGeom prst="rect">
+            <a:avLst/>
+          </a:prstGeom>
+        </p:spPr>
+      </p:pic>
     </p:spTree>
     <p:extLst>
       <p:ext uri="{BB962C8B-B14F-4D97-AF65-F5344CB8AC3E}">
@@ -4570,28 +5270,169 @@
           </a:p>
         </p:txBody>
       </p:sp>
-      <p:sp>
-        <p:nvSpPr>
-          <p:cNvPr id="3" name="Content Placeholder 2">
+      <p:pic>
+        <p:nvPicPr>
+          <p:cNvPr id="5" name="Content Placeholder 12">
             <a:extLst>
               <a:ext uri="{FF2B5EF4-FFF2-40B4-BE49-F238E27FC236}">
-                <a16:creationId xmlns:a16="http://schemas.microsoft.com/office/drawing/2014/main" id="{E330D8E9-3CF7-4FEB-A5F4-5717BEB8B3E8}"/>
+                <a16:creationId xmlns:a16="http://schemas.microsoft.com/office/drawing/2014/main" id="{9FD7F4BB-B1A3-47E0-8BB1-015F85DC498C}"/>
               </a:ext>
             </a:extLst>
           </p:cNvPr>
-          <p:cNvSpPr>
-            <a:spLocks noGrp="1"/>
-          </p:cNvSpPr>
-          <p:nvPr>
-            <p:ph idx="1"/>
-          </p:nvPr>
-        </p:nvSpPr>
-        <p:spPr/>
-        <p:txBody>
-          <a:bodyPr/>
-          <a:lstStyle/>
-          <a:p>
-            <a:endParaRPr lang="en-US" dirty="0"/>
+          <p:cNvPicPr>
+            <a:picLocks noChangeAspect="1"/>
+          </p:cNvPicPr>
+          <p:nvPr/>
+        </p:nvPicPr>
+        <p:blipFill>
+          <a:blip r:embed="rId2"/>
+          <a:stretch>
+            <a:fillRect/>
+          </a:stretch>
+        </p:blipFill>
+        <p:spPr>
+          <a:xfrm>
+            <a:off x="3764756" y="1719937"/>
+            <a:ext cx="3300412" cy="2033032"/>
+          </a:xfrm>
+          <a:prstGeom prst="rect">
+            <a:avLst/>
+          </a:prstGeom>
+        </p:spPr>
+      </p:pic>
+      <p:pic>
+        <p:nvPicPr>
+          <p:cNvPr id="6" name="Picture 5">
+            <a:extLst>
+              <a:ext uri="{FF2B5EF4-FFF2-40B4-BE49-F238E27FC236}">
+                <a16:creationId xmlns:a16="http://schemas.microsoft.com/office/drawing/2014/main" id="{DC3B052E-FEBD-4E85-88A0-77D76161C32F}"/>
+              </a:ext>
+            </a:extLst>
+          </p:cNvPr>
+          <p:cNvPicPr>
+            <a:picLocks noChangeAspect="1"/>
+          </p:cNvPicPr>
+          <p:nvPr/>
+        </p:nvPicPr>
+        <p:blipFill>
+          <a:blip r:embed="rId3"/>
+          <a:stretch>
+            <a:fillRect/>
+          </a:stretch>
+        </p:blipFill>
+        <p:spPr>
+          <a:xfrm>
+            <a:off x="157163" y="3966349"/>
+            <a:ext cx="6376894" cy="2771775"/>
+          </a:xfrm>
+          <a:prstGeom prst="rect">
+            <a:avLst/>
+          </a:prstGeom>
+        </p:spPr>
+      </p:pic>
+      <p:sp>
+        <p:nvSpPr>
+          <p:cNvPr id="7" name="TextBox 6">
+            <a:extLst>
+              <a:ext uri="{FF2B5EF4-FFF2-40B4-BE49-F238E27FC236}">
+                <a16:creationId xmlns:a16="http://schemas.microsoft.com/office/drawing/2014/main" id="{C2820DC3-2740-4B14-8BCC-0BE2EAE56DDA}"/>
+              </a:ext>
+            </a:extLst>
+          </p:cNvPr>
+          <p:cNvSpPr txBox="1"/>
+          <p:nvPr/>
+        </p:nvSpPr>
+        <p:spPr>
+          <a:xfrm>
+            <a:off x="157163" y="1691323"/>
+            <a:ext cx="3300412" cy="1200329"/>
+          </a:xfrm>
+          <a:prstGeom prst="rect">
+            <a:avLst/>
+          </a:prstGeom>
+          <a:noFill/>
+        </p:spPr>
+        <p:txBody>
+          <a:bodyPr wrap="square" rtlCol="0">
+            <a:spAutoFit/>
+          </a:bodyPr>
+          <a:lstStyle/>
+          <a:p>
+            <a:r>
+              <a:rPr lang="en-US" dirty="0"/>
+              <a:t>Increase in housing listing and prices through out 2020.</a:t>
+            </a:r>
+          </a:p>
+          <a:p>
+            <a:r>
+              <a:rPr lang="en-US" dirty="0"/>
+              <a:t>Slight decrease in listings through out Dec. </a:t>
+            </a:r>
+          </a:p>
+        </p:txBody>
+      </p:sp>
+      <p:pic>
+        <p:nvPicPr>
+          <p:cNvPr id="8" name="Picture 7">
+            <a:extLst>
+              <a:ext uri="{FF2B5EF4-FFF2-40B4-BE49-F238E27FC236}">
+                <a16:creationId xmlns:a16="http://schemas.microsoft.com/office/drawing/2014/main" id="{D68BBDD5-E7BA-452B-96B9-FF875D65C284}"/>
+              </a:ext>
+            </a:extLst>
+          </p:cNvPr>
+          <p:cNvPicPr>
+            <a:picLocks noChangeAspect="1"/>
+          </p:cNvPicPr>
+          <p:nvPr/>
+        </p:nvPicPr>
+        <p:blipFill>
+          <a:blip r:embed="rId4"/>
+          <a:stretch>
+            <a:fillRect/>
+          </a:stretch>
+        </p:blipFill>
+        <p:spPr>
+          <a:xfrm>
+            <a:off x="7372349" y="1437249"/>
+            <a:ext cx="3186111" cy="2315720"/>
+          </a:xfrm>
+          <a:prstGeom prst="rect">
+            <a:avLst/>
+          </a:prstGeom>
+        </p:spPr>
+      </p:pic>
+      <p:sp>
+        <p:nvSpPr>
+          <p:cNvPr id="9" name="TextBox 8">
+            <a:extLst>
+              <a:ext uri="{FF2B5EF4-FFF2-40B4-BE49-F238E27FC236}">
+                <a16:creationId xmlns:a16="http://schemas.microsoft.com/office/drawing/2014/main" id="{8F655318-2424-4A87-B33F-BFB18834D8B8}"/>
+              </a:ext>
+            </a:extLst>
+          </p:cNvPr>
+          <p:cNvSpPr txBox="1"/>
+          <p:nvPr/>
+        </p:nvSpPr>
+        <p:spPr>
+          <a:xfrm>
+            <a:off x="7245760" y="4551708"/>
+            <a:ext cx="3439287" cy="646331"/>
+          </a:xfrm>
+          <a:prstGeom prst="rect">
+            <a:avLst/>
+          </a:prstGeom>
+          <a:noFill/>
+        </p:spPr>
+        <p:txBody>
+          <a:bodyPr wrap="square" rtlCol="0">
+            <a:spAutoFit/>
+          </a:bodyPr>
+          <a:lstStyle/>
+          <a:p>
+            <a:r>
+              <a:rPr lang="en-US" dirty="0"/>
+              <a:t>Notable increase in mortgage debt in 2020.</a:t>
+            </a:r>
           </a:p>
         </p:txBody>
       </p:sp>
@@ -4897,7 +5738,9 @@
         </p:nvSpPr>
         <p:spPr/>
         <p:txBody>
-          <a:bodyPr/>
+          <a:bodyPr>
+            <a:normAutofit/>
+          </a:bodyPr>
           <a:lstStyle/>
           <a:p>
             <a:r>
@@ -4906,7 +5749,18 @@
             </a:r>
           </a:p>
           <a:p>
-            <a:endParaRPr lang="en-US" dirty="0"/>
+            <a:pPr lvl="1"/>
+            <a:r>
+              <a:rPr lang="en-US" dirty="0"/>
+              <a:t>2020 started with a 3.5% unemployment across all economic sectors in the US and climbed up to 14.8% at the top of the first wave of COVID in April. From that point on, we can appreciate a steady decrease until the end of the year down to 6.7%.</a:t>
+            </a:r>
+          </a:p>
+          <a:p>
+            <a:pPr lvl="1"/>
+            <a:r>
+              <a:rPr lang="en-US" dirty="0"/>
+              <a:t>In subsequent waves, unemployment rates did not climb at the same rate as COVID deaths.</a:t>
+            </a:r>
           </a:p>
           <a:p>
             <a:r>
@@ -4915,7 +5769,11 @@
             </a:r>
           </a:p>
           <a:p>
-            <a:endParaRPr lang="en-US" dirty="0"/>
+            <a:pPr lvl="1"/>
+            <a:r>
+              <a:rPr lang="en-US" dirty="0"/>
+              <a:t>Most changes shown in the real estate analysis were directly impacted by the rules and regulations set by the CDC and the govt to curb the high rising COVID cases as well as protect most individuals from facing evictions and foreclosures due to unpaid rents and mortgages.</a:t>
+            </a:r>
           </a:p>
           <a:p>
             <a:r>

--- a/Project_1_Slides.pptx
+++ b/Project_1_Slides.pptx
@@ -291,7 +291,7 @@
           <a:p>
             <a:fld id="{40FB95BA-9913-4C64-8B39-27BEB02A3997}" type="datetimeFigureOut">
               <a:rPr lang="en-US" smtClean="0"/>
-              <a:t>4/10/2021</a:t>
+              <a:t>4/11/2021</a:t>
             </a:fld>
             <a:endParaRPr lang="en-US"/>
           </a:p>
@@ -519,7 +519,7 @@
           <a:p>
             <a:fld id="{40FB95BA-9913-4C64-8B39-27BEB02A3997}" type="datetimeFigureOut">
               <a:rPr lang="en-US" smtClean="0"/>
-              <a:t>4/10/2021</a:t>
+              <a:t>4/11/2021</a:t>
             </a:fld>
             <a:endParaRPr lang="en-US"/>
           </a:p>
@@ -699,7 +699,7 @@
           <a:p>
             <a:fld id="{40FB95BA-9913-4C64-8B39-27BEB02A3997}" type="datetimeFigureOut">
               <a:rPr lang="en-US" smtClean="0"/>
-              <a:t>4/10/2021</a:t>
+              <a:t>4/11/2021</a:t>
             </a:fld>
             <a:endParaRPr lang="en-US"/>
           </a:p>
@@ -869,7 +869,7 @@
           <a:p>
             <a:fld id="{40FB95BA-9913-4C64-8B39-27BEB02A3997}" type="datetimeFigureOut">
               <a:rPr lang="en-US" smtClean="0"/>
-              <a:t>4/10/2021</a:t>
+              <a:t>4/11/2021</a:t>
             </a:fld>
             <a:endParaRPr lang="en-US"/>
           </a:p>
@@ -1123,7 +1123,7 @@
           <a:p>
             <a:fld id="{40FB95BA-9913-4C64-8B39-27BEB02A3997}" type="datetimeFigureOut">
               <a:rPr lang="en-US" smtClean="0"/>
-              <a:t>4/10/2021</a:t>
+              <a:t>4/11/2021</a:t>
             </a:fld>
             <a:endParaRPr lang="en-US"/>
           </a:p>
@@ -1449,7 +1449,7 @@
           <a:p>
             <a:fld id="{40FB95BA-9913-4C64-8B39-27BEB02A3997}" type="datetimeFigureOut">
               <a:rPr lang="en-US" smtClean="0"/>
-              <a:t>4/10/2021</a:t>
+              <a:t>4/11/2021</a:t>
             </a:fld>
             <a:endParaRPr lang="en-US"/>
           </a:p>
@@ -1900,7 +1900,7 @@
           <a:p>
             <a:fld id="{40FB95BA-9913-4C64-8B39-27BEB02A3997}" type="datetimeFigureOut">
               <a:rPr lang="en-US" smtClean="0"/>
-              <a:t>4/10/2021</a:t>
+              <a:t>4/11/2021</a:t>
             </a:fld>
             <a:endParaRPr lang="en-US"/>
           </a:p>
@@ -2018,7 +2018,7 @@
           <a:p>
             <a:fld id="{40FB95BA-9913-4C64-8B39-27BEB02A3997}" type="datetimeFigureOut">
               <a:rPr lang="en-US" smtClean="0"/>
-              <a:t>4/10/2021</a:t>
+              <a:t>4/11/2021</a:t>
             </a:fld>
             <a:endParaRPr lang="en-US"/>
           </a:p>
@@ -2113,7 +2113,7 @@
           <a:p>
             <a:fld id="{40FB95BA-9913-4C64-8B39-27BEB02A3997}" type="datetimeFigureOut">
               <a:rPr lang="en-US" smtClean="0"/>
-              <a:t>4/10/2021</a:t>
+              <a:t>4/11/2021</a:t>
             </a:fld>
             <a:endParaRPr lang="en-US"/>
           </a:p>
@@ -2400,7 +2400,7 @@
           <a:p>
             <a:fld id="{40FB95BA-9913-4C64-8B39-27BEB02A3997}" type="datetimeFigureOut">
               <a:rPr lang="en-US" smtClean="0"/>
-              <a:t>4/10/2021</a:t>
+              <a:t>4/11/2021</a:t>
             </a:fld>
             <a:endParaRPr lang="en-US"/>
           </a:p>
@@ -2722,7 +2722,7 @@
           <a:p>
             <a:fld id="{40FB95BA-9913-4C64-8B39-27BEB02A3997}" type="datetimeFigureOut">
               <a:rPr lang="en-US" smtClean="0"/>
-              <a:t>4/10/2021</a:t>
+              <a:t>4/11/2021</a:t>
             </a:fld>
             <a:endParaRPr lang="en-US"/>
           </a:p>
@@ -2976,7 +2976,7 @@
           <a:p>
             <a:fld id="{40FB95BA-9913-4C64-8B39-27BEB02A3997}" type="datetimeFigureOut">
               <a:rPr lang="en-US" smtClean="0"/>
-              <a:t>4/10/2021</a:t>
+              <a:t>4/11/2021</a:t>
             </a:fld>
             <a:endParaRPr lang="en-US"/>
           </a:p>
@@ -5545,7 +5545,7 @@
           <a:p>
             <a:r>
               <a:rPr lang="en-US" dirty="0"/>
-              <a:t>One notable dip in March 2020 when most businesses were forced to shut down</a:t>
+              <a:t>One notable dip in April 2020 when most businesses were forced to shut down</a:t>
             </a:r>
           </a:p>
           <a:p>
@@ -5599,10 +5599,10 @@
       </p:pic>
       <p:pic>
         <p:nvPicPr>
-          <p:cNvPr id="5" name="Content Placeholder 4" descr="Chart, bar chart&#10;&#10;Description automatically generated">
+          <p:cNvPr id="9" name="Picture 8">
             <a:extLst>
               <a:ext uri="{FF2B5EF4-FFF2-40B4-BE49-F238E27FC236}">
-                <a16:creationId xmlns:a16="http://schemas.microsoft.com/office/drawing/2014/main" id="{450D9F38-5730-4F89-A449-5AF2D8F27AA1}"/>
+                <a16:creationId xmlns:a16="http://schemas.microsoft.com/office/drawing/2014/main" id="{F83C4262-6DB9-4B32-9093-4A1124EA7FD2}"/>
               </a:ext>
             </a:extLst>
           </p:cNvPr>
@@ -5611,21 +5611,16 @@
           </p:cNvPicPr>
           <p:nvPr/>
         </p:nvPicPr>
-        <p:blipFill rotWithShape="1">
-          <a:blip r:embed="rId3">
-            <a:extLst>
-              <a:ext uri="{28A0092B-C50C-407E-A947-70E740481C1C}">
-                <a14:useLocalDpi xmlns:a14="http://schemas.microsoft.com/office/drawing/2010/main" val="0"/>
-              </a:ext>
-            </a:extLst>
-          </a:blip>
-          <a:srcRect l="14070" r="2626" b="-3"/>
-          <a:stretch/>
+        <p:blipFill>
+          <a:blip r:embed="rId3"/>
+          <a:stretch>
+            <a:fillRect/>
+          </a:stretch>
         </p:blipFill>
         <p:spPr>
           <a:xfrm>
-            <a:off x="6096000" y="3476615"/>
-            <a:ext cx="5075238" cy="3381375"/>
+            <a:off x="924264" y="4844110"/>
+            <a:ext cx="4112631" cy="1146143"/>
           </a:xfrm>
           <a:prstGeom prst="rect">
             <a:avLst/>
@@ -5634,10 +5629,10 @@
       </p:pic>
       <p:pic>
         <p:nvPicPr>
-          <p:cNvPr id="9" name="Picture 8">
+          <p:cNvPr id="4" name="Picture 3">
             <a:extLst>
               <a:ext uri="{FF2B5EF4-FFF2-40B4-BE49-F238E27FC236}">
-                <a16:creationId xmlns:a16="http://schemas.microsoft.com/office/drawing/2014/main" id="{F83C4262-6DB9-4B32-9093-4A1124EA7FD2}"/>
+                <a16:creationId xmlns:a16="http://schemas.microsoft.com/office/drawing/2014/main" id="{F8CFA894-6F57-4C8D-892A-443D22253A5C}"/>
               </a:ext>
             </a:extLst>
           </p:cNvPr>
@@ -5654,8 +5649,8 @@
         </p:blipFill>
         <p:spPr>
           <a:xfrm>
-            <a:off x="924264" y="4844110"/>
-            <a:ext cx="4112631" cy="1146143"/>
+            <a:off x="5652369" y="3355942"/>
+            <a:ext cx="5518869" cy="3256718"/>
           </a:xfrm>
           <a:prstGeom prst="rect">
             <a:avLst/>

--- a/Project_1_Slides.pptx
+++ b/Project_1_Slides.pptx
@@ -291,7 +291,7 @@
           <a:p>
             <a:fld id="{40FB95BA-9913-4C64-8B39-27BEB02A3997}" type="datetimeFigureOut">
               <a:rPr lang="en-US" smtClean="0"/>
-              <a:t>4/11/2021</a:t>
+              <a:t>4/12/2021</a:t>
             </a:fld>
             <a:endParaRPr lang="en-US"/>
           </a:p>
@@ -519,7 +519,7 @@
           <a:p>
             <a:fld id="{40FB95BA-9913-4C64-8B39-27BEB02A3997}" type="datetimeFigureOut">
               <a:rPr lang="en-US" smtClean="0"/>
-              <a:t>4/11/2021</a:t>
+              <a:t>4/12/2021</a:t>
             </a:fld>
             <a:endParaRPr lang="en-US"/>
           </a:p>
@@ -699,7 +699,7 @@
           <a:p>
             <a:fld id="{40FB95BA-9913-4C64-8B39-27BEB02A3997}" type="datetimeFigureOut">
               <a:rPr lang="en-US" smtClean="0"/>
-              <a:t>4/11/2021</a:t>
+              <a:t>4/12/2021</a:t>
             </a:fld>
             <a:endParaRPr lang="en-US"/>
           </a:p>
@@ -869,7 +869,7 @@
           <a:p>
             <a:fld id="{40FB95BA-9913-4C64-8B39-27BEB02A3997}" type="datetimeFigureOut">
               <a:rPr lang="en-US" smtClean="0"/>
-              <a:t>4/11/2021</a:t>
+              <a:t>4/12/2021</a:t>
             </a:fld>
             <a:endParaRPr lang="en-US"/>
           </a:p>
@@ -1123,7 +1123,7 @@
           <a:p>
             <a:fld id="{40FB95BA-9913-4C64-8B39-27BEB02A3997}" type="datetimeFigureOut">
               <a:rPr lang="en-US" smtClean="0"/>
-              <a:t>4/11/2021</a:t>
+              <a:t>4/12/2021</a:t>
             </a:fld>
             <a:endParaRPr lang="en-US"/>
           </a:p>
@@ -1449,7 +1449,7 @@
           <a:p>
             <a:fld id="{40FB95BA-9913-4C64-8B39-27BEB02A3997}" type="datetimeFigureOut">
               <a:rPr lang="en-US" smtClean="0"/>
-              <a:t>4/11/2021</a:t>
+              <a:t>4/12/2021</a:t>
             </a:fld>
             <a:endParaRPr lang="en-US"/>
           </a:p>
@@ -1900,7 +1900,7 @@
           <a:p>
             <a:fld id="{40FB95BA-9913-4C64-8B39-27BEB02A3997}" type="datetimeFigureOut">
               <a:rPr lang="en-US" smtClean="0"/>
-              <a:t>4/11/2021</a:t>
+              <a:t>4/12/2021</a:t>
             </a:fld>
             <a:endParaRPr lang="en-US"/>
           </a:p>
@@ -2018,7 +2018,7 @@
           <a:p>
             <a:fld id="{40FB95BA-9913-4C64-8B39-27BEB02A3997}" type="datetimeFigureOut">
               <a:rPr lang="en-US" smtClean="0"/>
-              <a:t>4/11/2021</a:t>
+              <a:t>4/12/2021</a:t>
             </a:fld>
             <a:endParaRPr lang="en-US"/>
           </a:p>
@@ -2113,7 +2113,7 @@
           <a:p>
             <a:fld id="{40FB95BA-9913-4C64-8B39-27BEB02A3997}" type="datetimeFigureOut">
               <a:rPr lang="en-US" smtClean="0"/>
-              <a:t>4/11/2021</a:t>
+              <a:t>4/12/2021</a:t>
             </a:fld>
             <a:endParaRPr lang="en-US"/>
           </a:p>
@@ -2400,7 +2400,7 @@
           <a:p>
             <a:fld id="{40FB95BA-9913-4C64-8B39-27BEB02A3997}" type="datetimeFigureOut">
               <a:rPr lang="en-US" smtClean="0"/>
-              <a:t>4/11/2021</a:t>
+              <a:t>4/12/2021</a:t>
             </a:fld>
             <a:endParaRPr lang="en-US"/>
           </a:p>
@@ -2722,7 +2722,7 @@
           <a:p>
             <a:fld id="{40FB95BA-9913-4C64-8B39-27BEB02A3997}" type="datetimeFigureOut">
               <a:rPr lang="en-US" smtClean="0"/>
-              <a:t>4/11/2021</a:t>
+              <a:t>4/12/2021</a:t>
             </a:fld>
             <a:endParaRPr lang="en-US"/>
           </a:p>
@@ -2976,7 +2976,7 @@
           <a:p>
             <a:fld id="{40FB95BA-9913-4C64-8B39-27BEB02A3997}" type="datetimeFigureOut">
               <a:rPr lang="en-US" smtClean="0"/>
-              <a:t>4/11/2021</a:t>
+              <a:t>4/12/2021</a:t>
             </a:fld>
             <a:endParaRPr lang="en-US"/>
           </a:p>
@@ -4223,14 +4223,12 @@
           </a:p>
           <a:p>
             <a:r>
+              <a:rPr lang="en-US"/>
+              <a:t>Selected </a:t>
+            </a:r>
+            <a:r>
               <a:rPr lang="en-US" dirty="0"/>
-              <a:t>Evaluating the perceived difference in qualitative vs. quantitative reporting</a:t>
-            </a:r>
-          </a:p>
-          <a:p>
-            <a:r>
-              <a:rPr lang="en-US" dirty="0"/>
-              <a:t>Selected 3 major areas to explore:</a:t>
+              <a:t>3 major areas to explore:</a:t>
             </a:r>
           </a:p>
           <a:p>

--- a/Project_1_Slides.pptx
+++ b/Project_1_Slides.pptx
@@ -4459,7 +4459,7 @@
         <p:spPr/>
         <p:txBody>
           <a:bodyPr>
-            <a:normAutofit/>
+            <a:normAutofit lnSpcReduction="10000"/>
           </a:bodyPr>
           <a:lstStyle/>
           <a:p>
@@ -4471,7 +4471,7 @@
           <a:p>
             <a:pPr marL="457200" lvl="2">
               <a:lnSpc>
-                <a:spcPct val="95000"/>
+                <a:spcPct val="100000"/>
               </a:lnSpc>
               <a:spcBef>
                 <a:spcPts val="1400"/>
@@ -4495,7 +4495,7 @@
           <a:p>
             <a:pPr marL="457200" lvl="2">
               <a:lnSpc>
-                <a:spcPct val="95000"/>
+                <a:spcPct val="100000"/>
               </a:lnSpc>
               <a:spcBef>
                 <a:spcPts val="1400"/>
@@ -4519,7 +4519,7 @@
           <a:p>
             <a:pPr marL="457200" lvl="2">
               <a:lnSpc>
-                <a:spcPct val="95000"/>
+                <a:spcPct val="100000"/>
               </a:lnSpc>
               <a:spcBef>
                 <a:spcPts val="1400"/>
@@ -4543,7 +4543,7 @@
           <a:p>
             <a:pPr marL="457200" lvl="2">
               <a:lnSpc>
-                <a:spcPct val="95000"/>
+                <a:spcPct val="100000"/>
               </a:lnSpc>
               <a:spcBef>
                 <a:spcPts val="1400"/>
@@ -4565,8 +4565,37 @@
             </a:r>
           </a:p>
           <a:p>
-            <a:pPr lvl="1"/>
-            <a:endParaRPr lang="en-US" sz="1600" dirty="0"/>
+            <a:pPr lvl="1">
+              <a:lnSpc>
+                <a:spcPct val="100000"/>
+              </a:lnSpc>
+            </a:pPr>
+            <a:r>
+              <a:rPr lang="en-US" sz="1600" dirty="0"/>
+              <a:t>Realtor.com</a:t>
+            </a:r>
+          </a:p>
+          <a:p>
+            <a:pPr lvl="1">
+              <a:lnSpc>
+                <a:spcPct val="100000"/>
+              </a:lnSpc>
+            </a:pPr>
+            <a:r>
+              <a:rPr lang="en-US" dirty="0"/>
+              <a:t>Census Bureau</a:t>
+            </a:r>
+          </a:p>
+          <a:p>
+            <a:pPr lvl="1">
+              <a:lnSpc>
+                <a:spcPct val="100000"/>
+              </a:lnSpc>
+            </a:pPr>
+            <a:r>
+              <a:rPr lang="en-US" sz="1600" dirty="0"/>
+              <a:t>Federal Reserve Bank of New York</a:t>
+            </a:r>
           </a:p>
           <a:p>
             <a:pPr lvl="2"/>
@@ -4591,10 +4620,6 @@
               <a:rPr lang="en-US" dirty="0"/>
               <a:t>Excel manual manipulation for difficult formatting</a:t>
             </a:r>
-          </a:p>
-          <a:p>
-            <a:pPr lvl="1"/>
-            <a:endParaRPr lang="en-US" dirty="0"/>
           </a:p>
         </p:txBody>
       </p:sp>
